--- a/Tex Docu/Präsi/Textimager PP.pptx
+++ b/Tex Docu/Präsi/Textimager PP.pptx
@@ -5,10 +5,10 @@
     <p:sldMasterId id="2147483649" r:id="rId1"/>
   </p:sldMasterIdLst>
   <p:notesMasterIdLst>
-    <p:notesMasterId r:id="rId12"/>
+    <p:notesMasterId r:id="rId18"/>
   </p:notesMasterIdLst>
   <p:handoutMasterIdLst>
-    <p:handoutMasterId r:id="rId13"/>
+    <p:handoutMasterId r:id="rId19"/>
   </p:handoutMasterIdLst>
   <p:sldIdLst>
     <p:sldId id="1841" r:id="rId2"/>
@@ -20,26 +20,39 @@
     <p:sldId id="1910" r:id="rId8"/>
     <p:sldId id="1923" r:id="rId9"/>
     <p:sldId id="1933" r:id="rId10"/>
-    <p:sldId id="1891" r:id="rId11"/>
+    <p:sldId id="1934" r:id="rId11"/>
+    <p:sldId id="1935" r:id="rId12"/>
+    <p:sldId id="1936" r:id="rId13"/>
+    <p:sldId id="1937" r:id="rId14"/>
+    <p:sldId id="1938" r:id="rId15"/>
+    <p:sldId id="1940" r:id="rId16"/>
+    <p:sldId id="1891" r:id="rId17"/>
   </p:sldIdLst>
   <p:sldSz cx="9144000" cy="6858000" type="screen4x3"/>
   <p:notesSz cx="7099300" cy="10234613"/>
   <p:embeddedFontLst>
     <p:embeddedFont>
-      <p:font typeface="Calibri" panose="020F0502020204030204" pitchFamily="34" charset="0"/>
-      <p:regular r:id="rId14"/>
-      <p:bold r:id="rId15"/>
-      <p:italic r:id="rId16"/>
-      <p:boldItalic r:id="rId17"/>
+      <p:font typeface="Georgia" panose="02040502050405020303" pitchFamily="18" charset="0"/>
+      <p:regular r:id="rId20"/>
+      <p:bold r:id="rId21"/>
+      <p:italic r:id="rId22"/>
+      <p:boldItalic r:id="rId23"/>
     </p:embeddedFont>
     <p:embeddedFont>
       <p:font typeface="Tahoma" panose="020B0604030504040204" pitchFamily="34" charset="0"/>
-      <p:regular r:id="rId18"/>
-      <p:bold r:id="rId19"/>
+      <p:regular r:id="rId24"/>
+      <p:bold r:id="rId25"/>
+    </p:embeddedFont>
+    <p:embeddedFont>
+      <p:font typeface="Calibri" panose="020F0502020204030204" pitchFamily="34" charset="0"/>
+      <p:regular r:id="rId26"/>
+      <p:bold r:id="rId27"/>
+      <p:italic r:id="rId28"/>
+      <p:boldItalic r:id="rId29"/>
     </p:embeddedFont>
   </p:embeddedFontLst>
   <p:custDataLst>
-    <p:tags r:id="rId20"/>
+    <p:tags r:id="rId30"/>
   </p:custDataLst>
   <p:defaultTextStyle>
     <a:defPPr>
@@ -167,6 +180,30 @@
     </a:lvl9pPr>
   </p:defaultTextStyle>
   <p:extLst>
+    <p:ext uri="{521415D9-36F7-43E2-AB2F-B90AF26B5E84}">
+      <p14:sectionLst xmlns:p14="http://schemas.microsoft.com/office/powerpoint/2010/main">
+        <p14:section name="Default Section" id="{EC37FEFD-C461-47E4-A01C-56E493FF41DD}">
+          <p14:sldIdLst>
+            <p14:sldId id="1841"/>
+            <p14:sldId id="1917"/>
+            <p14:sldId id="1932"/>
+            <p14:sldId id="1920"/>
+            <p14:sldId id="1914"/>
+            <p14:sldId id="1922"/>
+            <p14:sldId id="1910"/>
+            <p14:sldId id="1923"/>
+            <p14:sldId id="1933"/>
+            <p14:sldId id="1934"/>
+            <p14:sldId id="1935"/>
+            <p14:sldId id="1936"/>
+            <p14:sldId id="1937"/>
+            <p14:sldId id="1938"/>
+            <p14:sldId id="1940"/>
+            <p14:sldId id="1891"/>
+          </p14:sldIdLst>
+        </p14:section>
+      </p14:sectionLst>
+    </p:ext>
     <p:ext uri="{EFAFB233-063F-42B5-8137-9DF3F51BA10A}">
       <p15:sldGuideLst xmlns:p15="http://schemas.microsoft.com/office/powerpoint/2012/main">
         <p15:guide id="1" orient="horz" pos="2182">
@@ -209,6 +246,5531 @@
     </p:extLst>
   </p:cmAuthor>
 </p:cmAuthorLst>
+</file>
+
+<file path=ppt/diagrams/colors1.xml><?xml version="1.0" encoding="utf-8"?>
+<dgm:colorsDef xmlns:dgm="http://schemas.openxmlformats.org/drawingml/2006/diagram" xmlns:a="http://schemas.openxmlformats.org/drawingml/2006/main" uniqueId="urn:microsoft.com/office/officeart/2005/8/colors/accent6_2">
+  <dgm:title val=""/>
+  <dgm:desc val=""/>
+  <dgm:catLst>
+    <dgm:cat type="accent6" pri="11200"/>
+  </dgm:catLst>
+  <dgm:styleLbl name="node0">
+    <dgm:fillClrLst meth="repeat">
+      <a:schemeClr val="accent6"/>
+    </dgm:fillClrLst>
+    <dgm:linClrLst meth="repeat">
+      <a:schemeClr val="lt1"/>
+    </dgm:linClrLst>
+    <dgm:effectClrLst/>
+    <dgm:txLinClrLst/>
+    <dgm:txFillClrLst/>
+    <dgm:txEffectClrLst/>
+  </dgm:styleLbl>
+  <dgm:styleLbl name="node1">
+    <dgm:fillClrLst meth="repeat">
+      <a:schemeClr val="accent6"/>
+    </dgm:fillClrLst>
+    <dgm:linClrLst meth="repeat">
+      <a:schemeClr val="lt1"/>
+    </dgm:linClrLst>
+    <dgm:effectClrLst/>
+    <dgm:txLinClrLst/>
+    <dgm:txFillClrLst/>
+    <dgm:txEffectClrLst/>
+  </dgm:styleLbl>
+  <dgm:styleLbl name="alignNode1">
+    <dgm:fillClrLst meth="repeat">
+      <a:schemeClr val="accent6"/>
+    </dgm:fillClrLst>
+    <dgm:linClrLst meth="repeat">
+      <a:schemeClr val="accent6"/>
+    </dgm:linClrLst>
+    <dgm:effectClrLst/>
+    <dgm:txLinClrLst/>
+    <dgm:txFillClrLst/>
+    <dgm:txEffectClrLst/>
+  </dgm:styleLbl>
+  <dgm:styleLbl name="lnNode1">
+    <dgm:fillClrLst meth="repeat">
+      <a:schemeClr val="accent6"/>
+    </dgm:fillClrLst>
+    <dgm:linClrLst meth="repeat">
+      <a:schemeClr val="lt1"/>
+    </dgm:linClrLst>
+    <dgm:effectClrLst/>
+    <dgm:txLinClrLst/>
+    <dgm:txFillClrLst/>
+    <dgm:txEffectClrLst/>
+  </dgm:styleLbl>
+  <dgm:styleLbl name="vennNode1">
+    <dgm:fillClrLst meth="repeat">
+      <a:schemeClr val="accent6">
+        <a:alpha val="50000"/>
+      </a:schemeClr>
+    </dgm:fillClrLst>
+    <dgm:linClrLst meth="repeat">
+      <a:schemeClr val="lt1"/>
+    </dgm:linClrLst>
+    <dgm:effectClrLst/>
+    <dgm:txLinClrLst/>
+    <dgm:txFillClrLst/>
+    <dgm:txEffectClrLst/>
+  </dgm:styleLbl>
+  <dgm:styleLbl name="node2">
+    <dgm:fillClrLst meth="repeat">
+      <a:schemeClr val="accent6"/>
+    </dgm:fillClrLst>
+    <dgm:linClrLst meth="repeat">
+      <a:schemeClr val="lt1"/>
+    </dgm:linClrLst>
+    <dgm:effectClrLst/>
+    <dgm:txLinClrLst/>
+    <dgm:txFillClrLst/>
+    <dgm:txEffectClrLst/>
+  </dgm:styleLbl>
+  <dgm:styleLbl name="node3">
+    <dgm:fillClrLst meth="repeat">
+      <a:schemeClr val="accent6"/>
+    </dgm:fillClrLst>
+    <dgm:linClrLst meth="repeat">
+      <a:schemeClr val="lt1"/>
+    </dgm:linClrLst>
+    <dgm:effectClrLst/>
+    <dgm:txLinClrLst/>
+    <dgm:txFillClrLst/>
+    <dgm:txEffectClrLst/>
+  </dgm:styleLbl>
+  <dgm:styleLbl name="node4">
+    <dgm:fillClrLst meth="repeat">
+      <a:schemeClr val="accent6"/>
+    </dgm:fillClrLst>
+    <dgm:linClrLst meth="repeat">
+      <a:schemeClr val="lt1"/>
+    </dgm:linClrLst>
+    <dgm:effectClrLst/>
+    <dgm:txLinClrLst/>
+    <dgm:txFillClrLst/>
+    <dgm:txEffectClrLst/>
+  </dgm:styleLbl>
+  <dgm:styleLbl name="fgImgPlace1">
+    <dgm:fillClrLst meth="repeat">
+      <a:schemeClr val="accent6">
+        <a:tint val="50000"/>
+      </a:schemeClr>
+    </dgm:fillClrLst>
+    <dgm:linClrLst meth="repeat">
+      <a:schemeClr val="lt1"/>
+    </dgm:linClrLst>
+    <dgm:effectClrLst/>
+    <dgm:txLinClrLst/>
+    <dgm:txFillClrLst meth="repeat">
+      <a:schemeClr val="lt1"/>
+    </dgm:txFillClrLst>
+    <dgm:txEffectClrLst/>
+  </dgm:styleLbl>
+  <dgm:styleLbl name="alignImgPlace1">
+    <dgm:fillClrLst meth="repeat">
+      <a:schemeClr val="accent6">
+        <a:tint val="50000"/>
+      </a:schemeClr>
+    </dgm:fillClrLst>
+    <dgm:linClrLst meth="repeat">
+      <a:schemeClr val="lt1"/>
+    </dgm:linClrLst>
+    <dgm:effectClrLst/>
+    <dgm:txLinClrLst/>
+    <dgm:txFillClrLst meth="repeat">
+      <a:schemeClr val="lt1"/>
+    </dgm:txFillClrLst>
+    <dgm:txEffectClrLst/>
+  </dgm:styleLbl>
+  <dgm:styleLbl name="bgImgPlace1">
+    <dgm:fillClrLst meth="repeat">
+      <a:schemeClr val="accent6">
+        <a:tint val="50000"/>
+      </a:schemeClr>
+    </dgm:fillClrLst>
+    <dgm:linClrLst meth="repeat">
+      <a:schemeClr val="lt1"/>
+    </dgm:linClrLst>
+    <dgm:effectClrLst/>
+    <dgm:txLinClrLst/>
+    <dgm:txFillClrLst meth="repeat">
+      <a:schemeClr val="lt1"/>
+    </dgm:txFillClrLst>
+    <dgm:txEffectClrLst/>
+  </dgm:styleLbl>
+  <dgm:styleLbl name="sibTrans2D1">
+    <dgm:fillClrLst meth="repeat">
+      <a:schemeClr val="accent6">
+        <a:tint val="60000"/>
+      </a:schemeClr>
+    </dgm:fillClrLst>
+    <dgm:linClrLst meth="repeat">
+      <a:schemeClr val="accent6">
+        <a:tint val="60000"/>
+      </a:schemeClr>
+    </dgm:linClrLst>
+    <dgm:effectClrLst/>
+    <dgm:txLinClrLst/>
+    <dgm:txFillClrLst/>
+    <dgm:txEffectClrLst/>
+  </dgm:styleLbl>
+  <dgm:styleLbl name="fgSibTrans2D1">
+    <dgm:fillClrLst meth="repeat">
+      <a:schemeClr val="accent6">
+        <a:tint val="60000"/>
+      </a:schemeClr>
+    </dgm:fillClrLst>
+    <dgm:linClrLst meth="repeat">
+      <a:schemeClr val="accent6">
+        <a:tint val="60000"/>
+      </a:schemeClr>
+    </dgm:linClrLst>
+    <dgm:effectClrLst/>
+    <dgm:txLinClrLst/>
+    <dgm:txFillClrLst/>
+    <dgm:txEffectClrLst/>
+  </dgm:styleLbl>
+  <dgm:styleLbl name="bgSibTrans2D1">
+    <dgm:fillClrLst meth="repeat">
+      <a:schemeClr val="accent6">
+        <a:tint val="60000"/>
+      </a:schemeClr>
+    </dgm:fillClrLst>
+    <dgm:linClrLst meth="repeat">
+      <a:schemeClr val="accent6">
+        <a:tint val="60000"/>
+      </a:schemeClr>
+    </dgm:linClrLst>
+    <dgm:effectClrLst/>
+    <dgm:txLinClrLst/>
+    <dgm:txFillClrLst/>
+    <dgm:txEffectClrLst/>
+  </dgm:styleLbl>
+  <dgm:styleLbl name="sibTrans1D1">
+    <dgm:fillClrLst meth="repeat">
+      <a:schemeClr val="accent6"/>
+    </dgm:fillClrLst>
+    <dgm:linClrLst meth="repeat">
+      <a:schemeClr val="accent6"/>
+    </dgm:linClrLst>
+    <dgm:effectClrLst/>
+    <dgm:txLinClrLst/>
+    <dgm:txFillClrLst meth="repeat">
+      <a:schemeClr val="tx1"/>
+    </dgm:txFillClrLst>
+    <dgm:txEffectClrLst/>
+  </dgm:styleLbl>
+  <dgm:styleLbl name="callout">
+    <dgm:fillClrLst meth="repeat">
+      <a:schemeClr val="accent6"/>
+    </dgm:fillClrLst>
+    <dgm:linClrLst meth="repeat">
+      <a:schemeClr val="accent6">
+        <a:tint val="50000"/>
+      </a:schemeClr>
+    </dgm:linClrLst>
+    <dgm:effectClrLst/>
+    <dgm:txLinClrLst/>
+    <dgm:txFillClrLst meth="repeat">
+      <a:schemeClr val="tx1"/>
+    </dgm:txFillClrLst>
+    <dgm:txEffectClrLst/>
+  </dgm:styleLbl>
+  <dgm:styleLbl name="asst0">
+    <dgm:fillClrLst meth="repeat">
+      <a:schemeClr val="accent6"/>
+    </dgm:fillClrLst>
+    <dgm:linClrLst meth="repeat">
+      <a:schemeClr val="lt1"/>
+    </dgm:linClrLst>
+    <dgm:effectClrLst/>
+    <dgm:txLinClrLst/>
+    <dgm:txFillClrLst/>
+    <dgm:txEffectClrLst/>
+  </dgm:styleLbl>
+  <dgm:styleLbl name="asst1">
+    <dgm:fillClrLst meth="repeat">
+      <a:schemeClr val="accent6"/>
+    </dgm:fillClrLst>
+    <dgm:linClrLst meth="repeat">
+      <a:schemeClr val="lt1"/>
+    </dgm:linClrLst>
+    <dgm:effectClrLst/>
+    <dgm:txLinClrLst/>
+    <dgm:txFillClrLst/>
+    <dgm:txEffectClrLst/>
+  </dgm:styleLbl>
+  <dgm:styleLbl name="asst2">
+    <dgm:fillClrLst meth="repeat">
+      <a:schemeClr val="accent6"/>
+    </dgm:fillClrLst>
+    <dgm:linClrLst meth="repeat">
+      <a:schemeClr val="lt1"/>
+    </dgm:linClrLst>
+    <dgm:effectClrLst/>
+    <dgm:txLinClrLst/>
+    <dgm:txFillClrLst/>
+    <dgm:txEffectClrLst/>
+  </dgm:styleLbl>
+  <dgm:styleLbl name="asst3">
+    <dgm:fillClrLst meth="repeat">
+      <a:schemeClr val="accent6"/>
+    </dgm:fillClrLst>
+    <dgm:linClrLst meth="repeat">
+      <a:schemeClr val="lt1"/>
+    </dgm:linClrLst>
+    <dgm:effectClrLst/>
+    <dgm:txLinClrLst/>
+    <dgm:txFillClrLst/>
+    <dgm:txEffectClrLst/>
+  </dgm:styleLbl>
+  <dgm:styleLbl name="asst4">
+    <dgm:fillClrLst meth="repeat">
+      <a:schemeClr val="accent6"/>
+    </dgm:fillClrLst>
+    <dgm:linClrLst meth="repeat">
+      <a:schemeClr val="lt1"/>
+    </dgm:linClrLst>
+    <dgm:effectClrLst/>
+    <dgm:txLinClrLst/>
+    <dgm:txFillClrLst/>
+    <dgm:txEffectClrLst/>
+  </dgm:styleLbl>
+  <dgm:styleLbl name="parChTrans2D1">
+    <dgm:fillClrLst meth="repeat">
+      <a:schemeClr val="accent6">
+        <a:tint val="60000"/>
+      </a:schemeClr>
+    </dgm:fillClrLst>
+    <dgm:linClrLst meth="repeat">
+      <a:schemeClr val="accent6">
+        <a:tint val="60000"/>
+      </a:schemeClr>
+    </dgm:linClrLst>
+    <dgm:effectClrLst/>
+    <dgm:txLinClrLst/>
+    <dgm:txFillClrLst meth="repeat">
+      <a:schemeClr val="lt1"/>
+    </dgm:txFillClrLst>
+    <dgm:txEffectClrLst/>
+  </dgm:styleLbl>
+  <dgm:styleLbl name="parChTrans2D2">
+    <dgm:fillClrLst meth="repeat">
+      <a:schemeClr val="accent6"/>
+    </dgm:fillClrLst>
+    <dgm:linClrLst meth="repeat">
+      <a:schemeClr val="accent6"/>
+    </dgm:linClrLst>
+    <dgm:effectClrLst/>
+    <dgm:txLinClrLst/>
+    <dgm:txFillClrLst meth="repeat">
+      <a:schemeClr val="lt1"/>
+    </dgm:txFillClrLst>
+    <dgm:txEffectClrLst/>
+  </dgm:styleLbl>
+  <dgm:styleLbl name="parChTrans2D3">
+    <dgm:fillClrLst meth="repeat">
+      <a:schemeClr val="accent6"/>
+    </dgm:fillClrLst>
+    <dgm:linClrLst meth="repeat">
+      <a:schemeClr val="accent6"/>
+    </dgm:linClrLst>
+    <dgm:effectClrLst/>
+    <dgm:txLinClrLst/>
+    <dgm:txFillClrLst meth="repeat">
+      <a:schemeClr val="lt1"/>
+    </dgm:txFillClrLst>
+    <dgm:txEffectClrLst/>
+  </dgm:styleLbl>
+  <dgm:styleLbl name="parChTrans2D4">
+    <dgm:fillClrLst meth="repeat">
+      <a:schemeClr val="accent6"/>
+    </dgm:fillClrLst>
+    <dgm:linClrLst meth="repeat">
+      <a:schemeClr val="accent6"/>
+    </dgm:linClrLst>
+    <dgm:effectClrLst/>
+    <dgm:txLinClrLst/>
+    <dgm:txFillClrLst meth="repeat">
+      <a:schemeClr val="lt1"/>
+    </dgm:txFillClrLst>
+    <dgm:txEffectClrLst/>
+  </dgm:styleLbl>
+  <dgm:styleLbl name="parChTrans1D1">
+    <dgm:fillClrLst meth="repeat">
+      <a:schemeClr val="accent6"/>
+    </dgm:fillClrLst>
+    <dgm:linClrLst meth="repeat">
+      <a:schemeClr val="accent6">
+        <a:shade val="60000"/>
+      </a:schemeClr>
+    </dgm:linClrLst>
+    <dgm:effectClrLst/>
+    <dgm:txLinClrLst/>
+    <dgm:txFillClrLst meth="repeat">
+      <a:schemeClr val="tx1"/>
+    </dgm:txFillClrLst>
+    <dgm:txEffectClrLst/>
+  </dgm:styleLbl>
+  <dgm:styleLbl name="parChTrans1D2">
+    <dgm:fillClrLst meth="repeat">
+      <a:schemeClr val="accent6"/>
+    </dgm:fillClrLst>
+    <dgm:linClrLst meth="repeat">
+      <a:schemeClr val="accent6">
+        <a:shade val="60000"/>
+      </a:schemeClr>
+    </dgm:linClrLst>
+    <dgm:effectClrLst/>
+    <dgm:txLinClrLst/>
+    <dgm:txFillClrLst meth="repeat">
+      <a:schemeClr val="tx1"/>
+    </dgm:txFillClrLst>
+    <dgm:txEffectClrLst/>
+  </dgm:styleLbl>
+  <dgm:styleLbl name="parChTrans1D3">
+    <dgm:fillClrLst meth="repeat">
+      <a:schemeClr val="accent6"/>
+    </dgm:fillClrLst>
+    <dgm:linClrLst meth="repeat">
+      <a:schemeClr val="accent6">
+        <a:shade val="80000"/>
+      </a:schemeClr>
+    </dgm:linClrLst>
+    <dgm:effectClrLst/>
+    <dgm:txLinClrLst/>
+    <dgm:txFillClrLst meth="repeat">
+      <a:schemeClr val="tx1"/>
+    </dgm:txFillClrLst>
+    <dgm:txEffectClrLst/>
+  </dgm:styleLbl>
+  <dgm:styleLbl name="parChTrans1D4">
+    <dgm:fillClrLst meth="repeat">
+      <a:schemeClr val="accent6"/>
+    </dgm:fillClrLst>
+    <dgm:linClrLst meth="repeat">
+      <a:schemeClr val="accent6">
+        <a:shade val="80000"/>
+      </a:schemeClr>
+    </dgm:linClrLst>
+    <dgm:effectClrLst/>
+    <dgm:txLinClrLst/>
+    <dgm:txFillClrLst meth="repeat">
+      <a:schemeClr val="tx1"/>
+    </dgm:txFillClrLst>
+    <dgm:txEffectClrLst/>
+  </dgm:styleLbl>
+  <dgm:styleLbl name="fgAcc1">
+    <dgm:fillClrLst meth="repeat">
+      <a:schemeClr val="lt1">
+        <a:alpha val="90000"/>
+      </a:schemeClr>
+    </dgm:fillClrLst>
+    <dgm:linClrLst meth="repeat">
+      <a:schemeClr val="accent6"/>
+    </dgm:linClrLst>
+    <dgm:effectClrLst/>
+    <dgm:txLinClrLst/>
+    <dgm:txFillClrLst meth="repeat">
+      <a:schemeClr val="dk1"/>
+    </dgm:txFillClrLst>
+    <dgm:txEffectClrLst/>
+  </dgm:styleLbl>
+  <dgm:styleLbl name="conFgAcc1">
+    <dgm:fillClrLst meth="repeat">
+      <a:schemeClr val="lt1">
+        <a:alpha val="90000"/>
+      </a:schemeClr>
+    </dgm:fillClrLst>
+    <dgm:linClrLst meth="repeat">
+      <a:schemeClr val="accent6"/>
+    </dgm:linClrLst>
+    <dgm:effectClrLst/>
+    <dgm:txLinClrLst/>
+    <dgm:txFillClrLst meth="repeat">
+      <a:schemeClr val="dk1"/>
+    </dgm:txFillClrLst>
+    <dgm:txEffectClrLst/>
+  </dgm:styleLbl>
+  <dgm:styleLbl name="alignAcc1">
+    <dgm:fillClrLst meth="repeat">
+      <a:schemeClr val="lt1">
+        <a:alpha val="90000"/>
+      </a:schemeClr>
+    </dgm:fillClrLst>
+    <dgm:linClrLst meth="repeat">
+      <a:schemeClr val="accent6"/>
+    </dgm:linClrLst>
+    <dgm:effectClrLst/>
+    <dgm:txLinClrLst/>
+    <dgm:txFillClrLst meth="repeat">
+      <a:schemeClr val="dk1"/>
+    </dgm:txFillClrLst>
+    <dgm:txEffectClrLst/>
+  </dgm:styleLbl>
+  <dgm:styleLbl name="trAlignAcc1">
+    <dgm:fillClrLst meth="repeat">
+      <a:schemeClr val="lt1">
+        <a:alpha val="40000"/>
+      </a:schemeClr>
+    </dgm:fillClrLst>
+    <dgm:linClrLst meth="repeat">
+      <a:schemeClr val="accent6"/>
+    </dgm:linClrLst>
+    <dgm:effectClrLst/>
+    <dgm:txLinClrLst/>
+    <dgm:txFillClrLst meth="repeat">
+      <a:schemeClr val="dk1"/>
+    </dgm:txFillClrLst>
+    <dgm:txEffectClrLst/>
+  </dgm:styleLbl>
+  <dgm:styleLbl name="bgAcc1">
+    <dgm:fillClrLst meth="repeat">
+      <a:schemeClr val="lt1">
+        <a:alpha val="90000"/>
+      </a:schemeClr>
+    </dgm:fillClrLst>
+    <dgm:linClrLst meth="repeat">
+      <a:schemeClr val="accent6"/>
+    </dgm:linClrLst>
+    <dgm:effectClrLst/>
+    <dgm:txLinClrLst/>
+    <dgm:txFillClrLst meth="repeat">
+      <a:schemeClr val="dk1"/>
+    </dgm:txFillClrLst>
+    <dgm:txEffectClrLst/>
+  </dgm:styleLbl>
+  <dgm:styleLbl name="solidFgAcc1">
+    <dgm:fillClrLst meth="repeat">
+      <a:schemeClr val="lt1"/>
+    </dgm:fillClrLst>
+    <dgm:linClrLst meth="repeat">
+      <a:schemeClr val="accent6"/>
+    </dgm:linClrLst>
+    <dgm:effectClrLst/>
+    <dgm:txLinClrLst/>
+    <dgm:txFillClrLst meth="repeat">
+      <a:schemeClr val="dk1"/>
+    </dgm:txFillClrLst>
+    <dgm:txEffectClrLst/>
+  </dgm:styleLbl>
+  <dgm:styleLbl name="solidAlignAcc1">
+    <dgm:fillClrLst meth="repeat">
+      <a:schemeClr val="lt1"/>
+    </dgm:fillClrLst>
+    <dgm:linClrLst meth="repeat">
+      <a:schemeClr val="accent6"/>
+    </dgm:linClrLst>
+    <dgm:effectClrLst/>
+    <dgm:txLinClrLst/>
+    <dgm:txFillClrLst meth="repeat">
+      <a:schemeClr val="dk1"/>
+    </dgm:txFillClrLst>
+    <dgm:txEffectClrLst/>
+  </dgm:styleLbl>
+  <dgm:styleLbl name="solidBgAcc1">
+    <dgm:fillClrLst meth="repeat">
+      <a:schemeClr val="lt1"/>
+    </dgm:fillClrLst>
+    <dgm:linClrLst meth="repeat">
+      <a:schemeClr val="accent6"/>
+    </dgm:linClrLst>
+    <dgm:effectClrLst/>
+    <dgm:txLinClrLst/>
+    <dgm:txFillClrLst meth="repeat">
+      <a:schemeClr val="dk1"/>
+    </dgm:txFillClrLst>
+    <dgm:txEffectClrLst/>
+  </dgm:styleLbl>
+  <dgm:styleLbl name="fgAccFollowNode1">
+    <dgm:fillClrLst meth="repeat">
+      <a:schemeClr val="accent6">
+        <a:alpha val="90000"/>
+        <a:tint val="40000"/>
+      </a:schemeClr>
+    </dgm:fillClrLst>
+    <dgm:linClrLst meth="repeat">
+      <a:schemeClr val="accent6">
+        <a:alpha val="90000"/>
+        <a:tint val="40000"/>
+      </a:schemeClr>
+    </dgm:linClrLst>
+    <dgm:effectClrLst/>
+    <dgm:txLinClrLst/>
+    <dgm:txFillClrLst meth="repeat">
+      <a:schemeClr val="dk1"/>
+    </dgm:txFillClrLst>
+    <dgm:txEffectClrLst/>
+  </dgm:styleLbl>
+  <dgm:styleLbl name="alignAccFollowNode1">
+    <dgm:fillClrLst meth="repeat">
+      <a:schemeClr val="accent6">
+        <a:alpha val="90000"/>
+        <a:tint val="40000"/>
+      </a:schemeClr>
+    </dgm:fillClrLst>
+    <dgm:linClrLst meth="repeat">
+      <a:schemeClr val="accent6">
+        <a:alpha val="90000"/>
+        <a:tint val="40000"/>
+      </a:schemeClr>
+    </dgm:linClrLst>
+    <dgm:effectClrLst/>
+    <dgm:txLinClrLst/>
+    <dgm:txFillClrLst meth="repeat">
+      <a:schemeClr val="dk1"/>
+    </dgm:txFillClrLst>
+    <dgm:txEffectClrLst/>
+  </dgm:styleLbl>
+  <dgm:styleLbl name="bgAccFollowNode1">
+    <dgm:fillClrLst meth="repeat">
+      <a:schemeClr val="accent6">
+        <a:alpha val="90000"/>
+        <a:tint val="40000"/>
+      </a:schemeClr>
+    </dgm:fillClrLst>
+    <dgm:linClrLst meth="repeat">
+      <a:schemeClr val="accent6">
+        <a:alpha val="90000"/>
+        <a:tint val="40000"/>
+      </a:schemeClr>
+    </dgm:linClrLst>
+    <dgm:effectClrLst/>
+    <dgm:txLinClrLst/>
+    <dgm:txFillClrLst meth="repeat">
+      <a:schemeClr val="dk1"/>
+    </dgm:txFillClrLst>
+    <dgm:txEffectClrLst/>
+  </dgm:styleLbl>
+  <dgm:styleLbl name="fgAcc0">
+    <dgm:fillClrLst meth="repeat">
+      <a:schemeClr val="lt1">
+        <a:alpha val="90000"/>
+      </a:schemeClr>
+    </dgm:fillClrLst>
+    <dgm:linClrLst meth="repeat">
+      <a:schemeClr val="accent6"/>
+    </dgm:linClrLst>
+    <dgm:effectClrLst/>
+    <dgm:txLinClrLst/>
+    <dgm:txFillClrLst meth="repeat">
+      <a:schemeClr val="dk1"/>
+    </dgm:txFillClrLst>
+    <dgm:txEffectClrLst/>
+  </dgm:styleLbl>
+  <dgm:styleLbl name="fgAcc2">
+    <dgm:fillClrLst meth="repeat">
+      <a:schemeClr val="lt1">
+        <a:alpha val="90000"/>
+      </a:schemeClr>
+    </dgm:fillClrLst>
+    <dgm:linClrLst meth="repeat">
+      <a:schemeClr val="accent6"/>
+    </dgm:linClrLst>
+    <dgm:effectClrLst/>
+    <dgm:txLinClrLst/>
+    <dgm:txFillClrLst meth="repeat">
+      <a:schemeClr val="dk1"/>
+    </dgm:txFillClrLst>
+    <dgm:txEffectClrLst/>
+  </dgm:styleLbl>
+  <dgm:styleLbl name="fgAcc3">
+    <dgm:fillClrLst meth="repeat">
+      <a:schemeClr val="lt1">
+        <a:alpha val="90000"/>
+      </a:schemeClr>
+    </dgm:fillClrLst>
+    <dgm:linClrLst meth="repeat">
+      <a:schemeClr val="accent6"/>
+    </dgm:linClrLst>
+    <dgm:effectClrLst/>
+    <dgm:txLinClrLst/>
+    <dgm:txFillClrLst meth="repeat">
+      <a:schemeClr val="dk1"/>
+    </dgm:txFillClrLst>
+    <dgm:txEffectClrLst/>
+  </dgm:styleLbl>
+  <dgm:styleLbl name="fgAcc4">
+    <dgm:fillClrLst meth="repeat">
+      <a:schemeClr val="lt1">
+        <a:alpha val="90000"/>
+      </a:schemeClr>
+    </dgm:fillClrLst>
+    <dgm:linClrLst meth="repeat">
+      <a:schemeClr val="accent6"/>
+    </dgm:linClrLst>
+    <dgm:effectClrLst/>
+    <dgm:txLinClrLst/>
+    <dgm:txFillClrLst meth="repeat">
+      <a:schemeClr val="dk1"/>
+    </dgm:txFillClrLst>
+    <dgm:txEffectClrLst/>
+  </dgm:styleLbl>
+  <dgm:styleLbl name="bgShp">
+    <dgm:fillClrLst meth="repeat">
+      <a:schemeClr val="accent6">
+        <a:tint val="40000"/>
+      </a:schemeClr>
+    </dgm:fillClrLst>
+    <dgm:linClrLst meth="repeat">
+      <a:schemeClr val="accent6"/>
+    </dgm:linClrLst>
+    <dgm:effectClrLst/>
+    <dgm:txLinClrLst/>
+    <dgm:txFillClrLst meth="repeat">
+      <a:schemeClr val="dk1"/>
+    </dgm:txFillClrLst>
+    <dgm:txEffectClrLst/>
+  </dgm:styleLbl>
+  <dgm:styleLbl name="dkBgShp">
+    <dgm:fillClrLst meth="repeat">
+      <a:schemeClr val="accent6">
+        <a:shade val="80000"/>
+      </a:schemeClr>
+    </dgm:fillClrLst>
+    <dgm:linClrLst meth="repeat">
+      <a:schemeClr val="accent6"/>
+    </dgm:linClrLst>
+    <dgm:effectClrLst/>
+    <dgm:txLinClrLst/>
+    <dgm:txFillClrLst meth="repeat">
+      <a:schemeClr val="lt1"/>
+    </dgm:txFillClrLst>
+    <dgm:txEffectClrLst/>
+  </dgm:styleLbl>
+  <dgm:styleLbl name="trBgShp">
+    <dgm:fillClrLst meth="repeat">
+      <a:schemeClr val="accent6">
+        <a:tint val="50000"/>
+        <a:alpha val="40000"/>
+      </a:schemeClr>
+    </dgm:fillClrLst>
+    <dgm:linClrLst meth="repeat">
+      <a:schemeClr val="accent6"/>
+    </dgm:linClrLst>
+    <dgm:effectClrLst/>
+    <dgm:txLinClrLst/>
+    <dgm:txFillClrLst meth="repeat">
+      <a:schemeClr val="lt1"/>
+    </dgm:txFillClrLst>
+    <dgm:txEffectClrLst/>
+  </dgm:styleLbl>
+  <dgm:styleLbl name="fgShp">
+    <dgm:fillClrLst meth="repeat">
+      <a:schemeClr val="accent6">
+        <a:tint val="60000"/>
+      </a:schemeClr>
+    </dgm:fillClrLst>
+    <dgm:linClrLst meth="repeat">
+      <a:schemeClr val="lt1"/>
+    </dgm:linClrLst>
+    <dgm:effectClrLst/>
+    <dgm:txLinClrLst/>
+    <dgm:txFillClrLst meth="repeat">
+      <a:schemeClr val="dk1"/>
+    </dgm:txFillClrLst>
+    <dgm:txEffectClrLst/>
+  </dgm:styleLbl>
+  <dgm:styleLbl name="revTx">
+    <dgm:fillClrLst meth="repeat">
+      <a:schemeClr val="lt1">
+        <a:alpha val="0"/>
+      </a:schemeClr>
+    </dgm:fillClrLst>
+    <dgm:linClrLst meth="repeat">
+      <a:schemeClr val="dk1">
+        <a:alpha val="0"/>
+      </a:schemeClr>
+    </dgm:linClrLst>
+    <dgm:effectClrLst/>
+    <dgm:txLinClrLst/>
+    <dgm:txFillClrLst meth="repeat">
+      <a:schemeClr val="tx1"/>
+    </dgm:txFillClrLst>
+    <dgm:txEffectClrLst/>
+  </dgm:styleLbl>
+</dgm:colorsDef>
+</file>
+
+<file path=ppt/diagrams/colors2.xml><?xml version="1.0" encoding="utf-8"?>
+<dgm:colorsDef xmlns:dgm="http://schemas.openxmlformats.org/drawingml/2006/diagram" xmlns:a="http://schemas.openxmlformats.org/drawingml/2006/main" uniqueId="urn:microsoft.com/office/officeart/2005/8/colors/accent6_2">
+  <dgm:title val=""/>
+  <dgm:desc val=""/>
+  <dgm:catLst>
+    <dgm:cat type="accent6" pri="11200"/>
+  </dgm:catLst>
+  <dgm:styleLbl name="node0">
+    <dgm:fillClrLst meth="repeat">
+      <a:schemeClr val="accent6"/>
+    </dgm:fillClrLst>
+    <dgm:linClrLst meth="repeat">
+      <a:schemeClr val="lt1"/>
+    </dgm:linClrLst>
+    <dgm:effectClrLst/>
+    <dgm:txLinClrLst/>
+    <dgm:txFillClrLst/>
+    <dgm:txEffectClrLst/>
+  </dgm:styleLbl>
+  <dgm:styleLbl name="node1">
+    <dgm:fillClrLst meth="repeat">
+      <a:schemeClr val="accent6"/>
+    </dgm:fillClrLst>
+    <dgm:linClrLst meth="repeat">
+      <a:schemeClr val="lt1"/>
+    </dgm:linClrLst>
+    <dgm:effectClrLst/>
+    <dgm:txLinClrLst/>
+    <dgm:txFillClrLst/>
+    <dgm:txEffectClrLst/>
+  </dgm:styleLbl>
+  <dgm:styleLbl name="alignNode1">
+    <dgm:fillClrLst meth="repeat">
+      <a:schemeClr val="accent6"/>
+    </dgm:fillClrLst>
+    <dgm:linClrLst meth="repeat">
+      <a:schemeClr val="accent6"/>
+    </dgm:linClrLst>
+    <dgm:effectClrLst/>
+    <dgm:txLinClrLst/>
+    <dgm:txFillClrLst/>
+    <dgm:txEffectClrLst/>
+  </dgm:styleLbl>
+  <dgm:styleLbl name="lnNode1">
+    <dgm:fillClrLst meth="repeat">
+      <a:schemeClr val="accent6"/>
+    </dgm:fillClrLst>
+    <dgm:linClrLst meth="repeat">
+      <a:schemeClr val="lt1"/>
+    </dgm:linClrLst>
+    <dgm:effectClrLst/>
+    <dgm:txLinClrLst/>
+    <dgm:txFillClrLst/>
+    <dgm:txEffectClrLst/>
+  </dgm:styleLbl>
+  <dgm:styleLbl name="vennNode1">
+    <dgm:fillClrLst meth="repeat">
+      <a:schemeClr val="accent6">
+        <a:alpha val="50000"/>
+      </a:schemeClr>
+    </dgm:fillClrLst>
+    <dgm:linClrLst meth="repeat">
+      <a:schemeClr val="lt1"/>
+    </dgm:linClrLst>
+    <dgm:effectClrLst/>
+    <dgm:txLinClrLst/>
+    <dgm:txFillClrLst/>
+    <dgm:txEffectClrLst/>
+  </dgm:styleLbl>
+  <dgm:styleLbl name="node2">
+    <dgm:fillClrLst meth="repeat">
+      <a:schemeClr val="accent6"/>
+    </dgm:fillClrLst>
+    <dgm:linClrLst meth="repeat">
+      <a:schemeClr val="lt1"/>
+    </dgm:linClrLst>
+    <dgm:effectClrLst/>
+    <dgm:txLinClrLst/>
+    <dgm:txFillClrLst/>
+    <dgm:txEffectClrLst/>
+  </dgm:styleLbl>
+  <dgm:styleLbl name="node3">
+    <dgm:fillClrLst meth="repeat">
+      <a:schemeClr val="accent6"/>
+    </dgm:fillClrLst>
+    <dgm:linClrLst meth="repeat">
+      <a:schemeClr val="lt1"/>
+    </dgm:linClrLst>
+    <dgm:effectClrLst/>
+    <dgm:txLinClrLst/>
+    <dgm:txFillClrLst/>
+    <dgm:txEffectClrLst/>
+  </dgm:styleLbl>
+  <dgm:styleLbl name="node4">
+    <dgm:fillClrLst meth="repeat">
+      <a:schemeClr val="accent6"/>
+    </dgm:fillClrLst>
+    <dgm:linClrLst meth="repeat">
+      <a:schemeClr val="lt1"/>
+    </dgm:linClrLst>
+    <dgm:effectClrLst/>
+    <dgm:txLinClrLst/>
+    <dgm:txFillClrLst/>
+    <dgm:txEffectClrLst/>
+  </dgm:styleLbl>
+  <dgm:styleLbl name="fgImgPlace1">
+    <dgm:fillClrLst meth="repeat">
+      <a:schemeClr val="accent6">
+        <a:tint val="50000"/>
+      </a:schemeClr>
+    </dgm:fillClrLst>
+    <dgm:linClrLst meth="repeat">
+      <a:schemeClr val="lt1"/>
+    </dgm:linClrLst>
+    <dgm:effectClrLst/>
+    <dgm:txLinClrLst/>
+    <dgm:txFillClrLst meth="repeat">
+      <a:schemeClr val="lt1"/>
+    </dgm:txFillClrLst>
+    <dgm:txEffectClrLst/>
+  </dgm:styleLbl>
+  <dgm:styleLbl name="alignImgPlace1">
+    <dgm:fillClrLst meth="repeat">
+      <a:schemeClr val="accent6">
+        <a:tint val="50000"/>
+      </a:schemeClr>
+    </dgm:fillClrLst>
+    <dgm:linClrLst meth="repeat">
+      <a:schemeClr val="lt1"/>
+    </dgm:linClrLst>
+    <dgm:effectClrLst/>
+    <dgm:txLinClrLst/>
+    <dgm:txFillClrLst meth="repeat">
+      <a:schemeClr val="lt1"/>
+    </dgm:txFillClrLst>
+    <dgm:txEffectClrLst/>
+  </dgm:styleLbl>
+  <dgm:styleLbl name="bgImgPlace1">
+    <dgm:fillClrLst meth="repeat">
+      <a:schemeClr val="accent6">
+        <a:tint val="50000"/>
+      </a:schemeClr>
+    </dgm:fillClrLst>
+    <dgm:linClrLst meth="repeat">
+      <a:schemeClr val="lt1"/>
+    </dgm:linClrLst>
+    <dgm:effectClrLst/>
+    <dgm:txLinClrLst/>
+    <dgm:txFillClrLst meth="repeat">
+      <a:schemeClr val="lt1"/>
+    </dgm:txFillClrLst>
+    <dgm:txEffectClrLst/>
+  </dgm:styleLbl>
+  <dgm:styleLbl name="sibTrans2D1">
+    <dgm:fillClrLst meth="repeat">
+      <a:schemeClr val="accent6">
+        <a:tint val="60000"/>
+      </a:schemeClr>
+    </dgm:fillClrLst>
+    <dgm:linClrLst meth="repeat">
+      <a:schemeClr val="accent6">
+        <a:tint val="60000"/>
+      </a:schemeClr>
+    </dgm:linClrLst>
+    <dgm:effectClrLst/>
+    <dgm:txLinClrLst/>
+    <dgm:txFillClrLst/>
+    <dgm:txEffectClrLst/>
+  </dgm:styleLbl>
+  <dgm:styleLbl name="fgSibTrans2D1">
+    <dgm:fillClrLst meth="repeat">
+      <a:schemeClr val="accent6">
+        <a:tint val="60000"/>
+      </a:schemeClr>
+    </dgm:fillClrLst>
+    <dgm:linClrLst meth="repeat">
+      <a:schemeClr val="accent6">
+        <a:tint val="60000"/>
+      </a:schemeClr>
+    </dgm:linClrLst>
+    <dgm:effectClrLst/>
+    <dgm:txLinClrLst/>
+    <dgm:txFillClrLst/>
+    <dgm:txEffectClrLst/>
+  </dgm:styleLbl>
+  <dgm:styleLbl name="bgSibTrans2D1">
+    <dgm:fillClrLst meth="repeat">
+      <a:schemeClr val="accent6">
+        <a:tint val="60000"/>
+      </a:schemeClr>
+    </dgm:fillClrLst>
+    <dgm:linClrLst meth="repeat">
+      <a:schemeClr val="accent6">
+        <a:tint val="60000"/>
+      </a:schemeClr>
+    </dgm:linClrLst>
+    <dgm:effectClrLst/>
+    <dgm:txLinClrLst/>
+    <dgm:txFillClrLst/>
+    <dgm:txEffectClrLst/>
+  </dgm:styleLbl>
+  <dgm:styleLbl name="sibTrans1D1">
+    <dgm:fillClrLst meth="repeat">
+      <a:schemeClr val="accent6"/>
+    </dgm:fillClrLst>
+    <dgm:linClrLst meth="repeat">
+      <a:schemeClr val="accent6"/>
+    </dgm:linClrLst>
+    <dgm:effectClrLst/>
+    <dgm:txLinClrLst/>
+    <dgm:txFillClrLst meth="repeat">
+      <a:schemeClr val="tx1"/>
+    </dgm:txFillClrLst>
+    <dgm:txEffectClrLst/>
+  </dgm:styleLbl>
+  <dgm:styleLbl name="callout">
+    <dgm:fillClrLst meth="repeat">
+      <a:schemeClr val="accent6"/>
+    </dgm:fillClrLst>
+    <dgm:linClrLst meth="repeat">
+      <a:schemeClr val="accent6">
+        <a:tint val="50000"/>
+      </a:schemeClr>
+    </dgm:linClrLst>
+    <dgm:effectClrLst/>
+    <dgm:txLinClrLst/>
+    <dgm:txFillClrLst meth="repeat">
+      <a:schemeClr val="tx1"/>
+    </dgm:txFillClrLst>
+    <dgm:txEffectClrLst/>
+  </dgm:styleLbl>
+  <dgm:styleLbl name="asst0">
+    <dgm:fillClrLst meth="repeat">
+      <a:schemeClr val="accent6"/>
+    </dgm:fillClrLst>
+    <dgm:linClrLst meth="repeat">
+      <a:schemeClr val="lt1"/>
+    </dgm:linClrLst>
+    <dgm:effectClrLst/>
+    <dgm:txLinClrLst/>
+    <dgm:txFillClrLst/>
+    <dgm:txEffectClrLst/>
+  </dgm:styleLbl>
+  <dgm:styleLbl name="asst1">
+    <dgm:fillClrLst meth="repeat">
+      <a:schemeClr val="accent6"/>
+    </dgm:fillClrLst>
+    <dgm:linClrLst meth="repeat">
+      <a:schemeClr val="lt1"/>
+    </dgm:linClrLst>
+    <dgm:effectClrLst/>
+    <dgm:txLinClrLst/>
+    <dgm:txFillClrLst/>
+    <dgm:txEffectClrLst/>
+  </dgm:styleLbl>
+  <dgm:styleLbl name="asst2">
+    <dgm:fillClrLst meth="repeat">
+      <a:schemeClr val="accent6"/>
+    </dgm:fillClrLst>
+    <dgm:linClrLst meth="repeat">
+      <a:schemeClr val="lt1"/>
+    </dgm:linClrLst>
+    <dgm:effectClrLst/>
+    <dgm:txLinClrLst/>
+    <dgm:txFillClrLst/>
+    <dgm:txEffectClrLst/>
+  </dgm:styleLbl>
+  <dgm:styleLbl name="asst3">
+    <dgm:fillClrLst meth="repeat">
+      <a:schemeClr val="accent6"/>
+    </dgm:fillClrLst>
+    <dgm:linClrLst meth="repeat">
+      <a:schemeClr val="lt1"/>
+    </dgm:linClrLst>
+    <dgm:effectClrLst/>
+    <dgm:txLinClrLst/>
+    <dgm:txFillClrLst/>
+    <dgm:txEffectClrLst/>
+  </dgm:styleLbl>
+  <dgm:styleLbl name="asst4">
+    <dgm:fillClrLst meth="repeat">
+      <a:schemeClr val="accent6"/>
+    </dgm:fillClrLst>
+    <dgm:linClrLst meth="repeat">
+      <a:schemeClr val="lt1"/>
+    </dgm:linClrLst>
+    <dgm:effectClrLst/>
+    <dgm:txLinClrLst/>
+    <dgm:txFillClrLst/>
+    <dgm:txEffectClrLst/>
+  </dgm:styleLbl>
+  <dgm:styleLbl name="parChTrans2D1">
+    <dgm:fillClrLst meth="repeat">
+      <a:schemeClr val="accent6">
+        <a:tint val="60000"/>
+      </a:schemeClr>
+    </dgm:fillClrLst>
+    <dgm:linClrLst meth="repeat">
+      <a:schemeClr val="accent6">
+        <a:tint val="60000"/>
+      </a:schemeClr>
+    </dgm:linClrLst>
+    <dgm:effectClrLst/>
+    <dgm:txLinClrLst/>
+    <dgm:txFillClrLst meth="repeat">
+      <a:schemeClr val="lt1"/>
+    </dgm:txFillClrLst>
+    <dgm:txEffectClrLst/>
+  </dgm:styleLbl>
+  <dgm:styleLbl name="parChTrans2D2">
+    <dgm:fillClrLst meth="repeat">
+      <a:schemeClr val="accent6"/>
+    </dgm:fillClrLst>
+    <dgm:linClrLst meth="repeat">
+      <a:schemeClr val="accent6"/>
+    </dgm:linClrLst>
+    <dgm:effectClrLst/>
+    <dgm:txLinClrLst/>
+    <dgm:txFillClrLst meth="repeat">
+      <a:schemeClr val="lt1"/>
+    </dgm:txFillClrLst>
+    <dgm:txEffectClrLst/>
+  </dgm:styleLbl>
+  <dgm:styleLbl name="parChTrans2D3">
+    <dgm:fillClrLst meth="repeat">
+      <a:schemeClr val="accent6"/>
+    </dgm:fillClrLst>
+    <dgm:linClrLst meth="repeat">
+      <a:schemeClr val="accent6"/>
+    </dgm:linClrLst>
+    <dgm:effectClrLst/>
+    <dgm:txLinClrLst/>
+    <dgm:txFillClrLst meth="repeat">
+      <a:schemeClr val="lt1"/>
+    </dgm:txFillClrLst>
+    <dgm:txEffectClrLst/>
+  </dgm:styleLbl>
+  <dgm:styleLbl name="parChTrans2D4">
+    <dgm:fillClrLst meth="repeat">
+      <a:schemeClr val="accent6"/>
+    </dgm:fillClrLst>
+    <dgm:linClrLst meth="repeat">
+      <a:schemeClr val="accent6"/>
+    </dgm:linClrLst>
+    <dgm:effectClrLst/>
+    <dgm:txLinClrLst/>
+    <dgm:txFillClrLst meth="repeat">
+      <a:schemeClr val="lt1"/>
+    </dgm:txFillClrLst>
+    <dgm:txEffectClrLst/>
+  </dgm:styleLbl>
+  <dgm:styleLbl name="parChTrans1D1">
+    <dgm:fillClrLst meth="repeat">
+      <a:schemeClr val="accent6"/>
+    </dgm:fillClrLst>
+    <dgm:linClrLst meth="repeat">
+      <a:schemeClr val="accent6">
+        <a:shade val="60000"/>
+      </a:schemeClr>
+    </dgm:linClrLst>
+    <dgm:effectClrLst/>
+    <dgm:txLinClrLst/>
+    <dgm:txFillClrLst meth="repeat">
+      <a:schemeClr val="tx1"/>
+    </dgm:txFillClrLst>
+    <dgm:txEffectClrLst/>
+  </dgm:styleLbl>
+  <dgm:styleLbl name="parChTrans1D2">
+    <dgm:fillClrLst meth="repeat">
+      <a:schemeClr val="accent6"/>
+    </dgm:fillClrLst>
+    <dgm:linClrLst meth="repeat">
+      <a:schemeClr val="accent6">
+        <a:shade val="60000"/>
+      </a:schemeClr>
+    </dgm:linClrLst>
+    <dgm:effectClrLst/>
+    <dgm:txLinClrLst/>
+    <dgm:txFillClrLst meth="repeat">
+      <a:schemeClr val="tx1"/>
+    </dgm:txFillClrLst>
+    <dgm:txEffectClrLst/>
+  </dgm:styleLbl>
+  <dgm:styleLbl name="parChTrans1D3">
+    <dgm:fillClrLst meth="repeat">
+      <a:schemeClr val="accent6"/>
+    </dgm:fillClrLst>
+    <dgm:linClrLst meth="repeat">
+      <a:schemeClr val="accent6">
+        <a:shade val="80000"/>
+      </a:schemeClr>
+    </dgm:linClrLst>
+    <dgm:effectClrLst/>
+    <dgm:txLinClrLst/>
+    <dgm:txFillClrLst meth="repeat">
+      <a:schemeClr val="tx1"/>
+    </dgm:txFillClrLst>
+    <dgm:txEffectClrLst/>
+  </dgm:styleLbl>
+  <dgm:styleLbl name="parChTrans1D4">
+    <dgm:fillClrLst meth="repeat">
+      <a:schemeClr val="accent6"/>
+    </dgm:fillClrLst>
+    <dgm:linClrLst meth="repeat">
+      <a:schemeClr val="accent6">
+        <a:shade val="80000"/>
+      </a:schemeClr>
+    </dgm:linClrLst>
+    <dgm:effectClrLst/>
+    <dgm:txLinClrLst/>
+    <dgm:txFillClrLst meth="repeat">
+      <a:schemeClr val="tx1"/>
+    </dgm:txFillClrLst>
+    <dgm:txEffectClrLst/>
+  </dgm:styleLbl>
+  <dgm:styleLbl name="fgAcc1">
+    <dgm:fillClrLst meth="repeat">
+      <a:schemeClr val="lt1">
+        <a:alpha val="90000"/>
+      </a:schemeClr>
+    </dgm:fillClrLst>
+    <dgm:linClrLst meth="repeat">
+      <a:schemeClr val="accent6"/>
+    </dgm:linClrLst>
+    <dgm:effectClrLst/>
+    <dgm:txLinClrLst/>
+    <dgm:txFillClrLst meth="repeat">
+      <a:schemeClr val="dk1"/>
+    </dgm:txFillClrLst>
+    <dgm:txEffectClrLst/>
+  </dgm:styleLbl>
+  <dgm:styleLbl name="conFgAcc1">
+    <dgm:fillClrLst meth="repeat">
+      <a:schemeClr val="lt1">
+        <a:alpha val="90000"/>
+      </a:schemeClr>
+    </dgm:fillClrLst>
+    <dgm:linClrLst meth="repeat">
+      <a:schemeClr val="accent6"/>
+    </dgm:linClrLst>
+    <dgm:effectClrLst/>
+    <dgm:txLinClrLst/>
+    <dgm:txFillClrLst meth="repeat">
+      <a:schemeClr val="dk1"/>
+    </dgm:txFillClrLst>
+    <dgm:txEffectClrLst/>
+  </dgm:styleLbl>
+  <dgm:styleLbl name="alignAcc1">
+    <dgm:fillClrLst meth="repeat">
+      <a:schemeClr val="lt1">
+        <a:alpha val="90000"/>
+      </a:schemeClr>
+    </dgm:fillClrLst>
+    <dgm:linClrLst meth="repeat">
+      <a:schemeClr val="accent6"/>
+    </dgm:linClrLst>
+    <dgm:effectClrLst/>
+    <dgm:txLinClrLst/>
+    <dgm:txFillClrLst meth="repeat">
+      <a:schemeClr val="dk1"/>
+    </dgm:txFillClrLst>
+    <dgm:txEffectClrLst/>
+  </dgm:styleLbl>
+  <dgm:styleLbl name="trAlignAcc1">
+    <dgm:fillClrLst meth="repeat">
+      <a:schemeClr val="lt1">
+        <a:alpha val="40000"/>
+      </a:schemeClr>
+    </dgm:fillClrLst>
+    <dgm:linClrLst meth="repeat">
+      <a:schemeClr val="accent6"/>
+    </dgm:linClrLst>
+    <dgm:effectClrLst/>
+    <dgm:txLinClrLst/>
+    <dgm:txFillClrLst meth="repeat">
+      <a:schemeClr val="dk1"/>
+    </dgm:txFillClrLst>
+    <dgm:txEffectClrLst/>
+  </dgm:styleLbl>
+  <dgm:styleLbl name="bgAcc1">
+    <dgm:fillClrLst meth="repeat">
+      <a:schemeClr val="lt1">
+        <a:alpha val="90000"/>
+      </a:schemeClr>
+    </dgm:fillClrLst>
+    <dgm:linClrLst meth="repeat">
+      <a:schemeClr val="accent6"/>
+    </dgm:linClrLst>
+    <dgm:effectClrLst/>
+    <dgm:txLinClrLst/>
+    <dgm:txFillClrLst meth="repeat">
+      <a:schemeClr val="dk1"/>
+    </dgm:txFillClrLst>
+    <dgm:txEffectClrLst/>
+  </dgm:styleLbl>
+  <dgm:styleLbl name="solidFgAcc1">
+    <dgm:fillClrLst meth="repeat">
+      <a:schemeClr val="lt1"/>
+    </dgm:fillClrLst>
+    <dgm:linClrLst meth="repeat">
+      <a:schemeClr val="accent6"/>
+    </dgm:linClrLst>
+    <dgm:effectClrLst/>
+    <dgm:txLinClrLst/>
+    <dgm:txFillClrLst meth="repeat">
+      <a:schemeClr val="dk1"/>
+    </dgm:txFillClrLst>
+    <dgm:txEffectClrLst/>
+  </dgm:styleLbl>
+  <dgm:styleLbl name="solidAlignAcc1">
+    <dgm:fillClrLst meth="repeat">
+      <a:schemeClr val="lt1"/>
+    </dgm:fillClrLst>
+    <dgm:linClrLst meth="repeat">
+      <a:schemeClr val="accent6"/>
+    </dgm:linClrLst>
+    <dgm:effectClrLst/>
+    <dgm:txLinClrLst/>
+    <dgm:txFillClrLst meth="repeat">
+      <a:schemeClr val="dk1"/>
+    </dgm:txFillClrLst>
+    <dgm:txEffectClrLst/>
+  </dgm:styleLbl>
+  <dgm:styleLbl name="solidBgAcc1">
+    <dgm:fillClrLst meth="repeat">
+      <a:schemeClr val="lt1"/>
+    </dgm:fillClrLst>
+    <dgm:linClrLst meth="repeat">
+      <a:schemeClr val="accent6"/>
+    </dgm:linClrLst>
+    <dgm:effectClrLst/>
+    <dgm:txLinClrLst/>
+    <dgm:txFillClrLst meth="repeat">
+      <a:schemeClr val="dk1"/>
+    </dgm:txFillClrLst>
+    <dgm:txEffectClrLst/>
+  </dgm:styleLbl>
+  <dgm:styleLbl name="fgAccFollowNode1">
+    <dgm:fillClrLst meth="repeat">
+      <a:schemeClr val="accent6">
+        <a:alpha val="90000"/>
+        <a:tint val="40000"/>
+      </a:schemeClr>
+    </dgm:fillClrLst>
+    <dgm:linClrLst meth="repeat">
+      <a:schemeClr val="accent6">
+        <a:alpha val="90000"/>
+        <a:tint val="40000"/>
+      </a:schemeClr>
+    </dgm:linClrLst>
+    <dgm:effectClrLst/>
+    <dgm:txLinClrLst/>
+    <dgm:txFillClrLst meth="repeat">
+      <a:schemeClr val="dk1"/>
+    </dgm:txFillClrLst>
+    <dgm:txEffectClrLst/>
+  </dgm:styleLbl>
+  <dgm:styleLbl name="alignAccFollowNode1">
+    <dgm:fillClrLst meth="repeat">
+      <a:schemeClr val="accent6">
+        <a:alpha val="90000"/>
+        <a:tint val="40000"/>
+      </a:schemeClr>
+    </dgm:fillClrLst>
+    <dgm:linClrLst meth="repeat">
+      <a:schemeClr val="accent6">
+        <a:alpha val="90000"/>
+        <a:tint val="40000"/>
+      </a:schemeClr>
+    </dgm:linClrLst>
+    <dgm:effectClrLst/>
+    <dgm:txLinClrLst/>
+    <dgm:txFillClrLst meth="repeat">
+      <a:schemeClr val="dk1"/>
+    </dgm:txFillClrLst>
+    <dgm:txEffectClrLst/>
+  </dgm:styleLbl>
+  <dgm:styleLbl name="bgAccFollowNode1">
+    <dgm:fillClrLst meth="repeat">
+      <a:schemeClr val="accent6">
+        <a:alpha val="90000"/>
+        <a:tint val="40000"/>
+      </a:schemeClr>
+    </dgm:fillClrLst>
+    <dgm:linClrLst meth="repeat">
+      <a:schemeClr val="accent6">
+        <a:alpha val="90000"/>
+        <a:tint val="40000"/>
+      </a:schemeClr>
+    </dgm:linClrLst>
+    <dgm:effectClrLst/>
+    <dgm:txLinClrLst/>
+    <dgm:txFillClrLst meth="repeat">
+      <a:schemeClr val="dk1"/>
+    </dgm:txFillClrLst>
+    <dgm:txEffectClrLst/>
+  </dgm:styleLbl>
+  <dgm:styleLbl name="fgAcc0">
+    <dgm:fillClrLst meth="repeat">
+      <a:schemeClr val="lt1">
+        <a:alpha val="90000"/>
+      </a:schemeClr>
+    </dgm:fillClrLst>
+    <dgm:linClrLst meth="repeat">
+      <a:schemeClr val="accent6"/>
+    </dgm:linClrLst>
+    <dgm:effectClrLst/>
+    <dgm:txLinClrLst/>
+    <dgm:txFillClrLst meth="repeat">
+      <a:schemeClr val="dk1"/>
+    </dgm:txFillClrLst>
+    <dgm:txEffectClrLst/>
+  </dgm:styleLbl>
+  <dgm:styleLbl name="fgAcc2">
+    <dgm:fillClrLst meth="repeat">
+      <a:schemeClr val="lt1">
+        <a:alpha val="90000"/>
+      </a:schemeClr>
+    </dgm:fillClrLst>
+    <dgm:linClrLst meth="repeat">
+      <a:schemeClr val="accent6"/>
+    </dgm:linClrLst>
+    <dgm:effectClrLst/>
+    <dgm:txLinClrLst/>
+    <dgm:txFillClrLst meth="repeat">
+      <a:schemeClr val="dk1"/>
+    </dgm:txFillClrLst>
+    <dgm:txEffectClrLst/>
+  </dgm:styleLbl>
+  <dgm:styleLbl name="fgAcc3">
+    <dgm:fillClrLst meth="repeat">
+      <a:schemeClr val="lt1">
+        <a:alpha val="90000"/>
+      </a:schemeClr>
+    </dgm:fillClrLst>
+    <dgm:linClrLst meth="repeat">
+      <a:schemeClr val="accent6"/>
+    </dgm:linClrLst>
+    <dgm:effectClrLst/>
+    <dgm:txLinClrLst/>
+    <dgm:txFillClrLst meth="repeat">
+      <a:schemeClr val="dk1"/>
+    </dgm:txFillClrLst>
+    <dgm:txEffectClrLst/>
+  </dgm:styleLbl>
+  <dgm:styleLbl name="fgAcc4">
+    <dgm:fillClrLst meth="repeat">
+      <a:schemeClr val="lt1">
+        <a:alpha val="90000"/>
+      </a:schemeClr>
+    </dgm:fillClrLst>
+    <dgm:linClrLst meth="repeat">
+      <a:schemeClr val="accent6"/>
+    </dgm:linClrLst>
+    <dgm:effectClrLst/>
+    <dgm:txLinClrLst/>
+    <dgm:txFillClrLst meth="repeat">
+      <a:schemeClr val="dk1"/>
+    </dgm:txFillClrLst>
+    <dgm:txEffectClrLst/>
+  </dgm:styleLbl>
+  <dgm:styleLbl name="bgShp">
+    <dgm:fillClrLst meth="repeat">
+      <a:schemeClr val="accent6">
+        <a:tint val="40000"/>
+      </a:schemeClr>
+    </dgm:fillClrLst>
+    <dgm:linClrLst meth="repeat">
+      <a:schemeClr val="accent6"/>
+    </dgm:linClrLst>
+    <dgm:effectClrLst/>
+    <dgm:txLinClrLst/>
+    <dgm:txFillClrLst meth="repeat">
+      <a:schemeClr val="dk1"/>
+    </dgm:txFillClrLst>
+    <dgm:txEffectClrLst/>
+  </dgm:styleLbl>
+  <dgm:styleLbl name="dkBgShp">
+    <dgm:fillClrLst meth="repeat">
+      <a:schemeClr val="accent6">
+        <a:shade val="80000"/>
+      </a:schemeClr>
+    </dgm:fillClrLst>
+    <dgm:linClrLst meth="repeat">
+      <a:schemeClr val="accent6"/>
+    </dgm:linClrLst>
+    <dgm:effectClrLst/>
+    <dgm:txLinClrLst/>
+    <dgm:txFillClrLst meth="repeat">
+      <a:schemeClr val="lt1"/>
+    </dgm:txFillClrLst>
+    <dgm:txEffectClrLst/>
+  </dgm:styleLbl>
+  <dgm:styleLbl name="trBgShp">
+    <dgm:fillClrLst meth="repeat">
+      <a:schemeClr val="accent6">
+        <a:tint val="50000"/>
+        <a:alpha val="40000"/>
+      </a:schemeClr>
+    </dgm:fillClrLst>
+    <dgm:linClrLst meth="repeat">
+      <a:schemeClr val="accent6"/>
+    </dgm:linClrLst>
+    <dgm:effectClrLst/>
+    <dgm:txLinClrLst/>
+    <dgm:txFillClrLst meth="repeat">
+      <a:schemeClr val="lt1"/>
+    </dgm:txFillClrLst>
+    <dgm:txEffectClrLst/>
+  </dgm:styleLbl>
+  <dgm:styleLbl name="fgShp">
+    <dgm:fillClrLst meth="repeat">
+      <a:schemeClr val="accent6">
+        <a:tint val="60000"/>
+      </a:schemeClr>
+    </dgm:fillClrLst>
+    <dgm:linClrLst meth="repeat">
+      <a:schemeClr val="lt1"/>
+    </dgm:linClrLst>
+    <dgm:effectClrLst/>
+    <dgm:txLinClrLst/>
+    <dgm:txFillClrLst meth="repeat">
+      <a:schemeClr val="dk1"/>
+    </dgm:txFillClrLst>
+    <dgm:txEffectClrLst/>
+  </dgm:styleLbl>
+  <dgm:styleLbl name="revTx">
+    <dgm:fillClrLst meth="repeat">
+      <a:schemeClr val="lt1">
+        <a:alpha val="0"/>
+      </a:schemeClr>
+    </dgm:fillClrLst>
+    <dgm:linClrLst meth="repeat">
+      <a:schemeClr val="dk1">
+        <a:alpha val="0"/>
+      </a:schemeClr>
+    </dgm:linClrLst>
+    <dgm:effectClrLst/>
+    <dgm:txLinClrLst/>
+    <dgm:txFillClrLst meth="repeat">
+      <a:schemeClr val="tx1"/>
+    </dgm:txFillClrLst>
+    <dgm:txEffectClrLst/>
+  </dgm:styleLbl>
+</dgm:colorsDef>
+</file>
+
+<file path=ppt/diagrams/data1.xml><?xml version="1.0" encoding="utf-8"?>
+<dgm:dataModel xmlns:dgm="http://schemas.openxmlformats.org/drawingml/2006/diagram" xmlns:a="http://schemas.openxmlformats.org/drawingml/2006/main">
+  <dgm:ptLst>
+    <dgm:pt modelId="{9859921E-33DD-4CD8-9E72-C0CFA97DB590}" type="doc">
+      <dgm:prSet loTypeId="urn:microsoft.com/office/officeart/2005/8/layout/hProcess9" loCatId="process" qsTypeId="urn:microsoft.com/office/officeart/2005/8/quickstyle/simple1" qsCatId="simple" csTypeId="urn:microsoft.com/office/officeart/2005/8/colors/accent6_2" csCatId="accent6" phldr="1"/>
+      <dgm:spPr/>
+      <dgm:t>
+        <a:bodyPr/>
+        <a:lstStyle/>
+        <a:p>
+          <a:endParaRPr lang="de-DE"/>
+        </a:p>
+      </dgm:t>
+    </dgm:pt>
+    <dgm:pt modelId="{61EE0D30-8C7F-42C0-95E5-848DC3A0611D}">
+      <dgm:prSet phldrT="[Text]" custT="1"/>
+      <dgm:spPr/>
+      <dgm:t>
+        <a:bodyPr/>
+        <a:lstStyle/>
+        <a:p>
+          <a:r>
+            <a:rPr lang="de-DE" sz="2000" dirty="0" err="1" smtClean="0">
+              <a:latin typeface="Calibri" panose="020F0502020204030204" pitchFamily="34" charset="0"/>
+              <a:cs typeface="Calibri" panose="020F0502020204030204" pitchFamily="34" charset="0"/>
+            </a:rPr>
+            <a:t>JepAnnotator</a:t>
+          </a:r>
+          <a:endParaRPr lang="de-DE" sz="2000" dirty="0" smtClean="0">
+            <a:latin typeface="Calibri" panose="020F0502020204030204" pitchFamily="34" charset="0"/>
+            <a:cs typeface="Calibri" panose="020F0502020204030204" pitchFamily="34" charset="0"/>
+          </a:endParaRPr>
+        </a:p>
+        <a:p>
+          <a:r>
+            <a:rPr lang="de-DE" sz="2000" dirty="0" err="1" smtClean="0">
+              <a:latin typeface="Calibri" panose="020F0502020204030204" pitchFamily="34" charset="0"/>
+              <a:cs typeface="Calibri" panose="020F0502020204030204" pitchFamily="34" charset="0"/>
+            </a:rPr>
+            <a:t>initialize</a:t>
+          </a:r>
+          <a:r>
+            <a:rPr lang="de-DE" sz="2000" dirty="0" smtClean="0">
+              <a:latin typeface="Calibri" panose="020F0502020204030204" pitchFamily="34" charset="0"/>
+              <a:cs typeface="Calibri" panose="020F0502020204030204" pitchFamily="34" charset="0"/>
+            </a:rPr>
+            <a:t>()</a:t>
+          </a:r>
+          <a:endParaRPr lang="de-DE" sz="3600" dirty="0">
+            <a:latin typeface="Calibri" panose="020F0502020204030204" pitchFamily="34" charset="0"/>
+            <a:cs typeface="Calibri" panose="020F0502020204030204" pitchFamily="34" charset="0"/>
+          </a:endParaRPr>
+        </a:p>
+      </dgm:t>
+    </dgm:pt>
+    <dgm:pt modelId="{A5209B10-B976-4714-854F-ACECF2472F5A}" type="parTrans" cxnId="{141DD28A-32D6-47C4-80B0-CA095EA9808B}">
+      <dgm:prSet/>
+      <dgm:spPr/>
+      <dgm:t>
+        <a:bodyPr/>
+        <a:lstStyle/>
+        <a:p>
+          <a:endParaRPr lang="de-DE"/>
+        </a:p>
+      </dgm:t>
+    </dgm:pt>
+    <dgm:pt modelId="{5121C454-E769-4028-BEE6-EA0DF01D1FA0}" type="sibTrans" cxnId="{141DD28A-32D6-47C4-80B0-CA095EA9808B}">
+      <dgm:prSet/>
+      <dgm:spPr/>
+      <dgm:t>
+        <a:bodyPr/>
+        <a:lstStyle/>
+        <a:p>
+          <a:endParaRPr lang="de-DE"/>
+        </a:p>
+      </dgm:t>
+    </dgm:pt>
+    <dgm:pt modelId="{40310363-B0F5-41C7-B274-319FBD42D8A2}">
+      <dgm:prSet phldrT="[Text]" custT="1"/>
+      <dgm:spPr/>
+      <dgm:t>
+        <a:bodyPr/>
+        <a:lstStyle/>
+        <a:p>
+          <a:r>
+            <a:rPr lang="de-DE" sz="2000" dirty="0" smtClean="0">
+              <a:latin typeface="Calibri" panose="020F0502020204030204" pitchFamily="34" charset="0"/>
+              <a:cs typeface="Calibri" panose="020F0502020204030204" pitchFamily="34" charset="0"/>
+            </a:rPr>
+            <a:t>Python Shell</a:t>
+          </a:r>
+        </a:p>
+        <a:p>
+          <a:r>
+            <a:rPr lang="de-DE" sz="2000" dirty="0" smtClean="0">
+              <a:latin typeface="Calibri" panose="020F0502020204030204" pitchFamily="34" charset="0"/>
+              <a:cs typeface="Calibri" panose="020F0502020204030204" pitchFamily="34" charset="0"/>
+            </a:rPr>
+            <a:t>(</a:t>
+          </a:r>
+          <a:r>
+            <a:rPr lang="de-DE" sz="2000" dirty="0" err="1" smtClean="0">
+              <a:latin typeface="Calibri" panose="020F0502020204030204" pitchFamily="34" charset="0"/>
+              <a:cs typeface="Calibri" panose="020F0502020204030204" pitchFamily="34" charset="0"/>
+            </a:rPr>
+            <a:t>spaCy</a:t>
+          </a:r>
+          <a:r>
+            <a:rPr lang="de-DE" sz="2000" dirty="0" smtClean="0">
+              <a:latin typeface="Calibri" panose="020F0502020204030204" pitchFamily="34" charset="0"/>
+              <a:cs typeface="Calibri" panose="020F0502020204030204" pitchFamily="34" charset="0"/>
+            </a:rPr>
+            <a:t>)</a:t>
+          </a:r>
+          <a:endParaRPr lang="de-DE" sz="2000" dirty="0">
+            <a:latin typeface="Calibri" panose="020F0502020204030204" pitchFamily="34" charset="0"/>
+            <a:cs typeface="Calibri" panose="020F0502020204030204" pitchFamily="34" charset="0"/>
+          </a:endParaRPr>
+        </a:p>
+      </dgm:t>
+    </dgm:pt>
+    <dgm:pt modelId="{5AC9FF34-6248-472D-AA9C-A3991DA3F6AC}" type="parTrans" cxnId="{86A3A003-3073-4A2C-BA38-0920852AAFD8}">
+      <dgm:prSet/>
+      <dgm:spPr/>
+      <dgm:t>
+        <a:bodyPr/>
+        <a:lstStyle/>
+        <a:p>
+          <a:endParaRPr lang="de-DE"/>
+        </a:p>
+      </dgm:t>
+    </dgm:pt>
+    <dgm:pt modelId="{1687C42E-B975-4156-A089-64C665D0160C}" type="sibTrans" cxnId="{86A3A003-3073-4A2C-BA38-0920852AAFD8}">
+      <dgm:prSet/>
+      <dgm:spPr/>
+      <dgm:t>
+        <a:bodyPr/>
+        <a:lstStyle/>
+        <a:p>
+          <a:endParaRPr lang="de-DE"/>
+        </a:p>
+      </dgm:t>
+    </dgm:pt>
+    <dgm:pt modelId="{4B455F1D-8159-489C-95E5-BEAE39649B92}">
+      <dgm:prSet phldrT="[Text]" custT="1"/>
+      <dgm:spPr/>
+      <dgm:t>
+        <a:bodyPr/>
+        <a:lstStyle/>
+        <a:p>
+          <a:r>
+            <a:rPr lang="de-DE" sz="2000" dirty="0" err="1" smtClean="0">
+              <a:latin typeface="Calibri" panose="020F0502020204030204" pitchFamily="34" charset="0"/>
+              <a:cs typeface="Calibri" panose="020F0502020204030204" pitchFamily="34" charset="0"/>
+            </a:rPr>
+            <a:t>JepAnnotator</a:t>
+          </a:r>
+          <a:endParaRPr lang="de-DE" sz="2000" dirty="0" smtClean="0">
+            <a:latin typeface="Calibri" panose="020F0502020204030204" pitchFamily="34" charset="0"/>
+            <a:cs typeface="Calibri" panose="020F0502020204030204" pitchFamily="34" charset="0"/>
+          </a:endParaRPr>
+        </a:p>
+        <a:p>
+          <a:r>
+            <a:rPr lang="de-DE" sz="2000" dirty="0" err="1" smtClean="0">
+              <a:latin typeface="Calibri" panose="020F0502020204030204" pitchFamily="34" charset="0"/>
+              <a:cs typeface="Calibri" panose="020F0502020204030204" pitchFamily="34" charset="0"/>
+            </a:rPr>
+            <a:t>process</a:t>
+          </a:r>
+          <a:r>
+            <a:rPr lang="de-DE" sz="2000" dirty="0" smtClean="0">
+              <a:latin typeface="Calibri" panose="020F0502020204030204" pitchFamily="34" charset="0"/>
+              <a:cs typeface="Calibri" panose="020F0502020204030204" pitchFamily="34" charset="0"/>
+            </a:rPr>
+            <a:t>()</a:t>
+          </a:r>
+          <a:endParaRPr lang="de-DE" sz="2000" dirty="0">
+            <a:latin typeface="Calibri" panose="020F0502020204030204" pitchFamily="34" charset="0"/>
+            <a:cs typeface="Calibri" panose="020F0502020204030204" pitchFamily="34" charset="0"/>
+          </a:endParaRPr>
+        </a:p>
+      </dgm:t>
+    </dgm:pt>
+    <dgm:pt modelId="{11F776F3-2143-4251-A778-8811118FE69F}" type="parTrans" cxnId="{61E8E402-6628-41EF-A8F7-4704C9CA3C2F}">
+      <dgm:prSet/>
+      <dgm:spPr/>
+      <dgm:t>
+        <a:bodyPr/>
+        <a:lstStyle/>
+        <a:p>
+          <a:endParaRPr lang="de-DE"/>
+        </a:p>
+      </dgm:t>
+    </dgm:pt>
+    <dgm:pt modelId="{C2CF4404-1EB5-4EF8-AE46-3E128FC3350B}" type="sibTrans" cxnId="{61E8E402-6628-41EF-A8F7-4704C9CA3C2F}">
+      <dgm:prSet/>
+      <dgm:spPr/>
+      <dgm:t>
+        <a:bodyPr/>
+        <a:lstStyle/>
+        <a:p>
+          <a:endParaRPr lang="de-DE"/>
+        </a:p>
+      </dgm:t>
+    </dgm:pt>
+    <dgm:pt modelId="{6375C765-C4B4-4B34-B721-44220A955B45}">
+      <dgm:prSet custT="1"/>
+      <dgm:spPr/>
+      <dgm:t>
+        <a:bodyPr/>
+        <a:lstStyle/>
+        <a:p>
+          <a:r>
+            <a:rPr lang="de-DE" sz="2000" dirty="0" err="1" smtClean="0">
+              <a:latin typeface="Calibri" panose="020F0502020204030204" pitchFamily="34" charset="0"/>
+              <a:cs typeface="Calibri" panose="020F0502020204030204" pitchFamily="34" charset="0"/>
+            </a:rPr>
+            <a:t>Tokenisierung</a:t>
+          </a:r>
+          <a:r>
+            <a:rPr lang="de-DE" sz="2000" dirty="0" smtClean="0">
+              <a:latin typeface="Calibri" panose="020F0502020204030204" pitchFamily="34" charset="0"/>
+              <a:cs typeface="Calibri" panose="020F0502020204030204" pitchFamily="34" charset="0"/>
+            </a:rPr>
+            <a:t> der Texte</a:t>
+          </a:r>
+          <a:endParaRPr lang="de-DE" sz="2000" dirty="0">
+            <a:latin typeface="Calibri" panose="020F0502020204030204" pitchFamily="34" charset="0"/>
+            <a:cs typeface="Calibri" panose="020F0502020204030204" pitchFamily="34" charset="0"/>
+          </a:endParaRPr>
+        </a:p>
+      </dgm:t>
+    </dgm:pt>
+    <dgm:pt modelId="{62271566-F864-48D2-BAD7-032C87550005}" type="parTrans" cxnId="{47C904A3-A3BB-4F55-A12E-7C248C81471E}">
+      <dgm:prSet/>
+      <dgm:spPr/>
+      <dgm:t>
+        <a:bodyPr/>
+        <a:lstStyle/>
+        <a:p>
+          <a:endParaRPr lang="de-DE"/>
+        </a:p>
+      </dgm:t>
+    </dgm:pt>
+    <dgm:pt modelId="{7FFEB403-E6C3-4125-A129-BA2E838A8612}" type="sibTrans" cxnId="{47C904A3-A3BB-4F55-A12E-7C248C81471E}">
+      <dgm:prSet/>
+      <dgm:spPr/>
+      <dgm:t>
+        <a:bodyPr/>
+        <a:lstStyle/>
+        <a:p>
+          <a:endParaRPr lang="de-DE"/>
+        </a:p>
+      </dgm:t>
+    </dgm:pt>
+    <dgm:pt modelId="{8BCDA4DF-B7F4-4FFA-AABC-F765CA8087A8}" type="pres">
+      <dgm:prSet presAssocID="{9859921E-33DD-4CD8-9E72-C0CFA97DB590}" presName="CompostProcess" presStyleCnt="0">
+        <dgm:presLayoutVars>
+          <dgm:dir/>
+          <dgm:resizeHandles val="exact"/>
+        </dgm:presLayoutVars>
+      </dgm:prSet>
+      <dgm:spPr/>
+    </dgm:pt>
+    <dgm:pt modelId="{D867AA72-1DCC-4470-940A-DE980ACF3BE9}" type="pres">
+      <dgm:prSet presAssocID="{9859921E-33DD-4CD8-9E72-C0CFA97DB590}" presName="arrow" presStyleLbl="bgShp" presStyleIdx="0" presStyleCnt="1" custScaleX="117647"/>
+      <dgm:spPr/>
+    </dgm:pt>
+    <dgm:pt modelId="{8BBDBA14-E89A-42D6-A507-E763CBC26CA5}" type="pres">
+      <dgm:prSet presAssocID="{9859921E-33DD-4CD8-9E72-C0CFA97DB590}" presName="linearProcess" presStyleCnt="0"/>
+      <dgm:spPr/>
+    </dgm:pt>
+    <dgm:pt modelId="{C5427BD6-B71B-4F01-986B-DC6BEF0A3AD2}" type="pres">
+      <dgm:prSet presAssocID="{61EE0D30-8C7F-42C0-95E5-848DC3A0611D}" presName="textNode" presStyleLbl="node1" presStyleIdx="0" presStyleCnt="4">
+        <dgm:presLayoutVars>
+          <dgm:bulletEnabled val="1"/>
+        </dgm:presLayoutVars>
+      </dgm:prSet>
+      <dgm:spPr/>
+      <dgm:t>
+        <a:bodyPr/>
+        <a:lstStyle/>
+        <a:p>
+          <a:endParaRPr lang="de-DE"/>
+        </a:p>
+      </dgm:t>
+    </dgm:pt>
+    <dgm:pt modelId="{AF34E3D0-21F8-4E86-85BC-1208C81CEF49}" type="pres">
+      <dgm:prSet presAssocID="{5121C454-E769-4028-BEE6-EA0DF01D1FA0}" presName="sibTrans" presStyleCnt="0"/>
+      <dgm:spPr/>
+    </dgm:pt>
+    <dgm:pt modelId="{7E6C1A1A-A0D7-4AE2-B588-6E70EE464969}" type="pres">
+      <dgm:prSet presAssocID="{40310363-B0F5-41C7-B274-319FBD42D8A2}" presName="textNode" presStyleLbl="node1" presStyleIdx="1" presStyleCnt="4">
+        <dgm:presLayoutVars>
+          <dgm:bulletEnabled val="1"/>
+        </dgm:presLayoutVars>
+      </dgm:prSet>
+      <dgm:spPr/>
+      <dgm:t>
+        <a:bodyPr/>
+        <a:lstStyle/>
+        <a:p>
+          <a:endParaRPr lang="de-DE"/>
+        </a:p>
+      </dgm:t>
+    </dgm:pt>
+    <dgm:pt modelId="{52B04285-92C6-4A9A-BE56-DEF4C1C3AA58}" type="pres">
+      <dgm:prSet presAssocID="{1687C42E-B975-4156-A089-64C665D0160C}" presName="sibTrans" presStyleCnt="0"/>
+      <dgm:spPr/>
+    </dgm:pt>
+    <dgm:pt modelId="{AD43AD0C-A3F2-481D-BB66-F00150D49C0E}" type="pres">
+      <dgm:prSet presAssocID="{4B455F1D-8159-489C-95E5-BEAE39649B92}" presName="textNode" presStyleLbl="node1" presStyleIdx="2" presStyleCnt="4">
+        <dgm:presLayoutVars>
+          <dgm:bulletEnabled val="1"/>
+        </dgm:presLayoutVars>
+      </dgm:prSet>
+      <dgm:spPr/>
+      <dgm:t>
+        <a:bodyPr/>
+        <a:lstStyle/>
+        <a:p>
+          <a:endParaRPr lang="de-DE"/>
+        </a:p>
+      </dgm:t>
+    </dgm:pt>
+    <dgm:pt modelId="{7AA76288-361F-491B-AFC1-82F2C34471E1}" type="pres">
+      <dgm:prSet presAssocID="{C2CF4404-1EB5-4EF8-AE46-3E128FC3350B}" presName="sibTrans" presStyleCnt="0"/>
+      <dgm:spPr/>
+    </dgm:pt>
+    <dgm:pt modelId="{1F89BB82-1EE3-46AD-8CB4-D85FCB6B0212}" type="pres">
+      <dgm:prSet presAssocID="{6375C765-C4B4-4B34-B721-44220A955B45}" presName="textNode" presStyleLbl="node1" presStyleIdx="3" presStyleCnt="4">
+        <dgm:presLayoutVars>
+          <dgm:bulletEnabled val="1"/>
+        </dgm:presLayoutVars>
+      </dgm:prSet>
+      <dgm:spPr/>
+      <dgm:t>
+        <a:bodyPr/>
+        <a:lstStyle/>
+        <a:p>
+          <a:endParaRPr lang="de-DE"/>
+        </a:p>
+      </dgm:t>
+    </dgm:pt>
+  </dgm:ptLst>
+  <dgm:cxnLst>
+    <dgm:cxn modelId="{47C904A3-A3BB-4F55-A12E-7C248C81471E}" srcId="{9859921E-33DD-4CD8-9E72-C0CFA97DB590}" destId="{6375C765-C4B4-4B34-B721-44220A955B45}" srcOrd="3" destOrd="0" parTransId="{62271566-F864-48D2-BAD7-032C87550005}" sibTransId="{7FFEB403-E6C3-4125-A129-BA2E838A8612}"/>
+    <dgm:cxn modelId="{141DD28A-32D6-47C4-80B0-CA095EA9808B}" srcId="{9859921E-33DD-4CD8-9E72-C0CFA97DB590}" destId="{61EE0D30-8C7F-42C0-95E5-848DC3A0611D}" srcOrd="0" destOrd="0" parTransId="{A5209B10-B976-4714-854F-ACECF2472F5A}" sibTransId="{5121C454-E769-4028-BEE6-EA0DF01D1FA0}"/>
+    <dgm:cxn modelId="{9C0AF28E-DAE5-4373-8788-E3BB2FAF4793}" type="presOf" srcId="{4B455F1D-8159-489C-95E5-BEAE39649B92}" destId="{AD43AD0C-A3F2-481D-BB66-F00150D49C0E}" srcOrd="0" destOrd="0" presId="urn:microsoft.com/office/officeart/2005/8/layout/hProcess9"/>
+    <dgm:cxn modelId="{86A3A003-3073-4A2C-BA38-0920852AAFD8}" srcId="{9859921E-33DD-4CD8-9E72-C0CFA97DB590}" destId="{40310363-B0F5-41C7-B274-319FBD42D8A2}" srcOrd="1" destOrd="0" parTransId="{5AC9FF34-6248-472D-AA9C-A3991DA3F6AC}" sibTransId="{1687C42E-B975-4156-A089-64C665D0160C}"/>
+    <dgm:cxn modelId="{ECF36016-8E5B-4C9A-B81F-E40152ED65B3}" type="presOf" srcId="{9859921E-33DD-4CD8-9E72-C0CFA97DB590}" destId="{8BCDA4DF-B7F4-4FFA-AABC-F765CA8087A8}" srcOrd="0" destOrd="0" presId="urn:microsoft.com/office/officeart/2005/8/layout/hProcess9"/>
+    <dgm:cxn modelId="{B69F9361-9364-418F-9349-E0596BCDE28B}" type="presOf" srcId="{6375C765-C4B4-4B34-B721-44220A955B45}" destId="{1F89BB82-1EE3-46AD-8CB4-D85FCB6B0212}" srcOrd="0" destOrd="0" presId="urn:microsoft.com/office/officeart/2005/8/layout/hProcess9"/>
+    <dgm:cxn modelId="{61E8E402-6628-41EF-A8F7-4704C9CA3C2F}" srcId="{9859921E-33DD-4CD8-9E72-C0CFA97DB590}" destId="{4B455F1D-8159-489C-95E5-BEAE39649B92}" srcOrd="2" destOrd="0" parTransId="{11F776F3-2143-4251-A778-8811118FE69F}" sibTransId="{C2CF4404-1EB5-4EF8-AE46-3E128FC3350B}"/>
+    <dgm:cxn modelId="{D5ED1885-5B5B-4824-865E-A4DEFAC00FD3}" type="presOf" srcId="{61EE0D30-8C7F-42C0-95E5-848DC3A0611D}" destId="{C5427BD6-B71B-4F01-986B-DC6BEF0A3AD2}" srcOrd="0" destOrd="0" presId="urn:microsoft.com/office/officeart/2005/8/layout/hProcess9"/>
+    <dgm:cxn modelId="{E98B56D3-993E-4810-A5F2-C6CBE691945B}" type="presOf" srcId="{40310363-B0F5-41C7-B274-319FBD42D8A2}" destId="{7E6C1A1A-A0D7-4AE2-B588-6E70EE464969}" srcOrd="0" destOrd="0" presId="urn:microsoft.com/office/officeart/2005/8/layout/hProcess9"/>
+    <dgm:cxn modelId="{0BBCB2C2-C0C8-43A9-A58A-C836D6EAEBED}" type="presParOf" srcId="{8BCDA4DF-B7F4-4FFA-AABC-F765CA8087A8}" destId="{D867AA72-1DCC-4470-940A-DE980ACF3BE9}" srcOrd="0" destOrd="0" presId="urn:microsoft.com/office/officeart/2005/8/layout/hProcess9"/>
+    <dgm:cxn modelId="{E0F44333-D648-4878-B013-7B620A3F5F65}" type="presParOf" srcId="{8BCDA4DF-B7F4-4FFA-AABC-F765CA8087A8}" destId="{8BBDBA14-E89A-42D6-A507-E763CBC26CA5}" srcOrd="1" destOrd="0" presId="urn:microsoft.com/office/officeart/2005/8/layout/hProcess9"/>
+    <dgm:cxn modelId="{8D42589C-39AB-4A26-895B-05353D4112CC}" type="presParOf" srcId="{8BBDBA14-E89A-42D6-A507-E763CBC26CA5}" destId="{C5427BD6-B71B-4F01-986B-DC6BEF0A3AD2}" srcOrd="0" destOrd="0" presId="urn:microsoft.com/office/officeart/2005/8/layout/hProcess9"/>
+    <dgm:cxn modelId="{7351B9A9-C9AD-41F6-8887-74B3BCB208DE}" type="presParOf" srcId="{8BBDBA14-E89A-42D6-A507-E763CBC26CA5}" destId="{AF34E3D0-21F8-4E86-85BC-1208C81CEF49}" srcOrd="1" destOrd="0" presId="urn:microsoft.com/office/officeart/2005/8/layout/hProcess9"/>
+    <dgm:cxn modelId="{B0EC62B1-712A-4D73-B026-5C3F80227AE0}" type="presParOf" srcId="{8BBDBA14-E89A-42D6-A507-E763CBC26CA5}" destId="{7E6C1A1A-A0D7-4AE2-B588-6E70EE464969}" srcOrd="2" destOrd="0" presId="urn:microsoft.com/office/officeart/2005/8/layout/hProcess9"/>
+    <dgm:cxn modelId="{655A3B03-F898-4A4E-A761-3922B1A3537C}" type="presParOf" srcId="{8BBDBA14-E89A-42D6-A507-E763CBC26CA5}" destId="{52B04285-92C6-4A9A-BE56-DEF4C1C3AA58}" srcOrd="3" destOrd="0" presId="urn:microsoft.com/office/officeart/2005/8/layout/hProcess9"/>
+    <dgm:cxn modelId="{B8F01D8D-44F8-44D4-8591-F8119DA7352B}" type="presParOf" srcId="{8BBDBA14-E89A-42D6-A507-E763CBC26CA5}" destId="{AD43AD0C-A3F2-481D-BB66-F00150D49C0E}" srcOrd="4" destOrd="0" presId="urn:microsoft.com/office/officeart/2005/8/layout/hProcess9"/>
+    <dgm:cxn modelId="{6440CF79-AB13-43DE-B67B-4A3A211A245F}" type="presParOf" srcId="{8BBDBA14-E89A-42D6-A507-E763CBC26CA5}" destId="{7AA76288-361F-491B-AFC1-82F2C34471E1}" srcOrd="5" destOrd="0" presId="urn:microsoft.com/office/officeart/2005/8/layout/hProcess9"/>
+    <dgm:cxn modelId="{C631B4BD-B459-4C39-829E-9D216097F6A1}" type="presParOf" srcId="{8BBDBA14-E89A-42D6-A507-E763CBC26CA5}" destId="{1F89BB82-1EE3-46AD-8CB4-D85FCB6B0212}" srcOrd="6" destOrd="0" presId="urn:microsoft.com/office/officeart/2005/8/layout/hProcess9"/>
+  </dgm:cxnLst>
+  <dgm:bg/>
+  <dgm:whole/>
+  <dgm:extLst>
+    <a:ext uri="http://schemas.microsoft.com/office/drawing/2008/diagram">
+      <dsp:dataModelExt xmlns:dsp="http://schemas.microsoft.com/office/drawing/2008/diagram" relId="rId6" minVer="http://schemas.openxmlformats.org/drawingml/2006/diagram"/>
+    </a:ext>
+  </dgm:extLst>
+</dgm:dataModel>
+</file>
+
+<file path=ppt/diagrams/data2.xml><?xml version="1.0" encoding="utf-8"?>
+<dgm:dataModel xmlns:dgm="http://schemas.openxmlformats.org/drawingml/2006/diagram" xmlns:a="http://schemas.openxmlformats.org/drawingml/2006/main">
+  <dgm:ptLst>
+    <dgm:pt modelId="{9859921E-33DD-4CD8-9E72-C0CFA97DB590}" type="doc">
+      <dgm:prSet loTypeId="urn:microsoft.com/office/officeart/2005/8/layout/hProcess9" loCatId="process" qsTypeId="urn:microsoft.com/office/officeart/2005/8/quickstyle/simple1" qsCatId="simple" csTypeId="urn:microsoft.com/office/officeart/2005/8/colors/accent6_2" csCatId="accent6" phldr="1"/>
+      <dgm:spPr/>
+      <dgm:t>
+        <a:bodyPr/>
+        <a:lstStyle/>
+        <a:p>
+          <a:endParaRPr lang="de-DE"/>
+        </a:p>
+      </dgm:t>
+    </dgm:pt>
+    <dgm:pt modelId="{61EE0D30-8C7F-42C0-95E5-848DC3A0611D}">
+      <dgm:prSet phldrT="[Text]" custT="1"/>
+      <dgm:spPr/>
+      <dgm:t>
+        <a:bodyPr/>
+        <a:lstStyle/>
+        <a:p>
+          <a:r>
+            <a:rPr lang="de-DE" sz="2000" dirty="0" err="1" smtClean="0">
+              <a:latin typeface="Calibri" panose="020F0502020204030204" pitchFamily="34" charset="0"/>
+              <a:cs typeface="Calibri" panose="020F0502020204030204" pitchFamily="34" charset="0"/>
+            </a:rPr>
+            <a:t>RestAnnotator</a:t>
+          </a:r>
+          <a:endParaRPr lang="de-DE" sz="2000" dirty="0" smtClean="0">
+            <a:latin typeface="Calibri" panose="020F0502020204030204" pitchFamily="34" charset="0"/>
+            <a:cs typeface="Calibri" panose="020F0502020204030204" pitchFamily="34" charset="0"/>
+          </a:endParaRPr>
+        </a:p>
+        <a:p>
+          <a:r>
+            <a:rPr lang="de-DE" sz="2000" dirty="0" err="1" smtClean="0">
+              <a:latin typeface="Calibri" panose="020F0502020204030204" pitchFamily="34" charset="0"/>
+              <a:cs typeface="Calibri" panose="020F0502020204030204" pitchFamily="34" charset="0"/>
+            </a:rPr>
+            <a:t>initialize</a:t>
+          </a:r>
+          <a:r>
+            <a:rPr lang="de-DE" sz="2000" dirty="0" smtClean="0">
+              <a:latin typeface="Calibri" panose="020F0502020204030204" pitchFamily="34" charset="0"/>
+              <a:cs typeface="Calibri" panose="020F0502020204030204" pitchFamily="34" charset="0"/>
+            </a:rPr>
+            <a:t>()</a:t>
+          </a:r>
+          <a:endParaRPr lang="de-DE" sz="2000" dirty="0">
+            <a:latin typeface="Calibri" panose="020F0502020204030204" pitchFamily="34" charset="0"/>
+            <a:cs typeface="Calibri" panose="020F0502020204030204" pitchFamily="34" charset="0"/>
+          </a:endParaRPr>
+        </a:p>
+      </dgm:t>
+    </dgm:pt>
+    <dgm:pt modelId="{A5209B10-B976-4714-854F-ACECF2472F5A}" type="parTrans" cxnId="{141DD28A-32D6-47C4-80B0-CA095EA9808B}">
+      <dgm:prSet/>
+      <dgm:spPr/>
+      <dgm:t>
+        <a:bodyPr/>
+        <a:lstStyle/>
+        <a:p>
+          <a:endParaRPr lang="de-DE"/>
+        </a:p>
+      </dgm:t>
+    </dgm:pt>
+    <dgm:pt modelId="{5121C454-E769-4028-BEE6-EA0DF01D1FA0}" type="sibTrans" cxnId="{141DD28A-32D6-47C4-80B0-CA095EA9808B}">
+      <dgm:prSet/>
+      <dgm:spPr/>
+      <dgm:t>
+        <a:bodyPr/>
+        <a:lstStyle/>
+        <a:p>
+          <a:endParaRPr lang="de-DE"/>
+        </a:p>
+      </dgm:t>
+    </dgm:pt>
+    <dgm:pt modelId="{40310363-B0F5-41C7-B274-319FBD42D8A2}">
+      <dgm:prSet phldrT="[Text]" custT="1"/>
+      <dgm:spPr/>
+      <dgm:t>
+        <a:bodyPr/>
+        <a:lstStyle/>
+        <a:p>
+          <a:r>
+            <a:rPr lang="de-DE" sz="2000" dirty="0" smtClean="0">
+              <a:latin typeface="Calibri" panose="020F0502020204030204" pitchFamily="34" charset="0"/>
+              <a:cs typeface="Calibri" panose="020F0502020204030204" pitchFamily="34" charset="0"/>
+            </a:rPr>
+            <a:t>Python</a:t>
+          </a:r>
+          <a:r>
+            <a:rPr lang="de-DE" sz="2000" baseline="0" dirty="0" smtClean="0">
+              <a:latin typeface="Calibri" panose="020F0502020204030204" pitchFamily="34" charset="0"/>
+              <a:cs typeface="Calibri" panose="020F0502020204030204" pitchFamily="34" charset="0"/>
+            </a:rPr>
+            <a:t> Skript im Docker</a:t>
+          </a:r>
+          <a:endParaRPr lang="de-DE" sz="2000" dirty="0">
+            <a:latin typeface="Calibri" panose="020F0502020204030204" pitchFamily="34" charset="0"/>
+            <a:cs typeface="Calibri" panose="020F0502020204030204" pitchFamily="34" charset="0"/>
+          </a:endParaRPr>
+        </a:p>
+      </dgm:t>
+    </dgm:pt>
+    <dgm:pt modelId="{5AC9FF34-6248-472D-AA9C-A3991DA3F6AC}" type="parTrans" cxnId="{86A3A003-3073-4A2C-BA38-0920852AAFD8}">
+      <dgm:prSet/>
+      <dgm:spPr/>
+      <dgm:t>
+        <a:bodyPr/>
+        <a:lstStyle/>
+        <a:p>
+          <a:endParaRPr lang="de-DE"/>
+        </a:p>
+      </dgm:t>
+    </dgm:pt>
+    <dgm:pt modelId="{1687C42E-B975-4156-A089-64C665D0160C}" type="sibTrans" cxnId="{86A3A003-3073-4A2C-BA38-0920852AAFD8}">
+      <dgm:prSet/>
+      <dgm:spPr/>
+      <dgm:t>
+        <a:bodyPr/>
+        <a:lstStyle/>
+        <a:p>
+          <a:endParaRPr lang="de-DE"/>
+        </a:p>
+      </dgm:t>
+    </dgm:pt>
+    <dgm:pt modelId="{4B455F1D-8159-489C-95E5-BEAE39649B92}">
+      <dgm:prSet phldrT="[Text]" custT="1"/>
+      <dgm:spPr/>
+      <dgm:t>
+        <a:bodyPr/>
+        <a:lstStyle/>
+        <a:p>
+          <a:r>
+            <a:rPr lang="de-DE" sz="2000" dirty="0" err="1" smtClean="0">
+              <a:latin typeface="Calibri" panose="020F0502020204030204" pitchFamily="34" charset="0"/>
+              <a:cs typeface="Calibri" panose="020F0502020204030204" pitchFamily="34" charset="0"/>
+            </a:rPr>
+            <a:t>FastAPI</a:t>
+          </a:r>
+          <a:endParaRPr lang="de-DE" sz="2000" dirty="0" smtClean="0">
+            <a:latin typeface="Calibri" panose="020F0502020204030204" pitchFamily="34" charset="0"/>
+            <a:cs typeface="Calibri" panose="020F0502020204030204" pitchFamily="34" charset="0"/>
+          </a:endParaRPr>
+        </a:p>
+        <a:p>
+          <a:r>
+            <a:rPr lang="de-DE" sz="2000" dirty="0" smtClean="0">
+              <a:latin typeface="Calibri" panose="020F0502020204030204" pitchFamily="34" charset="0"/>
+              <a:cs typeface="Calibri" panose="020F0502020204030204" pitchFamily="34" charset="0"/>
+            </a:rPr>
+            <a:t>(Web Server)</a:t>
+          </a:r>
+          <a:endParaRPr lang="de-DE" sz="2000" dirty="0">
+            <a:latin typeface="Calibri" panose="020F0502020204030204" pitchFamily="34" charset="0"/>
+            <a:cs typeface="Calibri" panose="020F0502020204030204" pitchFamily="34" charset="0"/>
+          </a:endParaRPr>
+        </a:p>
+      </dgm:t>
+    </dgm:pt>
+    <dgm:pt modelId="{11F776F3-2143-4251-A778-8811118FE69F}" type="parTrans" cxnId="{61E8E402-6628-41EF-A8F7-4704C9CA3C2F}">
+      <dgm:prSet/>
+      <dgm:spPr/>
+      <dgm:t>
+        <a:bodyPr/>
+        <a:lstStyle/>
+        <a:p>
+          <a:endParaRPr lang="de-DE"/>
+        </a:p>
+      </dgm:t>
+    </dgm:pt>
+    <dgm:pt modelId="{C2CF4404-1EB5-4EF8-AE46-3E128FC3350B}" type="sibTrans" cxnId="{61E8E402-6628-41EF-A8F7-4704C9CA3C2F}">
+      <dgm:prSet/>
+      <dgm:spPr/>
+      <dgm:t>
+        <a:bodyPr/>
+        <a:lstStyle/>
+        <a:p>
+          <a:endParaRPr lang="de-DE"/>
+        </a:p>
+      </dgm:t>
+    </dgm:pt>
+    <dgm:pt modelId="{6375C765-C4B4-4B34-B721-44220A955B45}">
+      <dgm:prSet custT="1"/>
+      <dgm:spPr/>
+      <dgm:t>
+        <a:bodyPr/>
+        <a:lstStyle/>
+        <a:p>
+          <a:r>
+            <a:rPr lang="de-DE" sz="2000" dirty="0" err="1" smtClean="0">
+              <a:latin typeface="Calibri" panose="020F0502020204030204" pitchFamily="34" charset="0"/>
+              <a:cs typeface="Calibri" panose="020F0502020204030204" pitchFamily="34" charset="0"/>
+            </a:rPr>
+            <a:t>spaCy</a:t>
+          </a:r>
+          <a:endParaRPr lang="de-DE" sz="2000" dirty="0">
+            <a:latin typeface="Calibri" panose="020F0502020204030204" pitchFamily="34" charset="0"/>
+            <a:cs typeface="Calibri" panose="020F0502020204030204" pitchFamily="34" charset="0"/>
+          </a:endParaRPr>
+        </a:p>
+      </dgm:t>
+    </dgm:pt>
+    <dgm:pt modelId="{62271566-F864-48D2-BAD7-032C87550005}" type="parTrans" cxnId="{47C904A3-A3BB-4F55-A12E-7C248C81471E}">
+      <dgm:prSet/>
+      <dgm:spPr/>
+      <dgm:t>
+        <a:bodyPr/>
+        <a:lstStyle/>
+        <a:p>
+          <a:endParaRPr lang="de-DE"/>
+        </a:p>
+      </dgm:t>
+    </dgm:pt>
+    <dgm:pt modelId="{7FFEB403-E6C3-4125-A129-BA2E838A8612}" type="sibTrans" cxnId="{47C904A3-A3BB-4F55-A12E-7C248C81471E}">
+      <dgm:prSet/>
+      <dgm:spPr/>
+      <dgm:t>
+        <a:bodyPr/>
+        <a:lstStyle/>
+        <a:p>
+          <a:endParaRPr lang="de-DE"/>
+        </a:p>
+      </dgm:t>
+    </dgm:pt>
+    <dgm:pt modelId="{8BCDA4DF-B7F4-4FFA-AABC-F765CA8087A8}" type="pres">
+      <dgm:prSet presAssocID="{9859921E-33DD-4CD8-9E72-C0CFA97DB590}" presName="CompostProcess" presStyleCnt="0">
+        <dgm:presLayoutVars>
+          <dgm:dir/>
+          <dgm:resizeHandles val="exact"/>
+        </dgm:presLayoutVars>
+      </dgm:prSet>
+      <dgm:spPr/>
+    </dgm:pt>
+    <dgm:pt modelId="{D867AA72-1DCC-4470-940A-DE980ACF3BE9}" type="pres">
+      <dgm:prSet presAssocID="{9859921E-33DD-4CD8-9E72-C0CFA97DB590}" presName="arrow" presStyleLbl="bgShp" presStyleIdx="0" presStyleCnt="1" custScaleX="117647"/>
+      <dgm:spPr/>
+    </dgm:pt>
+    <dgm:pt modelId="{8BBDBA14-E89A-42D6-A507-E763CBC26CA5}" type="pres">
+      <dgm:prSet presAssocID="{9859921E-33DD-4CD8-9E72-C0CFA97DB590}" presName="linearProcess" presStyleCnt="0"/>
+      <dgm:spPr/>
+    </dgm:pt>
+    <dgm:pt modelId="{C5427BD6-B71B-4F01-986B-DC6BEF0A3AD2}" type="pres">
+      <dgm:prSet presAssocID="{61EE0D30-8C7F-42C0-95E5-848DC3A0611D}" presName="textNode" presStyleLbl="node1" presStyleIdx="0" presStyleCnt="4" custLinFactNeighborX="924" custLinFactNeighborY="653">
+        <dgm:presLayoutVars>
+          <dgm:bulletEnabled val="1"/>
+        </dgm:presLayoutVars>
+      </dgm:prSet>
+      <dgm:spPr/>
+      <dgm:t>
+        <a:bodyPr/>
+        <a:lstStyle/>
+        <a:p>
+          <a:endParaRPr lang="de-DE"/>
+        </a:p>
+      </dgm:t>
+    </dgm:pt>
+    <dgm:pt modelId="{AF34E3D0-21F8-4E86-85BC-1208C81CEF49}" type="pres">
+      <dgm:prSet presAssocID="{5121C454-E769-4028-BEE6-EA0DF01D1FA0}" presName="sibTrans" presStyleCnt="0"/>
+      <dgm:spPr/>
+    </dgm:pt>
+    <dgm:pt modelId="{7E6C1A1A-A0D7-4AE2-B588-6E70EE464969}" type="pres">
+      <dgm:prSet presAssocID="{40310363-B0F5-41C7-B274-319FBD42D8A2}" presName="textNode" presStyleLbl="node1" presStyleIdx="1" presStyleCnt="4" custLinFactNeighborX="924" custLinFactNeighborY="653">
+        <dgm:presLayoutVars>
+          <dgm:bulletEnabled val="1"/>
+        </dgm:presLayoutVars>
+      </dgm:prSet>
+      <dgm:spPr/>
+      <dgm:t>
+        <a:bodyPr/>
+        <a:lstStyle/>
+        <a:p>
+          <a:endParaRPr lang="de-DE"/>
+        </a:p>
+      </dgm:t>
+    </dgm:pt>
+    <dgm:pt modelId="{52B04285-92C6-4A9A-BE56-DEF4C1C3AA58}" type="pres">
+      <dgm:prSet presAssocID="{1687C42E-B975-4156-A089-64C665D0160C}" presName="sibTrans" presStyleCnt="0"/>
+      <dgm:spPr/>
+    </dgm:pt>
+    <dgm:pt modelId="{AD43AD0C-A3F2-481D-BB66-F00150D49C0E}" type="pres">
+      <dgm:prSet presAssocID="{4B455F1D-8159-489C-95E5-BEAE39649B92}" presName="textNode" presStyleLbl="node1" presStyleIdx="2" presStyleCnt="4" custLinFactNeighborX="924" custLinFactNeighborY="653">
+        <dgm:presLayoutVars>
+          <dgm:bulletEnabled val="1"/>
+        </dgm:presLayoutVars>
+      </dgm:prSet>
+      <dgm:spPr/>
+      <dgm:t>
+        <a:bodyPr/>
+        <a:lstStyle/>
+        <a:p>
+          <a:endParaRPr lang="de-DE"/>
+        </a:p>
+      </dgm:t>
+    </dgm:pt>
+    <dgm:pt modelId="{7AA76288-361F-491B-AFC1-82F2C34471E1}" type="pres">
+      <dgm:prSet presAssocID="{C2CF4404-1EB5-4EF8-AE46-3E128FC3350B}" presName="sibTrans" presStyleCnt="0"/>
+      <dgm:spPr/>
+    </dgm:pt>
+    <dgm:pt modelId="{1F89BB82-1EE3-46AD-8CB4-D85FCB6B0212}" type="pres">
+      <dgm:prSet presAssocID="{6375C765-C4B4-4B34-B721-44220A955B45}" presName="textNode" presStyleLbl="node1" presStyleIdx="3" presStyleCnt="4" custLinFactNeighborX="924" custLinFactNeighborY="653">
+        <dgm:presLayoutVars>
+          <dgm:bulletEnabled val="1"/>
+        </dgm:presLayoutVars>
+      </dgm:prSet>
+      <dgm:spPr/>
+      <dgm:t>
+        <a:bodyPr/>
+        <a:lstStyle/>
+        <a:p>
+          <a:endParaRPr lang="de-DE"/>
+        </a:p>
+      </dgm:t>
+    </dgm:pt>
+  </dgm:ptLst>
+  <dgm:cxnLst>
+    <dgm:cxn modelId="{86A3A003-3073-4A2C-BA38-0920852AAFD8}" srcId="{9859921E-33DD-4CD8-9E72-C0CFA97DB590}" destId="{40310363-B0F5-41C7-B274-319FBD42D8A2}" srcOrd="1" destOrd="0" parTransId="{5AC9FF34-6248-472D-AA9C-A3991DA3F6AC}" sibTransId="{1687C42E-B975-4156-A089-64C665D0160C}"/>
+    <dgm:cxn modelId="{141DD28A-32D6-47C4-80B0-CA095EA9808B}" srcId="{9859921E-33DD-4CD8-9E72-C0CFA97DB590}" destId="{61EE0D30-8C7F-42C0-95E5-848DC3A0611D}" srcOrd="0" destOrd="0" parTransId="{A5209B10-B976-4714-854F-ACECF2472F5A}" sibTransId="{5121C454-E769-4028-BEE6-EA0DF01D1FA0}"/>
+    <dgm:cxn modelId="{309E185B-2A46-44F5-BBC9-B19ACE45284A}" type="presOf" srcId="{40310363-B0F5-41C7-B274-319FBD42D8A2}" destId="{7E6C1A1A-A0D7-4AE2-B588-6E70EE464969}" srcOrd="0" destOrd="0" presId="urn:microsoft.com/office/officeart/2005/8/layout/hProcess9"/>
+    <dgm:cxn modelId="{61E8E402-6628-41EF-A8F7-4704C9CA3C2F}" srcId="{9859921E-33DD-4CD8-9E72-C0CFA97DB590}" destId="{4B455F1D-8159-489C-95E5-BEAE39649B92}" srcOrd="2" destOrd="0" parTransId="{11F776F3-2143-4251-A778-8811118FE69F}" sibTransId="{C2CF4404-1EB5-4EF8-AE46-3E128FC3350B}"/>
+    <dgm:cxn modelId="{5FFDF1F4-130D-4C4A-BB35-59335CF430CF}" type="presOf" srcId="{61EE0D30-8C7F-42C0-95E5-848DC3A0611D}" destId="{C5427BD6-B71B-4F01-986B-DC6BEF0A3AD2}" srcOrd="0" destOrd="0" presId="urn:microsoft.com/office/officeart/2005/8/layout/hProcess9"/>
+    <dgm:cxn modelId="{47C904A3-A3BB-4F55-A12E-7C248C81471E}" srcId="{9859921E-33DD-4CD8-9E72-C0CFA97DB590}" destId="{6375C765-C4B4-4B34-B721-44220A955B45}" srcOrd="3" destOrd="0" parTransId="{62271566-F864-48D2-BAD7-032C87550005}" sibTransId="{7FFEB403-E6C3-4125-A129-BA2E838A8612}"/>
+    <dgm:cxn modelId="{BC6931F1-0181-4E82-98E1-FC09F492271D}" type="presOf" srcId="{4B455F1D-8159-489C-95E5-BEAE39649B92}" destId="{AD43AD0C-A3F2-481D-BB66-F00150D49C0E}" srcOrd="0" destOrd="0" presId="urn:microsoft.com/office/officeart/2005/8/layout/hProcess9"/>
+    <dgm:cxn modelId="{0032ABF8-B4B5-4CBD-B30D-8E7836A8B7AE}" type="presOf" srcId="{6375C765-C4B4-4B34-B721-44220A955B45}" destId="{1F89BB82-1EE3-46AD-8CB4-D85FCB6B0212}" srcOrd="0" destOrd="0" presId="urn:microsoft.com/office/officeart/2005/8/layout/hProcess9"/>
+    <dgm:cxn modelId="{CA3FDB09-09F3-42D5-A76C-1920918B36DB}" type="presOf" srcId="{9859921E-33DD-4CD8-9E72-C0CFA97DB590}" destId="{8BCDA4DF-B7F4-4FFA-AABC-F765CA8087A8}" srcOrd="0" destOrd="0" presId="urn:microsoft.com/office/officeart/2005/8/layout/hProcess9"/>
+    <dgm:cxn modelId="{55824EC2-362A-4DB2-9216-09F67F5424A2}" type="presParOf" srcId="{8BCDA4DF-B7F4-4FFA-AABC-F765CA8087A8}" destId="{D867AA72-1DCC-4470-940A-DE980ACF3BE9}" srcOrd="0" destOrd="0" presId="urn:microsoft.com/office/officeart/2005/8/layout/hProcess9"/>
+    <dgm:cxn modelId="{98C5DD81-426D-49B7-A0CB-384EE912B1CC}" type="presParOf" srcId="{8BCDA4DF-B7F4-4FFA-AABC-F765CA8087A8}" destId="{8BBDBA14-E89A-42D6-A507-E763CBC26CA5}" srcOrd="1" destOrd="0" presId="urn:microsoft.com/office/officeart/2005/8/layout/hProcess9"/>
+    <dgm:cxn modelId="{2F6B241F-F940-4B90-A143-F12E3B20DF78}" type="presParOf" srcId="{8BBDBA14-E89A-42D6-A507-E763CBC26CA5}" destId="{C5427BD6-B71B-4F01-986B-DC6BEF0A3AD2}" srcOrd="0" destOrd="0" presId="urn:microsoft.com/office/officeart/2005/8/layout/hProcess9"/>
+    <dgm:cxn modelId="{B76FCB47-AC6A-4844-87D6-A36CBEA094B6}" type="presParOf" srcId="{8BBDBA14-E89A-42D6-A507-E763CBC26CA5}" destId="{AF34E3D0-21F8-4E86-85BC-1208C81CEF49}" srcOrd="1" destOrd="0" presId="urn:microsoft.com/office/officeart/2005/8/layout/hProcess9"/>
+    <dgm:cxn modelId="{0F383752-5880-4D04-8ABF-52A75B43BCF0}" type="presParOf" srcId="{8BBDBA14-E89A-42D6-A507-E763CBC26CA5}" destId="{7E6C1A1A-A0D7-4AE2-B588-6E70EE464969}" srcOrd="2" destOrd="0" presId="urn:microsoft.com/office/officeart/2005/8/layout/hProcess9"/>
+    <dgm:cxn modelId="{B303CA1E-E1E9-4DE3-AF9E-4FCE4522DB33}" type="presParOf" srcId="{8BBDBA14-E89A-42D6-A507-E763CBC26CA5}" destId="{52B04285-92C6-4A9A-BE56-DEF4C1C3AA58}" srcOrd="3" destOrd="0" presId="urn:microsoft.com/office/officeart/2005/8/layout/hProcess9"/>
+    <dgm:cxn modelId="{44EE1F97-B9AA-40F4-8410-802C4C3EA53E}" type="presParOf" srcId="{8BBDBA14-E89A-42D6-A507-E763CBC26CA5}" destId="{AD43AD0C-A3F2-481D-BB66-F00150D49C0E}" srcOrd="4" destOrd="0" presId="urn:microsoft.com/office/officeart/2005/8/layout/hProcess9"/>
+    <dgm:cxn modelId="{48FA6311-3E64-490E-8742-794D62A1FB87}" type="presParOf" srcId="{8BBDBA14-E89A-42D6-A507-E763CBC26CA5}" destId="{7AA76288-361F-491B-AFC1-82F2C34471E1}" srcOrd="5" destOrd="0" presId="urn:microsoft.com/office/officeart/2005/8/layout/hProcess9"/>
+    <dgm:cxn modelId="{9173B816-D9B1-444D-8140-206CB8850B77}" type="presParOf" srcId="{8BBDBA14-E89A-42D6-A507-E763CBC26CA5}" destId="{1F89BB82-1EE3-46AD-8CB4-D85FCB6B0212}" srcOrd="6" destOrd="0" presId="urn:microsoft.com/office/officeart/2005/8/layout/hProcess9"/>
+  </dgm:cxnLst>
+  <dgm:bg/>
+  <dgm:whole/>
+  <dgm:extLst>
+    <a:ext uri="http://schemas.microsoft.com/office/drawing/2008/diagram">
+      <dsp:dataModelExt xmlns:dsp="http://schemas.microsoft.com/office/drawing/2008/diagram" relId="rId7" minVer="http://schemas.openxmlformats.org/drawingml/2006/diagram"/>
+    </a:ext>
+  </dgm:extLst>
+</dgm:dataModel>
+</file>
+
+<file path=ppt/diagrams/drawing1.xml><?xml version="1.0" encoding="utf-8"?>
+<dsp:drawing xmlns:dgm="http://schemas.openxmlformats.org/drawingml/2006/diagram" xmlns:dsp="http://schemas.microsoft.com/office/drawing/2008/diagram" xmlns:a="http://schemas.openxmlformats.org/drawingml/2006/main">
+  <dsp:spTree>
+    <dsp:nvGrpSpPr>
+      <dsp:cNvPr id="0" name=""/>
+      <dsp:cNvGrpSpPr/>
+    </dsp:nvGrpSpPr>
+    <dsp:grpSpPr/>
+    <dsp:sp modelId="{D867AA72-1DCC-4470-940A-DE980ACF3BE9}">
+      <dsp:nvSpPr>
+        <dsp:cNvPr id="0" name=""/>
+        <dsp:cNvSpPr/>
+      </dsp:nvSpPr>
+      <dsp:spPr>
+        <a:xfrm>
+          <a:off x="2" y="0"/>
+          <a:ext cx="9143995" cy="3645329"/>
+        </a:xfrm>
+        <a:prstGeom prst="rightArrow">
+          <a:avLst/>
+        </a:prstGeom>
+        <a:solidFill>
+          <a:schemeClr val="accent6">
+            <a:tint val="40000"/>
+            <a:hueOff val="0"/>
+            <a:satOff val="0"/>
+            <a:lumOff val="0"/>
+            <a:alphaOff val="0"/>
+          </a:schemeClr>
+        </a:solidFill>
+        <a:ln>
+          <a:noFill/>
+        </a:ln>
+        <a:effectLst/>
+      </dsp:spPr>
+      <dsp:style>
+        <a:lnRef idx="0">
+          <a:scrgbClr r="0" g="0" b="0"/>
+        </a:lnRef>
+        <a:fillRef idx="1">
+          <a:scrgbClr r="0" g="0" b="0"/>
+        </a:fillRef>
+        <a:effectRef idx="0">
+          <a:scrgbClr r="0" g="0" b="0"/>
+        </a:effectRef>
+        <a:fontRef idx="minor"/>
+      </dsp:style>
+    </dsp:sp>
+    <dsp:sp modelId="{C5427BD6-B71B-4F01-986B-DC6BEF0A3AD2}">
+      <dsp:nvSpPr>
+        <dsp:cNvPr id="0" name=""/>
+        <dsp:cNvSpPr/>
+      </dsp:nvSpPr>
+      <dsp:spPr>
+        <a:xfrm>
+          <a:off x="3125" y="1093598"/>
+          <a:ext cx="2030610" cy="1458131"/>
+        </a:xfrm>
+        <a:prstGeom prst="roundRect">
+          <a:avLst/>
+        </a:prstGeom>
+        <a:solidFill>
+          <a:schemeClr val="accent6">
+            <a:hueOff val="0"/>
+            <a:satOff val="0"/>
+            <a:lumOff val="0"/>
+            <a:alphaOff val="0"/>
+          </a:schemeClr>
+        </a:solidFill>
+        <a:ln w="25400" cap="flat" cmpd="sng" algn="ctr">
+          <a:solidFill>
+            <a:schemeClr val="lt1">
+              <a:hueOff val="0"/>
+              <a:satOff val="0"/>
+              <a:lumOff val="0"/>
+              <a:alphaOff val="0"/>
+            </a:schemeClr>
+          </a:solidFill>
+          <a:prstDash val="solid"/>
+        </a:ln>
+        <a:effectLst/>
+      </dsp:spPr>
+      <dsp:style>
+        <a:lnRef idx="2">
+          <a:scrgbClr r="0" g="0" b="0"/>
+        </a:lnRef>
+        <a:fillRef idx="1">
+          <a:scrgbClr r="0" g="0" b="0"/>
+        </a:fillRef>
+        <a:effectRef idx="0">
+          <a:scrgbClr r="0" g="0" b="0"/>
+        </a:effectRef>
+        <a:fontRef idx="minor">
+          <a:schemeClr val="lt1"/>
+        </a:fontRef>
+      </dsp:style>
+      <dsp:txBody>
+        <a:bodyPr spcFirstLastPara="0" vert="horz" wrap="square" lIns="76200" tIns="76200" rIns="76200" bIns="76200" numCol="1" spcCol="1270" anchor="ctr" anchorCtr="0">
+          <a:noAutofit/>
+        </a:bodyPr>
+        <a:lstStyle/>
+        <a:p>
+          <a:pPr lvl="0" algn="ctr" defTabSz="889000">
+            <a:lnSpc>
+              <a:spcPct val="90000"/>
+            </a:lnSpc>
+            <a:spcBef>
+              <a:spcPct val="0"/>
+            </a:spcBef>
+            <a:spcAft>
+              <a:spcPct val="35000"/>
+            </a:spcAft>
+          </a:pPr>
+          <a:r>
+            <a:rPr lang="de-DE" sz="2000" kern="1200" dirty="0" err="1" smtClean="0">
+              <a:latin typeface="Calibri" panose="020F0502020204030204" pitchFamily="34" charset="0"/>
+              <a:cs typeface="Calibri" panose="020F0502020204030204" pitchFamily="34" charset="0"/>
+            </a:rPr>
+            <a:t>JepAnnotator</a:t>
+          </a:r>
+          <a:endParaRPr lang="de-DE" sz="2000" kern="1200" dirty="0" smtClean="0">
+            <a:latin typeface="Calibri" panose="020F0502020204030204" pitchFamily="34" charset="0"/>
+            <a:cs typeface="Calibri" panose="020F0502020204030204" pitchFamily="34" charset="0"/>
+          </a:endParaRPr>
+        </a:p>
+        <a:p>
+          <a:pPr lvl="0" algn="ctr" defTabSz="889000">
+            <a:lnSpc>
+              <a:spcPct val="90000"/>
+            </a:lnSpc>
+            <a:spcBef>
+              <a:spcPct val="0"/>
+            </a:spcBef>
+            <a:spcAft>
+              <a:spcPct val="35000"/>
+            </a:spcAft>
+          </a:pPr>
+          <a:r>
+            <a:rPr lang="de-DE" sz="2000" kern="1200" dirty="0" err="1" smtClean="0">
+              <a:latin typeface="Calibri" panose="020F0502020204030204" pitchFamily="34" charset="0"/>
+              <a:cs typeface="Calibri" panose="020F0502020204030204" pitchFamily="34" charset="0"/>
+            </a:rPr>
+            <a:t>initialize</a:t>
+          </a:r>
+          <a:r>
+            <a:rPr lang="de-DE" sz="2000" kern="1200" dirty="0" smtClean="0">
+              <a:latin typeface="Calibri" panose="020F0502020204030204" pitchFamily="34" charset="0"/>
+              <a:cs typeface="Calibri" panose="020F0502020204030204" pitchFamily="34" charset="0"/>
+            </a:rPr>
+            <a:t>()</a:t>
+          </a:r>
+          <a:endParaRPr lang="de-DE" sz="3600" kern="1200" dirty="0">
+            <a:latin typeface="Calibri" panose="020F0502020204030204" pitchFamily="34" charset="0"/>
+            <a:cs typeface="Calibri" panose="020F0502020204030204" pitchFamily="34" charset="0"/>
+          </a:endParaRPr>
+        </a:p>
+      </dsp:txBody>
+      <dsp:txXfrm>
+        <a:off x="74305" y="1164778"/>
+        <a:ext cx="1888250" cy="1315771"/>
+      </dsp:txXfrm>
+    </dsp:sp>
+    <dsp:sp modelId="{7E6C1A1A-A0D7-4AE2-B588-6E70EE464969}">
+      <dsp:nvSpPr>
+        <dsp:cNvPr id="0" name=""/>
+        <dsp:cNvSpPr/>
+      </dsp:nvSpPr>
+      <dsp:spPr>
+        <a:xfrm>
+          <a:off x="2372171" y="1093598"/>
+          <a:ext cx="2030610" cy="1458131"/>
+        </a:xfrm>
+        <a:prstGeom prst="roundRect">
+          <a:avLst/>
+        </a:prstGeom>
+        <a:solidFill>
+          <a:schemeClr val="accent6">
+            <a:hueOff val="0"/>
+            <a:satOff val="0"/>
+            <a:lumOff val="0"/>
+            <a:alphaOff val="0"/>
+          </a:schemeClr>
+        </a:solidFill>
+        <a:ln w="25400" cap="flat" cmpd="sng" algn="ctr">
+          <a:solidFill>
+            <a:schemeClr val="lt1">
+              <a:hueOff val="0"/>
+              <a:satOff val="0"/>
+              <a:lumOff val="0"/>
+              <a:alphaOff val="0"/>
+            </a:schemeClr>
+          </a:solidFill>
+          <a:prstDash val="solid"/>
+        </a:ln>
+        <a:effectLst/>
+      </dsp:spPr>
+      <dsp:style>
+        <a:lnRef idx="2">
+          <a:scrgbClr r="0" g="0" b="0"/>
+        </a:lnRef>
+        <a:fillRef idx="1">
+          <a:scrgbClr r="0" g="0" b="0"/>
+        </a:fillRef>
+        <a:effectRef idx="0">
+          <a:scrgbClr r="0" g="0" b="0"/>
+        </a:effectRef>
+        <a:fontRef idx="minor">
+          <a:schemeClr val="lt1"/>
+        </a:fontRef>
+      </dsp:style>
+      <dsp:txBody>
+        <a:bodyPr spcFirstLastPara="0" vert="horz" wrap="square" lIns="76200" tIns="76200" rIns="76200" bIns="76200" numCol="1" spcCol="1270" anchor="ctr" anchorCtr="0">
+          <a:noAutofit/>
+        </a:bodyPr>
+        <a:lstStyle/>
+        <a:p>
+          <a:pPr lvl="0" algn="ctr" defTabSz="889000">
+            <a:lnSpc>
+              <a:spcPct val="90000"/>
+            </a:lnSpc>
+            <a:spcBef>
+              <a:spcPct val="0"/>
+            </a:spcBef>
+            <a:spcAft>
+              <a:spcPct val="35000"/>
+            </a:spcAft>
+          </a:pPr>
+          <a:r>
+            <a:rPr lang="de-DE" sz="2000" kern="1200" dirty="0" smtClean="0">
+              <a:latin typeface="Calibri" panose="020F0502020204030204" pitchFamily="34" charset="0"/>
+              <a:cs typeface="Calibri" panose="020F0502020204030204" pitchFamily="34" charset="0"/>
+            </a:rPr>
+            <a:t>Python Shell</a:t>
+          </a:r>
+        </a:p>
+        <a:p>
+          <a:pPr lvl="0" algn="ctr" defTabSz="889000">
+            <a:lnSpc>
+              <a:spcPct val="90000"/>
+            </a:lnSpc>
+            <a:spcBef>
+              <a:spcPct val="0"/>
+            </a:spcBef>
+            <a:spcAft>
+              <a:spcPct val="35000"/>
+            </a:spcAft>
+          </a:pPr>
+          <a:r>
+            <a:rPr lang="de-DE" sz="2000" kern="1200" dirty="0" smtClean="0">
+              <a:latin typeface="Calibri" panose="020F0502020204030204" pitchFamily="34" charset="0"/>
+              <a:cs typeface="Calibri" panose="020F0502020204030204" pitchFamily="34" charset="0"/>
+            </a:rPr>
+            <a:t>(</a:t>
+          </a:r>
+          <a:r>
+            <a:rPr lang="de-DE" sz="2000" kern="1200" dirty="0" err="1" smtClean="0">
+              <a:latin typeface="Calibri" panose="020F0502020204030204" pitchFamily="34" charset="0"/>
+              <a:cs typeface="Calibri" panose="020F0502020204030204" pitchFamily="34" charset="0"/>
+            </a:rPr>
+            <a:t>spaCy</a:t>
+          </a:r>
+          <a:r>
+            <a:rPr lang="de-DE" sz="2000" kern="1200" dirty="0" smtClean="0">
+              <a:latin typeface="Calibri" panose="020F0502020204030204" pitchFamily="34" charset="0"/>
+              <a:cs typeface="Calibri" panose="020F0502020204030204" pitchFamily="34" charset="0"/>
+            </a:rPr>
+            <a:t>)</a:t>
+          </a:r>
+          <a:endParaRPr lang="de-DE" sz="2000" kern="1200" dirty="0">
+            <a:latin typeface="Calibri" panose="020F0502020204030204" pitchFamily="34" charset="0"/>
+            <a:cs typeface="Calibri" panose="020F0502020204030204" pitchFamily="34" charset="0"/>
+          </a:endParaRPr>
+        </a:p>
+      </dsp:txBody>
+      <dsp:txXfrm>
+        <a:off x="2443351" y="1164778"/>
+        <a:ext cx="1888250" cy="1315771"/>
+      </dsp:txXfrm>
+    </dsp:sp>
+    <dsp:sp modelId="{AD43AD0C-A3F2-481D-BB66-F00150D49C0E}">
+      <dsp:nvSpPr>
+        <dsp:cNvPr id="0" name=""/>
+        <dsp:cNvSpPr/>
+      </dsp:nvSpPr>
+      <dsp:spPr>
+        <a:xfrm>
+          <a:off x="4741217" y="1093598"/>
+          <a:ext cx="2030610" cy="1458131"/>
+        </a:xfrm>
+        <a:prstGeom prst="roundRect">
+          <a:avLst/>
+        </a:prstGeom>
+        <a:solidFill>
+          <a:schemeClr val="accent6">
+            <a:hueOff val="0"/>
+            <a:satOff val="0"/>
+            <a:lumOff val="0"/>
+            <a:alphaOff val="0"/>
+          </a:schemeClr>
+        </a:solidFill>
+        <a:ln w="25400" cap="flat" cmpd="sng" algn="ctr">
+          <a:solidFill>
+            <a:schemeClr val="lt1">
+              <a:hueOff val="0"/>
+              <a:satOff val="0"/>
+              <a:lumOff val="0"/>
+              <a:alphaOff val="0"/>
+            </a:schemeClr>
+          </a:solidFill>
+          <a:prstDash val="solid"/>
+        </a:ln>
+        <a:effectLst/>
+      </dsp:spPr>
+      <dsp:style>
+        <a:lnRef idx="2">
+          <a:scrgbClr r="0" g="0" b="0"/>
+        </a:lnRef>
+        <a:fillRef idx="1">
+          <a:scrgbClr r="0" g="0" b="0"/>
+        </a:fillRef>
+        <a:effectRef idx="0">
+          <a:scrgbClr r="0" g="0" b="0"/>
+        </a:effectRef>
+        <a:fontRef idx="minor">
+          <a:schemeClr val="lt1"/>
+        </a:fontRef>
+      </dsp:style>
+      <dsp:txBody>
+        <a:bodyPr spcFirstLastPara="0" vert="horz" wrap="square" lIns="76200" tIns="76200" rIns="76200" bIns="76200" numCol="1" spcCol="1270" anchor="ctr" anchorCtr="0">
+          <a:noAutofit/>
+        </a:bodyPr>
+        <a:lstStyle/>
+        <a:p>
+          <a:pPr lvl="0" algn="ctr" defTabSz="889000">
+            <a:lnSpc>
+              <a:spcPct val="90000"/>
+            </a:lnSpc>
+            <a:spcBef>
+              <a:spcPct val="0"/>
+            </a:spcBef>
+            <a:spcAft>
+              <a:spcPct val="35000"/>
+            </a:spcAft>
+          </a:pPr>
+          <a:r>
+            <a:rPr lang="de-DE" sz="2000" kern="1200" dirty="0" err="1" smtClean="0">
+              <a:latin typeface="Calibri" panose="020F0502020204030204" pitchFamily="34" charset="0"/>
+              <a:cs typeface="Calibri" panose="020F0502020204030204" pitchFamily="34" charset="0"/>
+            </a:rPr>
+            <a:t>JepAnnotator</a:t>
+          </a:r>
+          <a:endParaRPr lang="de-DE" sz="2000" kern="1200" dirty="0" smtClean="0">
+            <a:latin typeface="Calibri" panose="020F0502020204030204" pitchFamily="34" charset="0"/>
+            <a:cs typeface="Calibri" panose="020F0502020204030204" pitchFamily="34" charset="0"/>
+          </a:endParaRPr>
+        </a:p>
+        <a:p>
+          <a:pPr lvl="0" algn="ctr" defTabSz="889000">
+            <a:lnSpc>
+              <a:spcPct val="90000"/>
+            </a:lnSpc>
+            <a:spcBef>
+              <a:spcPct val="0"/>
+            </a:spcBef>
+            <a:spcAft>
+              <a:spcPct val="35000"/>
+            </a:spcAft>
+          </a:pPr>
+          <a:r>
+            <a:rPr lang="de-DE" sz="2000" kern="1200" dirty="0" err="1" smtClean="0">
+              <a:latin typeface="Calibri" panose="020F0502020204030204" pitchFamily="34" charset="0"/>
+              <a:cs typeface="Calibri" panose="020F0502020204030204" pitchFamily="34" charset="0"/>
+            </a:rPr>
+            <a:t>process</a:t>
+          </a:r>
+          <a:r>
+            <a:rPr lang="de-DE" sz="2000" kern="1200" dirty="0" smtClean="0">
+              <a:latin typeface="Calibri" panose="020F0502020204030204" pitchFamily="34" charset="0"/>
+              <a:cs typeface="Calibri" panose="020F0502020204030204" pitchFamily="34" charset="0"/>
+            </a:rPr>
+            <a:t>()</a:t>
+          </a:r>
+          <a:endParaRPr lang="de-DE" sz="2000" kern="1200" dirty="0">
+            <a:latin typeface="Calibri" panose="020F0502020204030204" pitchFamily="34" charset="0"/>
+            <a:cs typeface="Calibri" panose="020F0502020204030204" pitchFamily="34" charset="0"/>
+          </a:endParaRPr>
+        </a:p>
+      </dsp:txBody>
+      <dsp:txXfrm>
+        <a:off x="4812397" y="1164778"/>
+        <a:ext cx="1888250" cy="1315771"/>
+      </dsp:txXfrm>
+    </dsp:sp>
+    <dsp:sp modelId="{1F89BB82-1EE3-46AD-8CB4-D85FCB6B0212}">
+      <dsp:nvSpPr>
+        <dsp:cNvPr id="0" name=""/>
+        <dsp:cNvSpPr/>
+      </dsp:nvSpPr>
+      <dsp:spPr>
+        <a:xfrm>
+          <a:off x="7110263" y="1093598"/>
+          <a:ext cx="2030610" cy="1458131"/>
+        </a:xfrm>
+        <a:prstGeom prst="roundRect">
+          <a:avLst/>
+        </a:prstGeom>
+        <a:solidFill>
+          <a:schemeClr val="accent6">
+            <a:hueOff val="0"/>
+            <a:satOff val="0"/>
+            <a:lumOff val="0"/>
+            <a:alphaOff val="0"/>
+          </a:schemeClr>
+        </a:solidFill>
+        <a:ln w="25400" cap="flat" cmpd="sng" algn="ctr">
+          <a:solidFill>
+            <a:schemeClr val="lt1">
+              <a:hueOff val="0"/>
+              <a:satOff val="0"/>
+              <a:lumOff val="0"/>
+              <a:alphaOff val="0"/>
+            </a:schemeClr>
+          </a:solidFill>
+          <a:prstDash val="solid"/>
+        </a:ln>
+        <a:effectLst/>
+      </dsp:spPr>
+      <dsp:style>
+        <a:lnRef idx="2">
+          <a:scrgbClr r="0" g="0" b="0"/>
+        </a:lnRef>
+        <a:fillRef idx="1">
+          <a:scrgbClr r="0" g="0" b="0"/>
+        </a:fillRef>
+        <a:effectRef idx="0">
+          <a:scrgbClr r="0" g="0" b="0"/>
+        </a:effectRef>
+        <a:fontRef idx="minor">
+          <a:schemeClr val="lt1"/>
+        </a:fontRef>
+      </dsp:style>
+      <dsp:txBody>
+        <a:bodyPr spcFirstLastPara="0" vert="horz" wrap="square" lIns="76200" tIns="76200" rIns="76200" bIns="76200" numCol="1" spcCol="1270" anchor="ctr" anchorCtr="0">
+          <a:noAutofit/>
+        </a:bodyPr>
+        <a:lstStyle/>
+        <a:p>
+          <a:pPr lvl="0" algn="ctr" defTabSz="889000">
+            <a:lnSpc>
+              <a:spcPct val="90000"/>
+            </a:lnSpc>
+            <a:spcBef>
+              <a:spcPct val="0"/>
+            </a:spcBef>
+            <a:spcAft>
+              <a:spcPct val="35000"/>
+            </a:spcAft>
+          </a:pPr>
+          <a:r>
+            <a:rPr lang="de-DE" sz="2000" kern="1200" dirty="0" err="1" smtClean="0">
+              <a:latin typeface="Calibri" panose="020F0502020204030204" pitchFamily="34" charset="0"/>
+              <a:cs typeface="Calibri" panose="020F0502020204030204" pitchFamily="34" charset="0"/>
+            </a:rPr>
+            <a:t>Tokenisierung</a:t>
+          </a:r>
+          <a:r>
+            <a:rPr lang="de-DE" sz="2000" kern="1200" dirty="0" smtClean="0">
+              <a:latin typeface="Calibri" panose="020F0502020204030204" pitchFamily="34" charset="0"/>
+              <a:cs typeface="Calibri" panose="020F0502020204030204" pitchFamily="34" charset="0"/>
+            </a:rPr>
+            <a:t> der Texte</a:t>
+          </a:r>
+          <a:endParaRPr lang="de-DE" sz="2000" kern="1200" dirty="0">
+            <a:latin typeface="Calibri" panose="020F0502020204030204" pitchFamily="34" charset="0"/>
+            <a:cs typeface="Calibri" panose="020F0502020204030204" pitchFamily="34" charset="0"/>
+          </a:endParaRPr>
+        </a:p>
+      </dsp:txBody>
+      <dsp:txXfrm>
+        <a:off x="7181443" y="1164778"/>
+        <a:ext cx="1888250" cy="1315771"/>
+      </dsp:txXfrm>
+    </dsp:sp>
+  </dsp:spTree>
+</dsp:drawing>
+</file>
+
+<file path=ppt/diagrams/drawing2.xml><?xml version="1.0" encoding="utf-8"?>
+<dsp:drawing xmlns:dgm="http://schemas.openxmlformats.org/drawingml/2006/diagram" xmlns:dsp="http://schemas.microsoft.com/office/drawing/2008/diagram" xmlns:a="http://schemas.openxmlformats.org/drawingml/2006/main">
+  <dsp:spTree>
+    <dsp:nvGrpSpPr>
+      <dsp:cNvPr id="0" name=""/>
+      <dsp:cNvGrpSpPr/>
+    </dsp:nvGrpSpPr>
+    <dsp:grpSpPr/>
+    <dsp:sp modelId="{D867AA72-1DCC-4470-940A-DE980ACF3BE9}">
+      <dsp:nvSpPr>
+        <dsp:cNvPr id="0" name=""/>
+        <dsp:cNvSpPr/>
+      </dsp:nvSpPr>
+      <dsp:spPr>
+        <a:xfrm>
+          <a:off x="2" y="0"/>
+          <a:ext cx="9143995" cy="3645329"/>
+        </a:xfrm>
+        <a:prstGeom prst="rightArrow">
+          <a:avLst/>
+        </a:prstGeom>
+        <a:solidFill>
+          <a:schemeClr val="accent6">
+            <a:tint val="40000"/>
+            <a:hueOff val="0"/>
+            <a:satOff val="0"/>
+            <a:lumOff val="0"/>
+            <a:alphaOff val="0"/>
+          </a:schemeClr>
+        </a:solidFill>
+        <a:ln>
+          <a:noFill/>
+        </a:ln>
+        <a:effectLst/>
+      </dsp:spPr>
+      <dsp:style>
+        <a:lnRef idx="0">
+          <a:scrgbClr r="0" g="0" b="0"/>
+        </a:lnRef>
+        <a:fillRef idx="1">
+          <a:scrgbClr r="0" g="0" b="0"/>
+        </a:fillRef>
+        <a:effectRef idx="0">
+          <a:scrgbClr r="0" g="0" b="0"/>
+        </a:effectRef>
+        <a:fontRef idx="minor"/>
+      </dsp:style>
+    </dsp:sp>
+    <dsp:sp modelId="{C5427BD6-B71B-4F01-986B-DC6BEF0A3AD2}">
+      <dsp:nvSpPr>
+        <dsp:cNvPr id="0" name=""/>
+        <dsp:cNvSpPr/>
+      </dsp:nvSpPr>
+      <dsp:spPr>
+        <a:xfrm>
+          <a:off x="6252" y="1103120"/>
+          <a:ext cx="2030610" cy="1458131"/>
+        </a:xfrm>
+        <a:prstGeom prst="roundRect">
+          <a:avLst/>
+        </a:prstGeom>
+        <a:solidFill>
+          <a:schemeClr val="accent6">
+            <a:hueOff val="0"/>
+            <a:satOff val="0"/>
+            <a:lumOff val="0"/>
+            <a:alphaOff val="0"/>
+          </a:schemeClr>
+        </a:solidFill>
+        <a:ln w="25400" cap="flat" cmpd="sng" algn="ctr">
+          <a:solidFill>
+            <a:schemeClr val="lt1">
+              <a:hueOff val="0"/>
+              <a:satOff val="0"/>
+              <a:lumOff val="0"/>
+              <a:alphaOff val="0"/>
+            </a:schemeClr>
+          </a:solidFill>
+          <a:prstDash val="solid"/>
+        </a:ln>
+        <a:effectLst/>
+      </dsp:spPr>
+      <dsp:style>
+        <a:lnRef idx="2">
+          <a:scrgbClr r="0" g="0" b="0"/>
+        </a:lnRef>
+        <a:fillRef idx="1">
+          <a:scrgbClr r="0" g="0" b="0"/>
+        </a:fillRef>
+        <a:effectRef idx="0">
+          <a:scrgbClr r="0" g="0" b="0"/>
+        </a:effectRef>
+        <a:fontRef idx="minor">
+          <a:schemeClr val="lt1"/>
+        </a:fontRef>
+      </dsp:style>
+      <dsp:txBody>
+        <a:bodyPr spcFirstLastPara="0" vert="horz" wrap="square" lIns="76200" tIns="76200" rIns="76200" bIns="76200" numCol="1" spcCol="1270" anchor="ctr" anchorCtr="0">
+          <a:noAutofit/>
+        </a:bodyPr>
+        <a:lstStyle/>
+        <a:p>
+          <a:pPr lvl="0" algn="ctr" defTabSz="889000">
+            <a:lnSpc>
+              <a:spcPct val="90000"/>
+            </a:lnSpc>
+            <a:spcBef>
+              <a:spcPct val="0"/>
+            </a:spcBef>
+            <a:spcAft>
+              <a:spcPct val="35000"/>
+            </a:spcAft>
+          </a:pPr>
+          <a:r>
+            <a:rPr lang="de-DE" sz="2000" kern="1200" dirty="0" err="1" smtClean="0">
+              <a:latin typeface="Calibri" panose="020F0502020204030204" pitchFamily="34" charset="0"/>
+              <a:cs typeface="Calibri" panose="020F0502020204030204" pitchFamily="34" charset="0"/>
+            </a:rPr>
+            <a:t>RestAnnotator</a:t>
+          </a:r>
+          <a:endParaRPr lang="de-DE" sz="2000" kern="1200" dirty="0" smtClean="0">
+            <a:latin typeface="Calibri" panose="020F0502020204030204" pitchFamily="34" charset="0"/>
+            <a:cs typeface="Calibri" panose="020F0502020204030204" pitchFamily="34" charset="0"/>
+          </a:endParaRPr>
+        </a:p>
+        <a:p>
+          <a:pPr lvl="0" algn="ctr" defTabSz="889000">
+            <a:lnSpc>
+              <a:spcPct val="90000"/>
+            </a:lnSpc>
+            <a:spcBef>
+              <a:spcPct val="0"/>
+            </a:spcBef>
+            <a:spcAft>
+              <a:spcPct val="35000"/>
+            </a:spcAft>
+          </a:pPr>
+          <a:r>
+            <a:rPr lang="de-DE" sz="2000" kern="1200" dirty="0" err="1" smtClean="0">
+              <a:latin typeface="Calibri" panose="020F0502020204030204" pitchFamily="34" charset="0"/>
+              <a:cs typeface="Calibri" panose="020F0502020204030204" pitchFamily="34" charset="0"/>
+            </a:rPr>
+            <a:t>initialize</a:t>
+          </a:r>
+          <a:r>
+            <a:rPr lang="de-DE" sz="2000" kern="1200" dirty="0" smtClean="0">
+              <a:latin typeface="Calibri" panose="020F0502020204030204" pitchFamily="34" charset="0"/>
+              <a:cs typeface="Calibri" panose="020F0502020204030204" pitchFamily="34" charset="0"/>
+            </a:rPr>
+            <a:t>()</a:t>
+          </a:r>
+          <a:endParaRPr lang="de-DE" sz="2000" kern="1200" dirty="0">
+            <a:latin typeface="Calibri" panose="020F0502020204030204" pitchFamily="34" charset="0"/>
+            <a:cs typeface="Calibri" panose="020F0502020204030204" pitchFamily="34" charset="0"/>
+          </a:endParaRPr>
+        </a:p>
+      </dsp:txBody>
+      <dsp:txXfrm>
+        <a:off x="77432" y="1174300"/>
+        <a:ext cx="1888250" cy="1315771"/>
+      </dsp:txXfrm>
+    </dsp:sp>
+    <dsp:sp modelId="{7E6C1A1A-A0D7-4AE2-B588-6E70EE464969}">
+      <dsp:nvSpPr>
+        <dsp:cNvPr id="0" name=""/>
+        <dsp:cNvSpPr/>
+      </dsp:nvSpPr>
+      <dsp:spPr>
+        <a:xfrm>
+          <a:off x="2375298" y="1103120"/>
+          <a:ext cx="2030610" cy="1458131"/>
+        </a:xfrm>
+        <a:prstGeom prst="roundRect">
+          <a:avLst/>
+        </a:prstGeom>
+        <a:solidFill>
+          <a:schemeClr val="accent6">
+            <a:hueOff val="0"/>
+            <a:satOff val="0"/>
+            <a:lumOff val="0"/>
+            <a:alphaOff val="0"/>
+          </a:schemeClr>
+        </a:solidFill>
+        <a:ln w="25400" cap="flat" cmpd="sng" algn="ctr">
+          <a:solidFill>
+            <a:schemeClr val="lt1">
+              <a:hueOff val="0"/>
+              <a:satOff val="0"/>
+              <a:lumOff val="0"/>
+              <a:alphaOff val="0"/>
+            </a:schemeClr>
+          </a:solidFill>
+          <a:prstDash val="solid"/>
+        </a:ln>
+        <a:effectLst/>
+      </dsp:spPr>
+      <dsp:style>
+        <a:lnRef idx="2">
+          <a:scrgbClr r="0" g="0" b="0"/>
+        </a:lnRef>
+        <a:fillRef idx="1">
+          <a:scrgbClr r="0" g="0" b="0"/>
+        </a:fillRef>
+        <a:effectRef idx="0">
+          <a:scrgbClr r="0" g="0" b="0"/>
+        </a:effectRef>
+        <a:fontRef idx="minor">
+          <a:schemeClr val="lt1"/>
+        </a:fontRef>
+      </dsp:style>
+      <dsp:txBody>
+        <a:bodyPr spcFirstLastPara="0" vert="horz" wrap="square" lIns="76200" tIns="76200" rIns="76200" bIns="76200" numCol="1" spcCol="1270" anchor="ctr" anchorCtr="0">
+          <a:noAutofit/>
+        </a:bodyPr>
+        <a:lstStyle/>
+        <a:p>
+          <a:pPr lvl="0" algn="ctr" defTabSz="889000">
+            <a:lnSpc>
+              <a:spcPct val="90000"/>
+            </a:lnSpc>
+            <a:spcBef>
+              <a:spcPct val="0"/>
+            </a:spcBef>
+            <a:spcAft>
+              <a:spcPct val="35000"/>
+            </a:spcAft>
+          </a:pPr>
+          <a:r>
+            <a:rPr lang="de-DE" sz="2000" kern="1200" dirty="0" smtClean="0">
+              <a:latin typeface="Calibri" panose="020F0502020204030204" pitchFamily="34" charset="0"/>
+              <a:cs typeface="Calibri" panose="020F0502020204030204" pitchFamily="34" charset="0"/>
+            </a:rPr>
+            <a:t>Python</a:t>
+          </a:r>
+          <a:r>
+            <a:rPr lang="de-DE" sz="2000" kern="1200" baseline="0" dirty="0" smtClean="0">
+              <a:latin typeface="Calibri" panose="020F0502020204030204" pitchFamily="34" charset="0"/>
+              <a:cs typeface="Calibri" panose="020F0502020204030204" pitchFamily="34" charset="0"/>
+            </a:rPr>
+            <a:t> Skript im Docker</a:t>
+          </a:r>
+          <a:endParaRPr lang="de-DE" sz="2000" kern="1200" dirty="0">
+            <a:latin typeface="Calibri" panose="020F0502020204030204" pitchFamily="34" charset="0"/>
+            <a:cs typeface="Calibri" panose="020F0502020204030204" pitchFamily="34" charset="0"/>
+          </a:endParaRPr>
+        </a:p>
+      </dsp:txBody>
+      <dsp:txXfrm>
+        <a:off x="2446478" y="1174300"/>
+        <a:ext cx="1888250" cy="1315771"/>
+      </dsp:txXfrm>
+    </dsp:sp>
+    <dsp:sp modelId="{AD43AD0C-A3F2-481D-BB66-F00150D49C0E}">
+      <dsp:nvSpPr>
+        <dsp:cNvPr id="0" name=""/>
+        <dsp:cNvSpPr/>
+      </dsp:nvSpPr>
+      <dsp:spPr>
+        <a:xfrm>
+          <a:off x="4744344" y="1103120"/>
+          <a:ext cx="2030610" cy="1458131"/>
+        </a:xfrm>
+        <a:prstGeom prst="roundRect">
+          <a:avLst/>
+        </a:prstGeom>
+        <a:solidFill>
+          <a:schemeClr val="accent6">
+            <a:hueOff val="0"/>
+            <a:satOff val="0"/>
+            <a:lumOff val="0"/>
+            <a:alphaOff val="0"/>
+          </a:schemeClr>
+        </a:solidFill>
+        <a:ln w="25400" cap="flat" cmpd="sng" algn="ctr">
+          <a:solidFill>
+            <a:schemeClr val="lt1">
+              <a:hueOff val="0"/>
+              <a:satOff val="0"/>
+              <a:lumOff val="0"/>
+              <a:alphaOff val="0"/>
+            </a:schemeClr>
+          </a:solidFill>
+          <a:prstDash val="solid"/>
+        </a:ln>
+        <a:effectLst/>
+      </dsp:spPr>
+      <dsp:style>
+        <a:lnRef idx="2">
+          <a:scrgbClr r="0" g="0" b="0"/>
+        </a:lnRef>
+        <a:fillRef idx="1">
+          <a:scrgbClr r="0" g="0" b="0"/>
+        </a:fillRef>
+        <a:effectRef idx="0">
+          <a:scrgbClr r="0" g="0" b="0"/>
+        </a:effectRef>
+        <a:fontRef idx="minor">
+          <a:schemeClr val="lt1"/>
+        </a:fontRef>
+      </dsp:style>
+      <dsp:txBody>
+        <a:bodyPr spcFirstLastPara="0" vert="horz" wrap="square" lIns="76200" tIns="76200" rIns="76200" bIns="76200" numCol="1" spcCol="1270" anchor="ctr" anchorCtr="0">
+          <a:noAutofit/>
+        </a:bodyPr>
+        <a:lstStyle/>
+        <a:p>
+          <a:pPr lvl="0" algn="ctr" defTabSz="889000">
+            <a:lnSpc>
+              <a:spcPct val="90000"/>
+            </a:lnSpc>
+            <a:spcBef>
+              <a:spcPct val="0"/>
+            </a:spcBef>
+            <a:spcAft>
+              <a:spcPct val="35000"/>
+            </a:spcAft>
+          </a:pPr>
+          <a:r>
+            <a:rPr lang="de-DE" sz="2000" kern="1200" dirty="0" err="1" smtClean="0">
+              <a:latin typeface="Calibri" panose="020F0502020204030204" pitchFamily="34" charset="0"/>
+              <a:cs typeface="Calibri" panose="020F0502020204030204" pitchFamily="34" charset="0"/>
+            </a:rPr>
+            <a:t>FastAPI</a:t>
+          </a:r>
+          <a:endParaRPr lang="de-DE" sz="2000" kern="1200" dirty="0" smtClean="0">
+            <a:latin typeface="Calibri" panose="020F0502020204030204" pitchFamily="34" charset="0"/>
+            <a:cs typeface="Calibri" panose="020F0502020204030204" pitchFamily="34" charset="0"/>
+          </a:endParaRPr>
+        </a:p>
+        <a:p>
+          <a:pPr lvl="0" algn="ctr" defTabSz="889000">
+            <a:lnSpc>
+              <a:spcPct val="90000"/>
+            </a:lnSpc>
+            <a:spcBef>
+              <a:spcPct val="0"/>
+            </a:spcBef>
+            <a:spcAft>
+              <a:spcPct val="35000"/>
+            </a:spcAft>
+          </a:pPr>
+          <a:r>
+            <a:rPr lang="de-DE" sz="2000" kern="1200" dirty="0" smtClean="0">
+              <a:latin typeface="Calibri" panose="020F0502020204030204" pitchFamily="34" charset="0"/>
+              <a:cs typeface="Calibri" panose="020F0502020204030204" pitchFamily="34" charset="0"/>
+            </a:rPr>
+            <a:t>(Web Server)</a:t>
+          </a:r>
+          <a:endParaRPr lang="de-DE" sz="2000" kern="1200" dirty="0">
+            <a:latin typeface="Calibri" panose="020F0502020204030204" pitchFamily="34" charset="0"/>
+            <a:cs typeface="Calibri" panose="020F0502020204030204" pitchFamily="34" charset="0"/>
+          </a:endParaRPr>
+        </a:p>
+      </dsp:txBody>
+      <dsp:txXfrm>
+        <a:off x="4815524" y="1174300"/>
+        <a:ext cx="1888250" cy="1315771"/>
+      </dsp:txXfrm>
+    </dsp:sp>
+    <dsp:sp modelId="{1F89BB82-1EE3-46AD-8CB4-D85FCB6B0212}">
+      <dsp:nvSpPr>
+        <dsp:cNvPr id="0" name=""/>
+        <dsp:cNvSpPr/>
+      </dsp:nvSpPr>
+      <dsp:spPr>
+        <a:xfrm>
+          <a:off x="7113389" y="1103120"/>
+          <a:ext cx="2030610" cy="1458131"/>
+        </a:xfrm>
+        <a:prstGeom prst="roundRect">
+          <a:avLst/>
+        </a:prstGeom>
+        <a:solidFill>
+          <a:schemeClr val="accent6">
+            <a:hueOff val="0"/>
+            <a:satOff val="0"/>
+            <a:lumOff val="0"/>
+            <a:alphaOff val="0"/>
+          </a:schemeClr>
+        </a:solidFill>
+        <a:ln w="25400" cap="flat" cmpd="sng" algn="ctr">
+          <a:solidFill>
+            <a:schemeClr val="lt1">
+              <a:hueOff val="0"/>
+              <a:satOff val="0"/>
+              <a:lumOff val="0"/>
+              <a:alphaOff val="0"/>
+            </a:schemeClr>
+          </a:solidFill>
+          <a:prstDash val="solid"/>
+        </a:ln>
+        <a:effectLst/>
+      </dsp:spPr>
+      <dsp:style>
+        <a:lnRef idx="2">
+          <a:scrgbClr r="0" g="0" b="0"/>
+        </a:lnRef>
+        <a:fillRef idx="1">
+          <a:scrgbClr r="0" g="0" b="0"/>
+        </a:fillRef>
+        <a:effectRef idx="0">
+          <a:scrgbClr r="0" g="0" b="0"/>
+        </a:effectRef>
+        <a:fontRef idx="minor">
+          <a:schemeClr val="lt1"/>
+        </a:fontRef>
+      </dsp:style>
+      <dsp:txBody>
+        <a:bodyPr spcFirstLastPara="0" vert="horz" wrap="square" lIns="76200" tIns="76200" rIns="76200" bIns="76200" numCol="1" spcCol="1270" anchor="ctr" anchorCtr="0">
+          <a:noAutofit/>
+        </a:bodyPr>
+        <a:lstStyle/>
+        <a:p>
+          <a:pPr lvl="0" algn="ctr" defTabSz="889000">
+            <a:lnSpc>
+              <a:spcPct val="90000"/>
+            </a:lnSpc>
+            <a:spcBef>
+              <a:spcPct val="0"/>
+            </a:spcBef>
+            <a:spcAft>
+              <a:spcPct val="35000"/>
+            </a:spcAft>
+          </a:pPr>
+          <a:r>
+            <a:rPr lang="de-DE" sz="2000" kern="1200" dirty="0" err="1" smtClean="0">
+              <a:latin typeface="Calibri" panose="020F0502020204030204" pitchFamily="34" charset="0"/>
+              <a:cs typeface="Calibri" panose="020F0502020204030204" pitchFamily="34" charset="0"/>
+            </a:rPr>
+            <a:t>spaCy</a:t>
+          </a:r>
+          <a:endParaRPr lang="de-DE" sz="2000" kern="1200" dirty="0">
+            <a:latin typeface="Calibri" panose="020F0502020204030204" pitchFamily="34" charset="0"/>
+            <a:cs typeface="Calibri" panose="020F0502020204030204" pitchFamily="34" charset="0"/>
+          </a:endParaRPr>
+        </a:p>
+      </dsp:txBody>
+      <dsp:txXfrm>
+        <a:off x="7184569" y="1174300"/>
+        <a:ext cx="1888250" cy="1315771"/>
+      </dsp:txXfrm>
+    </dsp:sp>
+  </dsp:spTree>
+</dsp:drawing>
+</file>
+
+<file path=ppt/diagrams/layout1.xml><?xml version="1.0" encoding="utf-8"?>
+<dgm:layoutDef xmlns:dgm="http://schemas.openxmlformats.org/drawingml/2006/diagram" xmlns:a="http://schemas.openxmlformats.org/drawingml/2006/main" uniqueId="urn:microsoft.com/office/officeart/2005/8/layout/hProcess9">
+  <dgm:title val=""/>
+  <dgm:desc val=""/>
+  <dgm:catLst>
+    <dgm:cat type="process" pri="5000"/>
+    <dgm:cat type="convert" pri="13000"/>
+  </dgm:catLst>
+  <dgm:sampData useDef="1">
+    <dgm:dataModel>
+      <dgm:ptLst/>
+      <dgm:bg/>
+      <dgm:whole/>
+    </dgm:dataModel>
+  </dgm:sampData>
+  <dgm:styleData>
+    <dgm:dataModel>
+      <dgm:ptLst>
+        <dgm:pt modelId="0" type="doc"/>
+        <dgm:pt modelId="1"/>
+        <dgm:pt modelId="2"/>
+      </dgm:ptLst>
+      <dgm:cxnLst>
+        <dgm:cxn modelId="3" srcId="0" destId="1" srcOrd="0" destOrd="0"/>
+        <dgm:cxn modelId="4" srcId="0" destId="2" srcOrd="1" destOrd="0"/>
+      </dgm:cxnLst>
+      <dgm:bg/>
+      <dgm:whole/>
+    </dgm:dataModel>
+  </dgm:styleData>
+  <dgm:clrData>
+    <dgm:dataModel>
+      <dgm:ptLst>
+        <dgm:pt modelId="0" type="doc"/>
+        <dgm:pt modelId="1"/>
+        <dgm:pt modelId="2"/>
+        <dgm:pt modelId="3"/>
+        <dgm:pt modelId="4"/>
+      </dgm:ptLst>
+      <dgm:cxnLst>
+        <dgm:cxn modelId="5" srcId="0" destId="1" srcOrd="0" destOrd="0"/>
+        <dgm:cxn modelId="6" srcId="0" destId="2" srcOrd="1" destOrd="0"/>
+        <dgm:cxn modelId="7" srcId="0" destId="3" srcOrd="2" destOrd="0"/>
+        <dgm:cxn modelId="8" srcId="0" destId="4" srcOrd="3" destOrd="0"/>
+      </dgm:cxnLst>
+      <dgm:bg/>
+      <dgm:whole/>
+    </dgm:dataModel>
+  </dgm:clrData>
+  <dgm:layoutNode name="CompostProcess">
+    <dgm:varLst>
+      <dgm:dir/>
+      <dgm:resizeHandles val="exact"/>
+    </dgm:varLst>
+    <dgm:alg type="composite">
+      <dgm:param type="horzAlign" val="ctr"/>
+      <dgm:param type="vertAlign" val="mid"/>
+    </dgm:alg>
+    <dgm:shape xmlns:r="http://schemas.openxmlformats.org/officeDocument/2006/relationships" r:blip="">
+      <dgm:adjLst/>
+    </dgm:shape>
+    <dgm:presOf/>
+    <dgm:constrLst>
+      <dgm:constr type="w" for="ch" forName="arrow" refType="w" fact="0.85"/>
+      <dgm:constr type="h" for="ch" forName="arrow" refType="h"/>
+      <dgm:constr type="ctrX" for="ch" forName="arrow" refType="w" fact="0.5"/>
+      <dgm:constr type="ctrY" for="ch" forName="arrow" refType="h" fact="0.5"/>
+      <dgm:constr type="w" for="ch" forName="linearProcess" refType="w"/>
+      <dgm:constr type="h" for="ch" forName="linearProcess" refType="h" fact="0.4"/>
+      <dgm:constr type="ctrX" for="ch" forName="linearProcess" refType="w" fact="0.5"/>
+      <dgm:constr type="ctrY" for="ch" forName="linearProcess" refType="h" fact="0.5"/>
+    </dgm:constrLst>
+    <dgm:ruleLst/>
+    <dgm:layoutNode name="arrow" styleLbl="bgShp">
+      <dgm:alg type="sp"/>
+      <dgm:choose name="Name0">
+        <dgm:if name="Name1" func="var" arg="dir" op="equ" val="norm">
+          <dgm:shape xmlns:r="http://schemas.openxmlformats.org/officeDocument/2006/relationships" type="rightArrow" r:blip="">
+            <dgm:adjLst/>
+          </dgm:shape>
+        </dgm:if>
+        <dgm:else name="Name2">
+          <dgm:shape xmlns:r="http://schemas.openxmlformats.org/officeDocument/2006/relationships" type="leftArrow" r:blip="">
+            <dgm:adjLst/>
+          </dgm:shape>
+        </dgm:else>
+      </dgm:choose>
+      <dgm:presOf/>
+      <dgm:constrLst/>
+      <dgm:ruleLst/>
+    </dgm:layoutNode>
+    <dgm:layoutNode name="linearProcess">
+      <dgm:choose name="Name3">
+        <dgm:if name="Name4" func="var" arg="dir" op="equ" val="norm">
+          <dgm:alg type="lin"/>
+        </dgm:if>
+        <dgm:else name="Name5">
+          <dgm:alg type="lin">
+            <dgm:param type="linDir" val="fromR"/>
+          </dgm:alg>
+        </dgm:else>
+      </dgm:choose>
+      <dgm:shape xmlns:r="http://schemas.openxmlformats.org/officeDocument/2006/relationships" r:blip="">
+        <dgm:adjLst/>
+      </dgm:shape>
+      <dgm:presOf/>
+      <dgm:constrLst>
+        <dgm:constr type="userA" for="ch" ptType="node" refType="w"/>
+        <dgm:constr type="h" for="ch" ptType="node" refType="h"/>
+        <dgm:constr type="w" for="ch" ptType="node" op="equ"/>
+        <dgm:constr type="w" for="ch" forName="sibTrans" refType="w" fact="0.05"/>
+        <dgm:constr type="primFontSz" for="ch" ptType="node" op="equ" val="65"/>
+      </dgm:constrLst>
+      <dgm:ruleLst/>
+      <dgm:forEach name="Name6" axis="ch" ptType="node">
+        <dgm:layoutNode name="textNode" styleLbl="node1">
+          <dgm:varLst>
+            <dgm:bulletEnabled val="1"/>
+          </dgm:varLst>
+          <dgm:alg type="tx"/>
+          <dgm:shape xmlns:r="http://schemas.openxmlformats.org/officeDocument/2006/relationships" type="roundRect" r:blip="">
+            <dgm:adjLst/>
+          </dgm:shape>
+          <dgm:presOf axis="desOrSelf" ptType="node"/>
+          <dgm:constrLst>
+            <dgm:constr type="userA"/>
+            <dgm:constr type="w" refType="userA" fact="0.3"/>
+            <dgm:constr type="tMarg" refType="primFontSz" fact="0.3"/>
+            <dgm:constr type="bMarg" refType="primFontSz" fact="0.3"/>
+            <dgm:constr type="lMarg" refType="primFontSz" fact="0.3"/>
+            <dgm:constr type="rMarg" refType="primFontSz" fact="0.3"/>
+          </dgm:constrLst>
+          <dgm:ruleLst>
+            <dgm:rule type="w" val="NaN" fact="1" max="NaN"/>
+            <dgm:rule type="primFontSz" val="5" fact="NaN" max="NaN"/>
+          </dgm:ruleLst>
+        </dgm:layoutNode>
+        <dgm:forEach name="Name7" axis="followSib" ptType="sibTrans" cnt="1">
+          <dgm:layoutNode name="sibTrans">
+            <dgm:alg type="sp"/>
+            <dgm:shape xmlns:r="http://schemas.openxmlformats.org/officeDocument/2006/relationships" r:blip="">
+              <dgm:adjLst/>
+            </dgm:shape>
+            <dgm:presOf/>
+            <dgm:constrLst/>
+            <dgm:ruleLst/>
+          </dgm:layoutNode>
+        </dgm:forEach>
+      </dgm:forEach>
+    </dgm:layoutNode>
+  </dgm:layoutNode>
+</dgm:layoutDef>
+</file>
+
+<file path=ppt/diagrams/layout2.xml><?xml version="1.0" encoding="utf-8"?>
+<dgm:layoutDef xmlns:dgm="http://schemas.openxmlformats.org/drawingml/2006/diagram" xmlns:a="http://schemas.openxmlformats.org/drawingml/2006/main" uniqueId="urn:microsoft.com/office/officeart/2005/8/layout/hProcess9">
+  <dgm:title val=""/>
+  <dgm:desc val=""/>
+  <dgm:catLst>
+    <dgm:cat type="process" pri="5000"/>
+    <dgm:cat type="convert" pri="13000"/>
+  </dgm:catLst>
+  <dgm:sampData useDef="1">
+    <dgm:dataModel>
+      <dgm:ptLst/>
+      <dgm:bg/>
+      <dgm:whole/>
+    </dgm:dataModel>
+  </dgm:sampData>
+  <dgm:styleData>
+    <dgm:dataModel>
+      <dgm:ptLst>
+        <dgm:pt modelId="0" type="doc"/>
+        <dgm:pt modelId="1"/>
+        <dgm:pt modelId="2"/>
+      </dgm:ptLst>
+      <dgm:cxnLst>
+        <dgm:cxn modelId="3" srcId="0" destId="1" srcOrd="0" destOrd="0"/>
+        <dgm:cxn modelId="4" srcId="0" destId="2" srcOrd="1" destOrd="0"/>
+      </dgm:cxnLst>
+      <dgm:bg/>
+      <dgm:whole/>
+    </dgm:dataModel>
+  </dgm:styleData>
+  <dgm:clrData>
+    <dgm:dataModel>
+      <dgm:ptLst>
+        <dgm:pt modelId="0" type="doc"/>
+        <dgm:pt modelId="1"/>
+        <dgm:pt modelId="2"/>
+        <dgm:pt modelId="3"/>
+        <dgm:pt modelId="4"/>
+      </dgm:ptLst>
+      <dgm:cxnLst>
+        <dgm:cxn modelId="5" srcId="0" destId="1" srcOrd="0" destOrd="0"/>
+        <dgm:cxn modelId="6" srcId="0" destId="2" srcOrd="1" destOrd="0"/>
+        <dgm:cxn modelId="7" srcId="0" destId="3" srcOrd="2" destOrd="0"/>
+        <dgm:cxn modelId="8" srcId="0" destId="4" srcOrd="3" destOrd="0"/>
+      </dgm:cxnLst>
+      <dgm:bg/>
+      <dgm:whole/>
+    </dgm:dataModel>
+  </dgm:clrData>
+  <dgm:layoutNode name="CompostProcess">
+    <dgm:varLst>
+      <dgm:dir/>
+      <dgm:resizeHandles val="exact"/>
+    </dgm:varLst>
+    <dgm:alg type="composite">
+      <dgm:param type="horzAlign" val="ctr"/>
+      <dgm:param type="vertAlign" val="mid"/>
+    </dgm:alg>
+    <dgm:shape xmlns:r="http://schemas.openxmlformats.org/officeDocument/2006/relationships" r:blip="">
+      <dgm:adjLst/>
+    </dgm:shape>
+    <dgm:presOf/>
+    <dgm:constrLst>
+      <dgm:constr type="w" for="ch" forName="arrow" refType="w" fact="0.85"/>
+      <dgm:constr type="h" for="ch" forName="arrow" refType="h"/>
+      <dgm:constr type="ctrX" for="ch" forName="arrow" refType="w" fact="0.5"/>
+      <dgm:constr type="ctrY" for="ch" forName="arrow" refType="h" fact="0.5"/>
+      <dgm:constr type="w" for="ch" forName="linearProcess" refType="w"/>
+      <dgm:constr type="h" for="ch" forName="linearProcess" refType="h" fact="0.4"/>
+      <dgm:constr type="ctrX" for="ch" forName="linearProcess" refType="w" fact="0.5"/>
+      <dgm:constr type="ctrY" for="ch" forName="linearProcess" refType="h" fact="0.5"/>
+    </dgm:constrLst>
+    <dgm:ruleLst/>
+    <dgm:layoutNode name="arrow" styleLbl="bgShp">
+      <dgm:alg type="sp"/>
+      <dgm:choose name="Name0">
+        <dgm:if name="Name1" func="var" arg="dir" op="equ" val="norm">
+          <dgm:shape xmlns:r="http://schemas.openxmlformats.org/officeDocument/2006/relationships" type="rightArrow" r:blip="">
+            <dgm:adjLst/>
+          </dgm:shape>
+        </dgm:if>
+        <dgm:else name="Name2">
+          <dgm:shape xmlns:r="http://schemas.openxmlformats.org/officeDocument/2006/relationships" type="leftArrow" r:blip="">
+            <dgm:adjLst/>
+          </dgm:shape>
+        </dgm:else>
+      </dgm:choose>
+      <dgm:presOf/>
+      <dgm:constrLst/>
+      <dgm:ruleLst/>
+    </dgm:layoutNode>
+    <dgm:layoutNode name="linearProcess">
+      <dgm:choose name="Name3">
+        <dgm:if name="Name4" func="var" arg="dir" op="equ" val="norm">
+          <dgm:alg type="lin"/>
+        </dgm:if>
+        <dgm:else name="Name5">
+          <dgm:alg type="lin">
+            <dgm:param type="linDir" val="fromR"/>
+          </dgm:alg>
+        </dgm:else>
+      </dgm:choose>
+      <dgm:shape xmlns:r="http://schemas.openxmlformats.org/officeDocument/2006/relationships" r:blip="">
+        <dgm:adjLst/>
+      </dgm:shape>
+      <dgm:presOf/>
+      <dgm:constrLst>
+        <dgm:constr type="userA" for="ch" ptType="node" refType="w"/>
+        <dgm:constr type="h" for="ch" ptType="node" refType="h"/>
+        <dgm:constr type="w" for="ch" ptType="node" op="equ"/>
+        <dgm:constr type="w" for="ch" forName="sibTrans" refType="w" fact="0.05"/>
+        <dgm:constr type="primFontSz" for="ch" ptType="node" op="equ" val="65"/>
+      </dgm:constrLst>
+      <dgm:ruleLst/>
+      <dgm:forEach name="Name6" axis="ch" ptType="node">
+        <dgm:layoutNode name="textNode" styleLbl="node1">
+          <dgm:varLst>
+            <dgm:bulletEnabled val="1"/>
+          </dgm:varLst>
+          <dgm:alg type="tx"/>
+          <dgm:shape xmlns:r="http://schemas.openxmlformats.org/officeDocument/2006/relationships" type="roundRect" r:blip="">
+            <dgm:adjLst/>
+          </dgm:shape>
+          <dgm:presOf axis="desOrSelf" ptType="node"/>
+          <dgm:constrLst>
+            <dgm:constr type="userA"/>
+            <dgm:constr type="w" refType="userA" fact="0.3"/>
+            <dgm:constr type="tMarg" refType="primFontSz" fact="0.3"/>
+            <dgm:constr type="bMarg" refType="primFontSz" fact="0.3"/>
+            <dgm:constr type="lMarg" refType="primFontSz" fact="0.3"/>
+            <dgm:constr type="rMarg" refType="primFontSz" fact="0.3"/>
+          </dgm:constrLst>
+          <dgm:ruleLst>
+            <dgm:rule type="w" val="NaN" fact="1" max="NaN"/>
+            <dgm:rule type="primFontSz" val="5" fact="NaN" max="NaN"/>
+          </dgm:ruleLst>
+        </dgm:layoutNode>
+        <dgm:forEach name="Name7" axis="followSib" ptType="sibTrans" cnt="1">
+          <dgm:layoutNode name="sibTrans">
+            <dgm:alg type="sp"/>
+            <dgm:shape xmlns:r="http://schemas.openxmlformats.org/officeDocument/2006/relationships" r:blip="">
+              <dgm:adjLst/>
+            </dgm:shape>
+            <dgm:presOf/>
+            <dgm:constrLst/>
+            <dgm:ruleLst/>
+          </dgm:layoutNode>
+        </dgm:forEach>
+      </dgm:forEach>
+    </dgm:layoutNode>
+  </dgm:layoutNode>
+</dgm:layoutDef>
+</file>
+
+<file path=ppt/diagrams/quickStyle1.xml><?xml version="1.0" encoding="utf-8"?>
+<dgm:styleDef xmlns:dgm="http://schemas.openxmlformats.org/drawingml/2006/diagram" xmlns:a="http://schemas.openxmlformats.org/drawingml/2006/main" uniqueId="urn:microsoft.com/office/officeart/2005/8/quickstyle/simple1">
+  <dgm:title val=""/>
+  <dgm:desc val=""/>
+  <dgm:catLst>
+    <dgm:cat type="simple" pri="10100"/>
+  </dgm:catLst>
+  <dgm:scene3d>
+    <a:camera prst="orthographicFront"/>
+    <a:lightRig rig="threePt" dir="t"/>
+  </dgm:scene3d>
+  <dgm:styleLbl name="node0">
+    <dgm:scene3d>
+      <a:camera prst="orthographicFront"/>
+      <a:lightRig rig="threePt" dir="t"/>
+    </dgm:scene3d>
+    <dgm:sp3d/>
+    <dgm:txPr/>
+    <dgm:style>
+      <a:lnRef idx="2">
+        <a:scrgbClr r="0" g="0" b="0"/>
+      </a:lnRef>
+      <a:fillRef idx="1">
+        <a:scrgbClr r="0" g="0" b="0"/>
+      </a:fillRef>
+      <a:effectRef idx="0">
+        <a:scrgbClr r="0" g="0" b="0"/>
+      </a:effectRef>
+      <a:fontRef idx="minor">
+        <a:schemeClr val="lt1"/>
+      </a:fontRef>
+    </dgm:style>
+  </dgm:styleLbl>
+  <dgm:styleLbl name="lnNode1">
+    <dgm:scene3d>
+      <a:camera prst="orthographicFront"/>
+      <a:lightRig rig="threePt" dir="t"/>
+    </dgm:scene3d>
+    <dgm:sp3d/>
+    <dgm:txPr/>
+    <dgm:style>
+      <a:lnRef idx="2">
+        <a:scrgbClr r="0" g="0" b="0"/>
+      </a:lnRef>
+      <a:fillRef idx="1">
+        <a:scrgbClr r="0" g="0" b="0"/>
+      </a:fillRef>
+      <a:effectRef idx="0">
+        <a:scrgbClr r="0" g="0" b="0"/>
+      </a:effectRef>
+      <a:fontRef idx="minor">
+        <a:schemeClr val="lt1"/>
+      </a:fontRef>
+    </dgm:style>
+  </dgm:styleLbl>
+  <dgm:styleLbl name="vennNode1">
+    <dgm:scene3d>
+      <a:camera prst="orthographicFront"/>
+      <a:lightRig rig="threePt" dir="t"/>
+    </dgm:scene3d>
+    <dgm:sp3d/>
+    <dgm:txPr/>
+    <dgm:style>
+      <a:lnRef idx="2">
+        <a:scrgbClr r="0" g="0" b="0"/>
+      </a:lnRef>
+      <a:fillRef idx="1">
+        <a:scrgbClr r="0" g="0" b="0"/>
+      </a:fillRef>
+      <a:effectRef idx="0">
+        <a:scrgbClr r="0" g="0" b="0"/>
+      </a:effectRef>
+      <a:fontRef idx="minor">
+        <a:schemeClr val="tx1"/>
+      </a:fontRef>
+    </dgm:style>
+  </dgm:styleLbl>
+  <dgm:styleLbl name="alignNode1">
+    <dgm:scene3d>
+      <a:camera prst="orthographicFront"/>
+      <a:lightRig rig="threePt" dir="t"/>
+    </dgm:scene3d>
+    <dgm:sp3d/>
+    <dgm:txPr/>
+    <dgm:style>
+      <a:lnRef idx="2">
+        <a:scrgbClr r="0" g="0" b="0"/>
+      </a:lnRef>
+      <a:fillRef idx="1">
+        <a:scrgbClr r="0" g="0" b="0"/>
+      </a:fillRef>
+      <a:effectRef idx="0">
+        <a:scrgbClr r="0" g="0" b="0"/>
+      </a:effectRef>
+      <a:fontRef idx="minor">
+        <a:schemeClr val="lt1"/>
+      </a:fontRef>
+    </dgm:style>
+  </dgm:styleLbl>
+  <dgm:styleLbl name="node1">
+    <dgm:scene3d>
+      <a:camera prst="orthographicFront"/>
+      <a:lightRig rig="threePt" dir="t"/>
+    </dgm:scene3d>
+    <dgm:sp3d/>
+    <dgm:txPr/>
+    <dgm:style>
+      <a:lnRef idx="2">
+        <a:scrgbClr r="0" g="0" b="0"/>
+      </a:lnRef>
+      <a:fillRef idx="1">
+        <a:scrgbClr r="0" g="0" b="0"/>
+      </a:fillRef>
+      <a:effectRef idx="0">
+        <a:scrgbClr r="0" g="0" b="0"/>
+      </a:effectRef>
+      <a:fontRef idx="minor">
+        <a:schemeClr val="lt1"/>
+      </a:fontRef>
+    </dgm:style>
+  </dgm:styleLbl>
+  <dgm:styleLbl name="node2">
+    <dgm:scene3d>
+      <a:camera prst="orthographicFront"/>
+      <a:lightRig rig="threePt" dir="t"/>
+    </dgm:scene3d>
+    <dgm:sp3d/>
+    <dgm:txPr/>
+    <dgm:style>
+      <a:lnRef idx="2">
+        <a:scrgbClr r="0" g="0" b="0"/>
+      </a:lnRef>
+      <a:fillRef idx="1">
+        <a:scrgbClr r="0" g="0" b="0"/>
+      </a:fillRef>
+      <a:effectRef idx="0">
+        <a:scrgbClr r="0" g="0" b="0"/>
+      </a:effectRef>
+      <a:fontRef idx="minor">
+        <a:schemeClr val="lt1"/>
+      </a:fontRef>
+    </dgm:style>
+  </dgm:styleLbl>
+  <dgm:styleLbl name="node3">
+    <dgm:scene3d>
+      <a:camera prst="orthographicFront"/>
+      <a:lightRig rig="threePt" dir="t"/>
+    </dgm:scene3d>
+    <dgm:sp3d/>
+    <dgm:txPr/>
+    <dgm:style>
+      <a:lnRef idx="2">
+        <a:scrgbClr r="0" g="0" b="0"/>
+      </a:lnRef>
+      <a:fillRef idx="1">
+        <a:scrgbClr r="0" g="0" b="0"/>
+      </a:fillRef>
+      <a:effectRef idx="0">
+        <a:scrgbClr r="0" g="0" b="0"/>
+      </a:effectRef>
+      <a:fontRef idx="minor">
+        <a:schemeClr val="lt1"/>
+      </a:fontRef>
+    </dgm:style>
+  </dgm:styleLbl>
+  <dgm:styleLbl name="node4">
+    <dgm:scene3d>
+      <a:camera prst="orthographicFront"/>
+      <a:lightRig rig="threePt" dir="t"/>
+    </dgm:scene3d>
+    <dgm:sp3d/>
+    <dgm:txPr/>
+    <dgm:style>
+      <a:lnRef idx="2">
+        <a:scrgbClr r="0" g="0" b="0"/>
+      </a:lnRef>
+      <a:fillRef idx="1">
+        <a:scrgbClr r="0" g="0" b="0"/>
+      </a:fillRef>
+      <a:effectRef idx="0">
+        <a:scrgbClr r="0" g="0" b="0"/>
+      </a:effectRef>
+      <a:fontRef idx="minor">
+        <a:schemeClr val="lt1"/>
+      </a:fontRef>
+    </dgm:style>
+  </dgm:styleLbl>
+  <dgm:styleLbl name="fgImgPlace1">
+    <dgm:scene3d>
+      <a:camera prst="orthographicFront"/>
+      <a:lightRig rig="threePt" dir="t"/>
+    </dgm:scene3d>
+    <dgm:sp3d/>
+    <dgm:txPr/>
+    <dgm:style>
+      <a:lnRef idx="2">
+        <a:scrgbClr r="0" g="0" b="0"/>
+      </a:lnRef>
+      <a:fillRef idx="1">
+        <a:scrgbClr r="0" g="0" b="0"/>
+      </a:fillRef>
+      <a:effectRef idx="0">
+        <a:scrgbClr r="0" g="0" b="0"/>
+      </a:effectRef>
+      <a:fontRef idx="minor"/>
+    </dgm:style>
+  </dgm:styleLbl>
+  <dgm:styleLbl name="alignImgPlace1">
+    <dgm:scene3d>
+      <a:camera prst="orthographicFront"/>
+      <a:lightRig rig="threePt" dir="t"/>
+    </dgm:scene3d>
+    <dgm:sp3d/>
+    <dgm:txPr/>
+    <dgm:style>
+      <a:lnRef idx="2">
+        <a:scrgbClr r="0" g="0" b="0"/>
+      </a:lnRef>
+      <a:fillRef idx="1">
+        <a:scrgbClr r="0" g="0" b="0"/>
+      </a:fillRef>
+      <a:effectRef idx="0">
+        <a:scrgbClr r="0" g="0" b="0"/>
+      </a:effectRef>
+      <a:fontRef idx="minor"/>
+    </dgm:style>
+  </dgm:styleLbl>
+  <dgm:styleLbl name="bgImgPlace1">
+    <dgm:scene3d>
+      <a:camera prst="orthographicFront"/>
+      <a:lightRig rig="threePt" dir="t"/>
+    </dgm:scene3d>
+    <dgm:sp3d/>
+    <dgm:txPr/>
+    <dgm:style>
+      <a:lnRef idx="2">
+        <a:scrgbClr r="0" g="0" b="0"/>
+      </a:lnRef>
+      <a:fillRef idx="1">
+        <a:scrgbClr r="0" g="0" b="0"/>
+      </a:fillRef>
+      <a:effectRef idx="0">
+        <a:scrgbClr r="0" g="0" b="0"/>
+      </a:effectRef>
+      <a:fontRef idx="minor"/>
+    </dgm:style>
+  </dgm:styleLbl>
+  <dgm:styleLbl name="sibTrans2D1">
+    <dgm:scene3d>
+      <a:camera prst="orthographicFront"/>
+      <a:lightRig rig="threePt" dir="t"/>
+    </dgm:scene3d>
+    <dgm:sp3d/>
+    <dgm:txPr/>
+    <dgm:style>
+      <a:lnRef idx="0">
+        <a:scrgbClr r="0" g="0" b="0"/>
+      </a:lnRef>
+      <a:fillRef idx="1">
+        <a:scrgbClr r="0" g="0" b="0"/>
+      </a:fillRef>
+      <a:effectRef idx="0">
+        <a:scrgbClr r="0" g="0" b="0"/>
+      </a:effectRef>
+      <a:fontRef idx="minor">
+        <a:schemeClr val="lt1"/>
+      </a:fontRef>
+    </dgm:style>
+  </dgm:styleLbl>
+  <dgm:styleLbl name="fgSibTrans2D1">
+    <dgm:scene3d>
+      <a:camera prst="orthographicFront"/>
+      <a:lightRig rig="threePt" dir="t"/>
+    </dgm:scene3d>
+    <dgm:sp3d/>
+    <dgm:txPr/>
+    <dgm:style>
+      <a:lnRef idx="0">
+        <a:scrgbClr r="0" g="0" b="0"/>
+      </a:lnRef>
+      <a:fillRef idx="1">
+        <a:scrgbClr r="0" g="0" b="0"/>
+      </a:fillRef>
+      <a:effectRef idx="0">
+        <a:scrgbClr r="0" g="0" b="0"/>
+      </a:effectRef>
+      <a:fontRef idx="minor">
+        <a:schemeClr val="lt1"/>
+      </a:fontRef>
+    </dgm:style>
+  </dgm:styleLbl>
+  <dgm:styleLbl name="bgSibTrans2D1">
+    <dgm:scene3d>
+      <a:camera prst="orthographicFront"/>
+      <a:lightRig rig="threePt" dir="t"/>
+    </dgm:scene3d>
+    <dgm:sp3d/>
+    <dgm:txPr/>
+    <dgm:style>
+      <a:lnRef idx="0">
+        <a:scrgbClr r="0" g="0" b="0"/>
+      </a:lnRef>
+      <a:fillRef idx="1">
+        <a:scrgbClr r="0" g="0" b="0"/>
+      </a:fillRef>
+      <a:effectRef idx="0">
+        <a:scrgbClr r="0" g="0" b="0"/>
+      </a:effectRef>
+      <a:fontRef idx="minor">
+        <a:schemeClr val="lt1"/>
+      </a:fontRef>
+    </dgm:style>
+  </dgm:styleLbl>
+  <dgm:styleLbl name="sibTrans1D1">
+    <dgm:scene3d>
+      <a:camera prst="orthographicFront"/>
+      <a:lightRig rig="threePt" dir="t"/>
+    </dgm:scene3d>
+    <dgm:sp3d/>
+    <dgm:txPr/>
+    <dgm:style>
+      <a:lnRef idx="1">
+        <a:scrgbClr r="0" g="0" b="0"/>
+      </a:lnRef>
+      <a:fillRef idx="0">
+        <a:scrgbClr r="0" g="0" b="0"/>
+      </a:fillRef>
+      <a:effectRef idx="0">
+        <a:scrgbClr r="0" g="0" b="0"/>
+      </a:effectRef>
+      <a:fontRef idx="minor"/>
+    </dgm:style>
+  </dgm:styleLbl>
+  <dgm:styleLbl name="callout">
+    <dgm:scene3d>
+      <a:camera prst="orthographicFront"/>
+      <a:lightRig rig="threePt" dir="t"/>
+    </dgm:scene3d>
+    <dgm:sp3d/>
+    <dgm:txPr/>
+    <dgm:style>
+      <a:lnRef idx="2">
+        <a:scrgbClr r="0" g="0" b="0"/>
+      </a:lnRef>
+      <a:fillRef idx="1">
+        <a:scrgbClr r="0" g="0" b="0"/>
+      </a:fillRef>
+      <a:effectRef idx="0">
+        <a:scrgbClr r="0" g="0" b="0"/>
+      </a:effectRef>
+      <a:fontRef idx="minor"/>
+    </dgm:style>
+  </dgm:styleLbl>
+  <dgm:styleLbl name="asst0">
+    <dgm:scene3d>
+      <a:camera prst="orthographicFront"/>
+      <a:lightRig rig="threePt" dir="t"/>
+    </dgm:scene3d>
+    <dgm:sp3d/>
+    <dgm:txPr/>
+    <dgm:style>
+      <a:lnRef idx="2">
+        <a:scrgbClr r="0" g="0" b="0"/>
+      </a:lnRef>
+      <a:fillRef idx="1">
+        <a:scrgbClr r="0" g="0" b="0"/>
+      </a:fillRef>
+      <a:effectRef idx="0">
+        <a:scrgbClr r="0" g="0" b="0"/>
+      </a:effectRef>
+      <a:fontRef idx="minor">
+        <a:schemeClr val="lt1"/>
+      </a:fontRef>
+    </dgm:style>
+  </dgm:styleLbl>
+  <dgm:styleLbl name="asst1">
+    <dgm:scene3d>
+      <a:camera prst="orthographicFront"/>
+      <a:lightRig rig="threePt" dir="t"/>
+    </dgm:scene3d>
+    <dgm:sp3d/>
+    <dgm:txPr/>
+    <dgm:style>
+      <a:lnRef idx="2">
+        <a:scrgbClr r="0" g="0" b="0"/>
+      </a:lnRef>
+      <a:fillRef idx="1">
+        <a:scrgbClr r="0" g="0" b="0"/>
+      </a:fillRef>
+      <a:effectRef idx="0">
+        <a:scrgbClr r="0" g="0" b="0"/>
+      </a:effectRef>
+      <a:fontRef idx="minor">
+        <a:schemeClr val="lt1"/>
+      </a:fontRef>
+    </dgm:style>
+  </dgm:styleLbl>
+  <dgm:styleLbl name="asst2">
+    <dgm:scene3d>
+      <a:camera prst="orthographicFront"/>
+      <a:lightRig rig="threePt" dir="t"/>
+    </dgm:scene3d>
+    <dgm:sp3d/>
+    <dgm:txPr/>
+    <dgm:style>
+      <a:lnRef idx="2">
+        <a:scrgbClr r="0" g="0" b="0"/>
+      </a:lnRef>
+      <a:fillRef idx="1">
+        <a:scrgbClr r="0" g="0" b="0"/>
+      </a:fillRef>
+      <a:effectRef idx="0">
+        <a:scrgbClr r="0" g="0" b="0"/>
+      </a:effectRef>
+      <a:fontRef idx="minor">
+        <a:schemeClr val="lt1"/>
+      </a:fontRef>
+    </dgm:style>
+  </dgm:styleLbl>
+  <dgm:styleLbl name="asst3">
+    <dgm:scene3d>
+      <a:camera prst="orthographicFront"/>
+      <a:lightRig rig="threePt" dir="t"/>
+    </dgm:scene3d>
+    <dgm:sp3d/>
+    <dgm:txPr/>
+    <dgm:style>
+      <a:lnRef idx="2">
+        <a:scrgbClr r="0" g="0" b="0"/>
+      </a:lnRef>
+      <a:fillRef idx="1">
+        <a:scrgbClr r="0" g="0" b="0"/>
+      </a:fillRef>
+      <a:effectRef idx="0">
+        <a:scrgbClr r="0" g="0" b="0"/>
+      </a:effectRef>
+      <a:fontRef idx="minor">
+        <a:schemeClr val="lt1"/>
+      </a:fontRef>
+    </dgm:style>
+  </dgm:styleLbl>
+  <dgm:styleLbl name="asst4">
+    <dgm:scene3d>
+      <a:camera prst="orthographicFront"/>
+      <a:lightRig rig="threePt" dir="t"/>
+    </dgm:scene3d>
+    <dgm:sp3d/>
+    <dgm:txPr/>
+    <dgm:style>
+      <a:lnRef idx="2">
+        <a:scrgbClr r="0" g="0" b="0"/>
+      </a:lnRef>
+      <a:fillRef idx="1">
+        <a:scrgbClr r="0" g="0" b="0"/>
+      </a:fillRef>
+      <a:effectRef idx="0">
+        <a:scrgbClr r="0" g="0" b="0"/>
+      </a:effectRef>
+      <a:fontRef idx="minor">
+        <a:schemeClr val="lt1"/>
+      </a:fontRef>
+    </dgm:style>
+  </dgm:styleLbl>
+  <dgm:styleLbl name="parChTrans2D1">
+    <dgm:scene3d>
+      <a:camera prst="orthographicFront"/>
+      <a:lightRig rig="threePt" dir="t"/>
+    </dgm:scene3d>
+    <dgm:sp3d/>
+    <dgm:txPr/>
+    <dgm:style>
+      <a:lnRef idx="2">
+        <a:scrgbClr r="0" g="0" b="0"/>
+      </a:lnRef>
+      <a:fillRef idx="1">
+        <a:scrgbClr r="0" g="0" b="0"/>
+      </a:fillRef>
+      <a:effectRef idx="0">
+        <a:scrgbClr r="0" g="0" b="0"/>
+      </a:effectRef>
+      <a:fontRef idx="minor">
+        <a:schemeClr val="lt1"/>
+      </a:fontRef>
+    </dgm:style>
+  </dgm:styleLbl>
+  <dgm:styleLbl name="parChTrans2D2">
+    <dgm:scene3d>
+      <a:camera prst="orthographicFront"/>
+      <a:lightRig rig="threePt" dir="t"/>
+    </dgm:scene3d>
+    <dgm:sp3d/>
+    <dgm:txPr/>
+    <dgm:style>
+      <a:lnRef idx="2">
+        <a:scrgbClr r="0" g="0" b="0"/>
+      </a:lnRef>
+      <a:fillRef idx="1">
+        <a:scrgbClr r="0" g="0" b="0"/>
+      </a:fillRef>
+      <a:effectRef idx="0">
+        <a:scrgbClr r="0" g="0" b="0"/>
+      </a:effectRef>
+      <a:fontRef idx="minor">
+        <a:schemeClr val="lt1"/>
+      </a:fontRef>
+    </dgm:style>
+  </dgm:styleLbl>
+  <dgm:styleLbl name="parChTrans2D3">
+    <dgm:scene3d>
+      <a:camera prst="orthographicFront"/>
+      <a:lightRig rig="threePt" dir="t"/>
+    </dgm:scene3d>
+    <dgm:sp3d/>
+    <dgm:txPr/>
+    <dgm:style>
+      <a:lnRef idx="2">
+        <a:scrgbClr r="0" g="0" b="0"/>
+      </a:lnRef>
+      <a:fillRef idx="1">
+        <a:scrgbClr r="0" g="0" b="0"/>
+      </a:fillRef>
+      <a:effectRef idx="0">
+        <a:scrgbClr r="0" g="0" b="0"/>
+      </a:effectRef>
+      <a:fontRef idx="minor">
+        <a:schemeClr val="lt1"/>
+      </a:fontRef>
+    </dgm:style>
+  </dgm:styleLbl>
+  <dgm:styleLbl name="parChTrans2D4">
+    <dgm:scene3d>
+      <a:camera prst="orthographicFront"/>
+      <a:lightRig rig="threePt" dir="t"/>
+    </dgm:scene3d>
+    <dgm:sp3d/>
+    <dgm:txPr/>
+    <dgm:style>
+      <a:lnRef idx="2">
+        <a:scrgbClr r="0" g="0" b="0"/>
+      </a:lnRef>
+      <a:fillRef idx="1">
+        <a:scrgbClr r="0" g="0" b="0"/>
+      </a:fillRef>
+      <a:effectRef idx="0">
+        <a:scrgbClr r="0" g="0" b="0"/>
+      </a:effectRef>
+      <a:fontRef idx="minor">
+        <a:schemeClr val="lt1"/>
+      </a:fontRef>
+    </dgm:style>
+  </dgm:styleLbl>
+  <dgm:styleLbl name="parChTrans1D1">
+    <dgm:scene3d>
+      <a:camera prst="orthographicFront"/>
+      <a:lightRig rig="threePt" dir="t"/>
+    </dgm:scene3d>
+    <dgm:sp3d/>
+    <dgm:txPr/>
+    <dgm:style>
+      <a:lnRef idx="2">
+        <a:scrgbClr r="0" g="0" b="0"/>
+      </a:lnRef>
+      <a:fillRef idx="0">
+        <a:scrgbClr r="0" g="0" b="0"/>
+      </a:fillRef>
+      <a:effectRef idx="0">
+        <a:scrgbClr r="0" g="0" b="0"/>
+      </a:effectRef>
+      <a:fontRef idx="minor"/>
+    </dgm:style>
+  </dgm:styleLbl>
+  <dgm:styleLbl name="parChTrans1D2">
+    <dgm:scene3d>
+      <a:camera prst="orthographicFront"/>
+      <a:lightRig rig="threePt" dir="t"/>
+    </dgm:scene3d>
+    <dgm:sp3d/>
+    <dgm:txPr/>
+    <dgm:style>
+      <a:lnRef idx="2">
+        <a:scrgbClr r="0" g="0" b="0"/>
+      </a:lnRef>
+      <a:fillRef idx="0">
+        <a:scrgbClr r="0" g="0" b="0"/>
+      </a:fillRef>
+      <a:effectRef idx="0">
+        <a:scrgbClr r="0" g="0" b="0"/>
+      </a:effectRef>
+      <a:fontRef idx="minor"/>
+    </dgm:style>
+  </dgm:styleLbl>
+  <dgm:styleLbl name="parChTrans1D3">
+    <dgm:scene3d>
+      <a:camera prst="orthographicFront"/>
+      <a:lightRig rig="threePt" dir="t"/>
+    </dgm:scene3d>
+    <dgm:sp3d/>
+    <dgm:txPr/>
+    <dgm:style>
+      <a:lnRef idx="2">
+        <a:scrgbClr r="0" g="0" b="0"/>
+      </a:lnRef>
+      <a:fillRef idx="0">
+        <a:scrgbClr r="0" g="0" b="0"/>
+      </a:fillRef>
+      <a:effectRef idx="0">
+        <a:scrgbClr r="0" g="0" b="0"/>
+      </a:effectRef>
+      <a:fontRef idx="minor"/>
+    </dgm:style>
+  </dgm:styleLbl>
+  <dgm:styleLbl name="parChTrans1D4">
+    <dgm:scene3d>
+      <a:camera prst="orthographicFront"/>
+      <a:lightRig rig="threePt" dir="t"/>
+    </dgm:scene3d>
+    <dgm:sp3d/>
+    <dgm:txPr/>
+    <dgm:style>
+      <a:lnRef idx="2">
+        <a:scrgbClr r="0" g="0" b="0"/>
+      </a:lnRef>
+      <a:fillRef idx="0">
+        <a:scrgbClr r="0" g="0" b="0"/>
+      </a:fillRef>
+      <a:effectRef idx="0">
+        <a:scrgbClr r="0" g="0" b="0"/>
+      </a:effectRef>
+      <a:fontRef idx="minor"/>
+    </dgm:style>
+  </dgm:styleLbl>
+  <dgm:styleLbl name="fgAcc1">
+    <dgm:scene3d>
+      <a:camera prst="orthographicFront"/>
+      <a:lightRig rig="threePt" dir="t"/>
+    </dgm:scene3d>
+    <dgm:sp3d/>
+    <dgm:txPr/>
+    <dgm:style>
+      <a:lnRef idx="2">
+        <a:scrgbClr r="0" g="0" b="0"/>
+      </a:lnRef>
+      <a:fillRef idx="1">
+        <a:scrgbClr r="0" g="0" b="0"/>
+      </a:fillRef>
+      <a:effectRef idx="0">
+        <a:scrgbClr r="0" g="0" b="0"/>
+      </a:effectRef>
+      <a:fontRef idx="minor"/>
+    </dgm:style>
+  </dgm:styleLbl>
+  <dgm:styleLbl name="conFgAcc1">
+    <dgm:scene3d>
+      <a:camera prst="orthographicFront"/>
+      <a:lightRig rig="threePt" dir="t"/>
+    </dgm:scene3d>
+    <dgm:sp3d/>
+    <dgm:txPr/>
+    <dgm:style>
+      <a:lnRef idx="2">
+        <a:scrgbClr r="0" g="0" b="0"/>
+      </a:lnRef>
+      <a:fillRef idx="1">
+        <a:scrgbClr r="0" g="0" b="0"/>
+      </a:fillRef>
+      <a:effectRef idx="0">
+        <a:scrgbClr r="0" g="0" b="0"/>
+      </a:effectRef>
+      <a:fontRef idx="minor"/>
+    </dgm:style>
+  </dgm:styleLbl>
+  <dgm:styleLbl name="alignAcc1">
+    <dgm:scene3d>
+      <a:camera prst="orthographicFront"/>
+      <a:lightRig rig="threePt" dir="t"/>
+    </dgm:scene3d>
+    <dgm:sp3d/>
+    <dgm:txPr/>
+    <dgm:style>
+      <a:lnRef idx="2">
+        <a:scrgbClr r="0" g="0" b="0"/>
+      </a:lnRef>
+      <a:fillRef idx="1">
+        <a:scrgbClr r="0" g="0" b="0"/>
+      </a:fillRef>
+      <a:effectRef idx="0">
+        <a:scrgbClr r="0" g="0" b="0"/>
+      </a:effectRef>
+      <a:fontRef idx="minor"/>
+    </dgm:style>
+  </dgm:styleLbl>
+  <dgm:styleLbl name="trAlignAcc1">
+    <dgm:scene3d>
+      <a:camera prst="orthographicFront"/>
+      <a:lightRig rig="threePt" dir="t"/>
+    </dgm:scene3d>
+    <dgm:sp3d/>
+    <dgm:txPr/>
+    <dgm:style>
+      <a:lnRef idx="1">
+        <a:scrgbClr r="0" g="0" b="0"/>
+      </a:lnRef>
+      <a:fillRef idx="1">
+        <a:scrgbClr r="0" g="0" b="0"/>
+      </a:fillRef>
+      <a:effectRef idx="0">
+        <a:scrgbClr r="0" g="0" b="0"/>
+      </a:effectRef>
+      <a:fontRef idx="minor"/>
+    </dgm:style>
+  </dgm:styleLbl>
+  <dgm:styleLbl name="bgAcc1">
+    <dgm:scene3d>
+      <a:camera prst="orthographicFront"/>
+      <a:lightRig rig="threePt" dir="t"/>
+    </dgm:scene3d>
+    <dgm:sp3d/>
+    <dgm:txPr/>
+    <dgm:style>
+      <a:lnRef idx="2">
+        <a:scrgbClr r="0" g="0" b="0"/>
+      </a:lnRef>
+      <a:fillRef idx="1">
+        <a:scrgbClr r="0" g="0" b="0"/>
+      </a:fillRef>
+      <a:effectRef idx="0">
+        <a:scrgbClr r="0" g="0" b="0"/>
+      </a:effectRef>
+      <a:fontRef idx="minor"/>
+    </dgm:style>
+  </dgm:styleLbl>
+  <dgm:styleLbl name="solidFgAcc1">
+    <dgm:scene3d>
+      <a:camera prst="orthographicFront"/>
+      <a:lightRig rig="threePt" dir="t"/>
+    </dgm:scene3d>
+    <dgm:sp3d/>
+    <dgm:txPr/>
+    <dgm:style>
+      <a:lnRef idx="2">
+        <a:scrgbClr r="0" g="0" b="0"/>
+      </a:lnRef>
+      <a:fillRef idx="1">
+        <a:scrgbClr r="0" g="0" b="0"/>
+      </a:fillRef>
+      <a:effectRef idx="0">
+        <a:scrgbClr r="0" g="0" b="0"/>
+      </a:effectRef>
+      <a:fontRef idx="minor"/>
+    </dgm:style>
+  </dgm:styleLbl>
+  <dgm:styleLbl name="solidAlignAcc1">
+    <dgm:scene3d>
+      <a:camera prst="orthographicFront"/>
+      <a:lightRig rig="threePt" dir="t"/>
+    </dgm:scene3d>
+    <dgm:sp3d/>
+    <dgm:txPr/>
+    <dgm:style>
+      <a:lnRef idx="2">
+        <a:scrgbClr r="0" g="0" b="0"/>
+      </a:lnRef>
+      <a:fillRef idx="1">
+        <a:scrgbClr r="0" g="0" b="0"/>
+      </a:fillRef>
+      <a:effectRef idx="0">
+        <a:scrgbClr r="0" g="0" b="0"/>
+      </a:effectRef>
+      <a:fontRef idx="minor"/>
+    </dgm:style>
+  </dgm:styleLbl>
+  <dgm:styleLbl name="solidBgAcc1">
+    <dgm:scene3d>
+      <a:camera prst="orthographicFront"/>
+      <a:lightRig rig="threePt" dir="t"/>
+    </dgm:scene3d>
+    <dgm:sp3d/>
+    <dgm:txPr/>
+    <dgm:style>
+      <a:lnRef idx="2">
+        <a:scrgbClr r="0" g="0" b="0"/>
+      </a:lnRef>
+      <a:fillRef idx="1">
+        <a:scrgbClr r="0" g="0" b="0"/>
+      </a:fillRef>
+      <a:effectRef idx="0">
+        <a:scrgbClr r="0" g="0" b="0"/>
+      </a:effectRef>
+      <a:fontRef idx="minor"/>
+    </dgm:style>
+  </dgm:styleLbl>
+  <dgm:styleLbl name="fgAccFollowNode1">
+    <dgm:scene3d>
+      <a:camera prst="orthographicFront"/>
+      <a:lightRig rig="threePt" dir="t"/>
+    </dgm:scene3d>
+    <dgm:sp3d/>
+    <dgm:txPr/>
+    <dgm:style>
+      <a:lnRef idx="2">
+        <a:scrgbClr r="0" g="0" b="0"/>
+      </a:lnRef>
+      <a:fillRef idx="1">
+        <a:scrgbClr r="0" g="0" b="0"/>
+      </a:fillRef>
+      <a:effectRef idx="0">
+        <a:scrgbClr r="0" g="0" b="0"/>
+      </a:effectRef>
+      <a:fontRef idx="minor"/>
+    </dgm:style>
+  </dgm:styleLbl>
+  <dgm:styleLbl name="alignAccFollowNode1">
+    <dgm:scene3d>
+      <a:camera prst="orthographicFront"/>
+      <a:lightRig rig="threePt" dir="t"/>
+    </dgm:scene3d>
+    <dgm:sp3d/>
+    <dgm:txPr/>
+    <dgm:style>
+      <a:lnRef idx="2">
+        <a:scrgbClr r="0" g="0" b="0"/>
+      </a:lnRef>
+      <a:fillRef idx="1">
+        <a:scrgbClr r="0" g="0" b="0"/>
+      </a:fillRef>
+      <a:effectRef idx="0">
+        <a:scrgbClr r="0" g="0" b="0"/>
+      </a:effectRef>
+      <a:fontRef idx="minor"/>
+    </dgm:style>
+  </dgm:styleLbl>
+  <dgm:styleLbl name="bgAccFollowNode1">
+    <dgm:scene3d>
+      <a:camera prst="orthographicFront"/>
+      <a:lightRig rig="threePt" dir="t"/>
+    </dgm:scene3d>
+    <dgm:sp3d/>
+    <dgm:txPr/>
+    <dgm:style>
+      <a:lnRef idx="2">
+        <a:scrgbClr r="0" g="0" b="0"/>
+      </a:lnRef>
+      <a:fillRef idx="1">
+        <a:scrgbClr r="0" g="0" b="0"/>
+      </a:fillRef>
+      <a:effectRef idx="0">
+        <a:scrgbClr r="0" g="0" b="0"/>
+      </a:effectRef>
+      <a:fontRef idx="minor"/>
+    </dgm:style>
+  </dgm:styleLbl>
+  <dgm:styleLbl name="fgAcc0">
+    <dgm:scene3d>
+      <a:camera prst="orthographicFront"/>
+      <a:lightRig rig="threePt" dir="t"/>
+    </dgm:scene3d>
+    <dgm:sp3d/>
+    <dgm:txPr/>
+    <dgm:style>
+      <a:lnRef idx="2">
+        <a:scrgbClr r="0" g="0" b="0"/>
+      </a:lnRef>
+      <a:fillRef idx="1">
+        <a:scrgbClr r="0" g="0" b="0"/>
+      </a:fillRef>
+      <a:effectRef idx="0">
+        <a:scrgbClr r="0" g="0" b="0"/>
+      </a:effectRef>
+      <a:fontRef idx="minor"/>
+    </dgm:style>
+  </dgm:styleLbl>
+  <dgm:styleLbl name="fgAcc2">
+    <dgm:scene3d>
+      <a:camera prst="orthographicFront"/>
+      <a:lightRig rig="threePt" dir="t"/>
+    </dgm:scene3d>
+    <dgm:sp3d/>
+    <dgm:txPr/>
+    <dgm:style>
+      <a:lnRef idx="2">
+        <a:scrgbClr r="0" g="0" b="0"/>
+      </a:lnRef>
+      <a:fillRef idx="1">
+        <a:scrgbClr r="0" g="0" b="0"/>
+      </a:fillRef>
+      <a:effectRef idx="0">
+        <a:scrgbClr r="0" g="0" b="0"/>
+      </a:effectRef>
+      <a:fontRef idx="minor"/>
+    </dgm:style>
+  </dgm:styleLbl>
+  <dgm:styleLbl name="fgAcc3">
+    <dgm:scene3d>
+      <a:camera prst="orthographicFront"/>
+      <a:lightRig rig="threePt" dir="t"/>
+    </dgm:scene3d>
+    <dgm:sp3d/>
+    <dgm:txPr/>
+    <dgm:style>
+      <a:lnRef idx="2">
+        <a:scrgbClr r="0" g="0" b="0"/>
+      </a:lnRef>
+      <a:fillRef idx="1">
+        <a:scrgbClr r="0" g="0" b="0"/>
+      </a:fillRef>
+      <a:effectRef idx="0">
+        <a:scrgbClr r="0" g="0" b="0"/>
+      </a:effectRef>
+      <a:fontRef idx="minor"/>
+    </dgm:style>
+  </dgm:styleLbl>
+  <dgm:styleLbl name="fgAcc4">
+    <dgm:scene3d>
+      <a:camera prst="orthographicFront"/>
+      <a:lightRig rig="threePt" dir="t"/>
+    </dgm:scene3d>
+    <dgm:sp3d/>
+    <dgm:txPr/>
+    <dgm:style>
+      <a:lnRef idx="2">
+        <a:scrgbClr r="0" g="0" b="0"/>
+      </a:lnRef>
+      <a:fillRef idx="1">
+        <a:scrgbClr r="0" g="0" b="0"/>
+      </a:fillRef>
+      <a:effectRef idx="0">
+        <a:scrgbClr r="0" g="0" b="0"/>
+      </a:effectRef>
+      <a:fontRef idx="minor"/>
+    </dgm:style>
+  </dgm:styleLbl>
+  <dgm:styleLbl name="bgShp">
+    <dgm:scene3d>
+      <a:camera prst="orthographicFront"/>
+      <a:lightRig rig="threePt" dir="t"/>
+    </dgm:scene3d>
+    <dgm:sp3d/>
+    <dgm:txPr/>
+    <dgm:style>
+      <a:lnRef idx="0">
+        <a:scrgbClr r="0" g="0" b="0"/>
+      </a:lnRef>
+      <a:fillRef idx="1">
+        <a:scrgbClr r="0" g="0" b="0"/>
+      </a:fillRef>
+      <a:effectRef idx="0">
+        <a:scrgbClr r="0" g="0" b="0"/>
+      </a:effectRef>
+      <a:fontRef idx="minor"/>
+    </dgm:style>
+  </dgm:styleLbl>
+  <dgm:styleLbl name="dkBgShp">
+    <dgm:scene3d>
+      <a:camera prst="orthographicFront"/>
+      <a:lightRig rig="threePt" dir="t"/>
+    </dgm:scene3d>
+    <dgm:sp3d/>
+    <dgm:txPr/>
+    <dgm:style>
+      <a:lnRef idx="0">
+        <a:scrgbClr r="0" g="0" b="0"/>
+      </a:lnRef>
+      <a:fillRef idx="1">
+        <a:scrgbClr r="0" g="0" b="0"/>
+      </a:fillRef>
+      <a:effectRef idx="0">
+        <a:scrgbClr r="0" g="0" b="0"/>
+      </a:effectRef>
+      <a:fontRef idx="minor"/>
+    </dgm:style>
+  </dgm:styleLbl>
+  <dgm:styleLbl name="trBgShp">
+    <dgm:scene3d>
+      <a:camera prst="orthographicFront"/>
+      <a:lightRig rig="threePt" dir="t"/>
+    </dgm:scene3d>
+    <dgm:sp3d/>
+    <dgm:txPr/>
+    <dgm:style>
+      <a:lnRef idx="0">
+        <a:scrgbClr r="0" g="0" b="0"/>
+      </a:lnRef>
+      <a:fillRef idx="1">
+        <a:scrgbClr r="0" g="0" b="0"/>
+      </a:fillRef>
+      <a:effectRef idx="0">
+        <a:scrgbClr r="0" g="0" b="0"/>
+      </a:effectRef>
+      <a:fontRef idx="minor"/>
+    </dgm:style>
+  </dgm:styleLbl>
+  <dgm:styleLbl name="fgShp">
+    <dgm:scene3d>
+      <a:camera prst="orthographicFront"/>
+      <a:lightRig rig="threePt" dir="t"/>
+    </dgm:scene3d>
+    <dgm:sp3d/>
+    <dgm:txPr/>
+    <dgm:style>
+      <a:lnRef idx="2">
+        <a:scrgbClr r="0" g="0" b="0"/>
+      </a:lnRef>
+      <a:fillRef idx="1">
+        <a:scrgbClr r="0" g="0" b="0"/>
+      </a:fillRef>
+      <a:effectRef idx="0">
+        <a:scrgbClr r="0" g="0" b="0"/>
+      </a:effectRef>
+      <a:fontRef idx="minor"/>
+    </dgm:style>
+  </dgm:styleLbl>
+  <dgm:styleLbl name="revTx">
+    <dgm:scene3d>
+      <a:camera prst="orthographicFront"/>
+      <a:lightRig rig="threePt" dir="t"/>
+    </dgm:scene3d>
+    <dgm:sp3d/>
+    <dgm:txPr/>
+    <dgm:style>
+      <a:lnRef idx="0">
+        <a:scrgbClr r="0" g="0" b="0"/>
+      </a:lnRef>
+      <a:fillRef idx="0">
+        <a:scrgbClr r="0" g="0" b="0"/>
+      </a:fillRef>
+      <a:effectRef idx="0">
+        <a:scrgbClr r="0" g="0" b="0"/>
+      </a:effectRef>
+      <a:fontRef idx="minor"/>
+    </dgm:style>
+  </dgm:styleLbl>
+</dgm:styleDef>
+</file>
+
+<file path=ppt/diagrams/quickStyle2.xml><?xml version="1.0" encoding="utf-8"?>
+<dgm:styleDef xmlns:dgm="http://schemas.openxmlformats.org/drawingml/2006/diagram" xmlns:a="http://schemas.openxmlformats.org/drawingml/2006/main" uniqueId="urn:microsoft.com/office/officeart/2005/8/quickstyle/simple1">
+  <dgm:title val=""/>
+  <dgm:desc val=""/>
+  <dgm:catLst>
+    <dgm:cat type="simple" pri="10100"/>
+  </dgm:catLst>
+  <dgm:scene3d>
+    <a:camera prst="orthographicFront"/>
+    <a:lightRig rig="threePt" dir="t"/>
+  </dgm:scene3d>
+  <dgm:styleLbl name="node0">
+    <dgm:scene3d>
+      <a:camera prst="orthographicFront"/>
+      <a:lightRig rig="threePt" dir="t"/>
+    </dgm:scene3d>
+    <dgm:sp3d/>
+    <dgm:txPr/>
+    <dgm:style>
+      <a:lnRef idx="2">
+        <a:scrgbClr r="0" g="0" b="0"/>
+      </a:lnRef>
+      <a:fillRef idx="1">
+        <a:scrgbClr r="0" g="0" b="0"/>
+      </a:fillRef>
+      <a:effectRef idx="0">
+        <a:scrgbClr r="0" g="0" b="0"/>
+      </a:effectRef>
+      <a:fontRef idx="minor">
+        <a:schemeClr val="lt1"/>
+      </a:fontRef>
+    </dgm:style>
+  </dgm:styleLbl>
+  <dgm:styleLbl name="lnNode1">
+    <dgm:scene3d>
+      <a:camera prst="orthographicFront"/>
+      <a:lightRig rig="threePt" dir="t"/>
+    </dgm:scene3d>
+    <dgm:sp3d/>
+    <dgm:txPr/>
+    <dgm:style>
+      <a:lnRef idx="2">
+        <a:scrgbClr r="0" g="0" b="0"/>
+      </a:lnRef>
+      <a:fillRef idx="1">
+        <a:scrgbClr r="0" g="0" b="0"/>
+      </a:fillRef>
+      <a:effectRef idx="0">
+        <a:scrgbClr r="0" g="0" b="0"/>
+      </a:effectRef>
+      <a:fontRef idx="minor">
+        <a:schemeClr val="lt1"/>
+      </a:fontRef>
+    </dgm:style>
+  </dgm:styleLbl>
+  <dgm:styleLbl name="vennNode1">
+    <dgm:scene3d>
+      <a:camera prst="orthographicFront"/>
+      <a:lightRig rig="threePt" dir="t"/>
+    </dgm:scene3d>
+    <dgm:sp3d/>
+    <dgm:txPr/>
+    <dgm:style>
+      <a:lnRef idx="2">
+        <a:scrgbClr r="0" g="0" b="0"/>
+      </a:lnRef>
+      <a:fillRef idx="1">
+        <a:scrgbClr r="0" g="0" b="0"/>
+      </a:fillRef>
+      <a:effectRef idx="0">
+        <a:scrgbClr r="0" g="0" b="0"/>
+      </a:effectRef>
+      <a:fontRef idx="minor">
+        <a:schemeClr val="tx1"/>
+      </a:fontRef>
+    </dgm:style>
+  </dgm:styleLbl>
+  <dgm:styleLbl name="alignNode1">
+    <dgm:scene3d>
+      <a:camera prst="orthographicFront"/>
+      <a:lightRig rig="threePt" dir="t"/>
+    </dgm:scene3d>
+    <dgm:sp3d/>
+    <dgm:txPr/>
+    <dgm:style>
+      <a:lnRef idx="2">
+        <a:scrgbClr r="0" g="0" b="0"/>
+      </a:lnRef>
+      <a:fillRef idx="1">
+        <a:scrgbClr r="0" g="0" b="0"/>
+      </a:fillRef>
+      <a:effectRef idx="0">
+        <a:scrgbClr r="0" g="0" b="0"/>
+      </a:effectRef>
+      <a:fontRef idx="minor">
+        <a:schemeClr val="lt1"/>
+      </a:fontRef>
+    </dgm:style>
+  </dgm:styleLbl>
+  <dgm:styleLbl name="node1">
+    <dgm:scene3d>
+      <a:camera prst="orthographicFront"/>
+      <a:lightRig rig="threePt" dir="t"/>
+    </dgm:scene3d>
+    <dgm:sp3d/>
+    <dgm:txPr/>
+    <dgm:style>
+      <a:lnRef idx="2">
+        <a:scrgbClr r="0" g="0" b="0"/>
+      </a:lnRef>
+      <a:fillRef idx="1">
+        <a:scrgbClr r="0" g="0" b="0"/>
+      </a:fillRef>
+      <a:effectRef idx="0">
+        <a:scrgbClr r="0" g="0" b="0"/>
+      </a:effectRef>
+      <a:fontRef idx="minor">
+        <a:schemeClr val="lt1"/>
+      </a:fontRef>
+    </dgm:style>
+  </dgm:styleLbl>
+  <dgm:styleLbl name="node2">
+    <dgm:scene3d>
+      <a:camera prst="orthographicFront"/>
+      <a:lightRig rig="threePt" dir="t"/>
+    </dgm:scene3d>
+    <dgm:sp3d/>
+    <dgm:txPr/>
+    <dgm:style>
+      <a:lnRef idx="2">
+        <a:scrgbClr r="0" g="0" b="0"/>
+      </a:lnRef>
+      <a:fillRef idx="1">
+        <a:scrgbClr r="0" g="0" b="0"/>
+      </a:fillRef>
+      <a:effectRef idx="0">
+        <a:scrgbClr r="0" g="0" b="0"/>
+      </a:effectRef>
+      <a:fontRef idx="minor">
+        <a:schemeClr val="lt1"/>
+      </a:fontRef>
+    </dgm:style>
+  </dgm:styleLbl>
+  <dgm:styleLbl name="node3">
+    <dgm:scene3d>
+      <a:camera prst="orthographicFront"/>
+      <a:lightRig rig="threePt" dir="t"/>
+    </dgm:scene3d>
+    <dgm:sp3d/>
+    <dgm:txPr/>
+    <dgm:style>
+      <a:lnRef idx="2">
+        <a:scrgbClr r="0" g="0" b="0"/>
+      </a:lnRef>
+      <a:fillRef idx="1">
+        <a:scrgbClr r="0" g="0" b="0"/>
+      </a:fillRef>
+      <a:effectRef idx="0">
+        <a:scrgbClr r="0" g="0" b="0"/>
+      </a:effectRef>
+      <a:fontRef idx="minor">
+        <a:schemeClr val="lt1"/>
+      </a:fontRef>
+    </dgm:style>
+  </dgm:styleLbl>
+  <dgm:styleLbl name="node4">
+    <dgm:scene3d>
+      <a:camera prst="orthographicFront"/>
+      <a:lightRig rig="threePt" dir="t"/>
+    </dgm:scene3d>
+    <dgm:sp3d/>
+    <dgm:txPr/>
+    <dgm:style>
+      <a:lnRef idx="2">
+        <a:scrgbClr r="0" g="0" b="0"/>
+      </a:lnRef>
+      <a:fillRef idx="1">
+        <a:scrgbClr r="0" g="0" b="0"/>
+      </a:fillRef>
+      <a:effectRef idx="0">
+        <a:scrgbClr r="0" g="0" b="0"/>
+      </a:effectRef>
+      <a:fontRef idx="minor">
+        <a:schemeClr val="lt1"/>
+      </a:fontRef>
+    </dgm:style>
+  </dgm:styleLbl>
+  <dgm:styleLbl name="fgImgPlace1">
+    <dgm:scene3d>
+      <a:camera prst="orthographicFront"/>
+      <a:lightRig rig="threePt" dir="t"/>
+    </dgm:scene3d>
+    <dgm:sp3d/>
+    <dgm:txPr/>
+    <dgm:style>
+      <a:lnRef idx="2">
+        <a:scrgbClr r="0" g="0" b="0"/>
+      </a:lnRef>
+      <a:fillRef idx="1">
+        <a:scrgbClr r="0" g="0" b="0"/>
+      </a:fillRef>
+      <a:effectRef idx="0">
+        <a:scrgbClr r="0" g="0" b="0"/>
+      </a:effectRef>
+      <a:fontRef idx="minor"/>
+    </dgm:style>
+  </dgm:styleLbl>
+  <dgm:styleLbl name="alignImgPlace1">
+    <dgm:scene3d>
+      <a:camera prst="orthographicFront"/>
+      <a:lightRig rig="threePt" dir="t"/>
+    </dgm:scene3d>
+    <dgm:sp3d/>
+    <dgm:txPr/>
+    <dgm:style>
+      <a:lnRef idx="2">
+        <a:scrgbClr r="0" g="0" b="0"/>
+      </a:lnRef>
+      <a:fillRef idx="1">
+        <a:scrgbClr r="0" g="0" b="0"/>
+      </a:fillRef>
+      <a:effectRef idx="0">
+        <a:scrgbClr r="0" g="0" b="0"/>
+      </a:effectRef>
+      <a:fontRef idx="minor"/>
+    </dgm:style>
+  </dgm:styleLbl>
+  <dgm:styleLbl name="bgImgPlace1">
+    <dgm:scene3d>
+      <a:camera prst="orthographicFront"/>
+      <a:lightRig rig="threePt" dir="t"/>
+    </dgm:scene3d>
+    <dgm:sp3d/>
+    <dgm:txPr/>
+    <dgm:style>
+      <a:lnRef idx="2">
+        <a:scrgbClr r="0" g="0" b="0"/>
+      </a:lnRef>
+      <a:fillRef idx="1">
+        <a:scrgbClr r="0" g="0" b="0"/>
+      </a:fillRef>
+      <a:effectRef idx="0">
+        <a:scrgbClr r="0" g="0" b="0"/>
+      </a:effectRef>
+      <a:fontRef idx="minor"/>
+    </dgm:style>
+  </dgm:styleLbl>
+  <dgm:styleLbl name="sibTrans2D1">
+    <dgm:scene3d>
+      <a:camera prst="orthographicFront"/>
+      <a:lightRig rig="threePt" dir="t"/>
+    </dgm:scene3d>
+    <dgm:sp3d/>
+    <dgm:txPr/>
+    <dgm:style>
+      <a:lnRef idx="0">
+        <a:scrgbClr r="0" g="0" b="0"/>
+      </a:lnRef>
+      <a:fillRef idx="1">
+        <a:scrgbClr r="0" g="0" b="0"/>
+      </a:fillRef>
+      <a:effectRef idx="0">
+        <a:scrgbClr r="0" g="0" b="0"/>
+      </a:effectRef>
+      <a:fontRef idx="minor">
+        <a:schemeClr val="lt1"/>
+      </a:fontRef>
+    </dgm:style>
+  </dgm:styleLbl>
+  <dgm:styleLbl name="fgSibTrans2D1">
+    <dgm:scene3d>
+      <a:camera prst="orthographicFront"/>
+      <a:lightRig rig="threePt" dir="t"/>
+    </dgm:scene3d>
+    <dgm:sp3d/>
+    <dgm:txPr/>
+    <dgm:style>
+      <a:lnRef idx="0">
+        <a:scrgbClr r="0" g="0" b="0"/>
+      </a:lnRef>
+      <a:fillRef idx="1">
+        <a:scrgbClr r="0" g="0" b="0"/>
+      </a:fillRef>
+      <a:effectRef idx="0">
+        <a:scrgbClr r="0" g="0" b="0"/>
+      </a:effectRef>
+      <a:fontRef idx="minor">
+        <a:schemeClr val="lt1"/>
+      </a:fontRef>
+    </dgm:style>
+  </dgm:styleLbl>
+  <dgm:styleLbl name="bgSibTrans2D1">
+    <dgm:scene3d>
+      <a:camera prst="orthographicFront"/>
+      <a:lightRig rig="threePt" dir="t"/>
+    </dgm:scene3d>
+    <dgm:sp3d/>
+    <dgm:txPr/>
+    <dgm:style>
+      <a:lnRef idx="0">
+        <a:scrgbClr r="0" g="0" b="0"/>
+      </a:lnRef>
+      <a:fillRef idx="1">
+        <a:scrgbClr r="0" g="0" b="0"/>
+      </a:fillRef>
+      <a:effectRef idx="0">
+        <a:scrgbClr r="0" g="0" b="0"/>
+      </a:effectRef>
+      <a:fontRef idx="minor">
+        <a:schemeClr val="lt1"/>
+      </a:fontRef>
+    </dgm:style>
+  </dgm:styleLbl>
+  <dgm:styleLbl name="sibTrans1D1">
+    <dgm:scene3d>
+      <a:camera prst="orthographicFront"/>
+      <a:lightRig rig="threePt" dir="t"/>
+    </dgm:scene3d>
+    <dgm:sp3d/>
+    <dgm:txPr/>
+    <dgm:style>
+      <a:lnRef idx="1">
+        <a:scrgbClr r="0" g="0" b="0"/>
+      </a:lnRef>
+      <a:fillRef idx="0">
+        <a:scrgbClr r="0" g="0" b="0"/>
+      </a:fillRef>
+      <a:effectRef idx="0">
+        <a:scrgbClr r="0" g="0" b="0"/>
+      </a:effectRef>
+      <a:fontRef idx="minor"/>
+    </dgm:style>
+  </dgm:styleLbl>
+  <dgm:styleLbl name="callout">
+    <dgm:scene3d>
+      <a:camera prst="orthographicFront"/>
+      <a:lightRig rig="threePt" dir="t"/>
+    </dgm:scene3d>
+    <dgm:sp3d/>
+    <dgm:txPr/>
+    <dgm:style>
+      <a:lnRef idx="2">
+        <a:scrgbClr r="0" g="0" b="0"/>
+      </a:lnRef>
+      <a:fillRef idx="1">
+        <a:scrgbClr r="0" g="0" b="0"/>
+      </a:fillRef>
+      <a:effectRef idx="0">
+        <a:scrgbClr r="0" g="0" b="0"/>
+      </a:effectRef>
+      <a:fontRef idx="minor"/>
+    </dgm:style>
+  </dgm:styleLbl>
+  <dgm:styleLbl name="asst0">
+    <dgm:scene3d>
+      <a:camera prst="orthographicFront"/>
+      <a:lightRig rig="threePt" dir="t"/>
+    </dgm:scene3d>
+    <dgm:sp3d/>
+    <dgm:txPr/>
+    <dgm:style>
+      <a:lnRef idx="2">
+        <a:scrgbClr r="0" g="0" b="0"/>
+      </a:lnRef>
+      <a:fillRef idx="1">
+        <a:scrgbClr r="0" g="0" b="0"/>
+      </a:fillRef>
+      <a:effectRef idx="0">
+        <a:scrgbClr r="0" g="0" b="0"/>
+      </a:effectRef>
+      <a:fontRef idx="minor">
+        <a:schemeClr val="lt1"/>
+      </a:fontRef>
+    </dgm:style>
+  </dgm:styleLbl>
+  <dgm:styleLbl name="asst1">
+    <dgm:scene3d>
+      <a:camera prst="orthographicFront"/>
+      <a:lightRig rig="threePt" dir="t"/>
+    </dgm:scene3d>
+    <dgm:sp3d/>
+    <dgm:txPr/>
+    <dgm:style>
+      <a:lnRef idx="2">
+        <a:scrgbClr r="0" g="0" b="0"/>
+      </a:lnRef>
+      <a:fillRef idx="1">
+        <a:scrgbClr r="0" g="0" b="0"/>
+      </a:fillRef>
+      <a:effectRef idx="0">
+        <a:scrgbClr r="0" g="0" b="0"/>
+      </a:effectRef>
+      <a:fontRef idx="minor">
+        <a:schemeClr val="lt1"/>
+      </a:fontRef>
+    </dgm:style>
+  </dgm:styleLbl>
+  <dgm:styleLbl name="asst2">
+    <dgm:scene3d>
+      <a:camera prst="orthographicFront"/>
+      <a:lightRig rig="threePt" dir="t"/>
+    </dgm:scene3d>
+    <dgm:sp3d/>
+    <dgm:txPr/>
+    <dgm:style>
+      <a:lnRef idx="2">
+        <a:scrgbClr r="0" g="0" b="0"/>
+      </a:lnRef>
+      <a:fillRef idx="1">
+        <a:scrgbClr r="0" g="0" b="0"/>
+      </a:fillRef>
+      <a:effectRef idx="0">
+        <a:scrgbClr r="0" g="0" b="0"/>
+      </a:effectRef>
+      <a:fontRef idx="minor">
+        <a:schemeClr val="lt1"/>
+      </a:fontRef>
+    </dgm:style>
+  </dgm:styleLbl>
+  <dgm:styleLbl name="asst3">
+    <dgm:scene3d>
+      <a:camera prst="orthographicFront"/>
+      <a:lightRig rig="threePt" dir="t"/>
+    </dgm:scene3d>
+    <dgm:sp3d/>
+    <dgm:txPr/>
+    <dgm:style>
+      <a:lnRef idx="2">
+        <a:scrgbClr r="0" g="0" b="0"/>
+      </a:lnRef>
+      <a:fillRef idx="1">
+        <a:scrgbClr r="0" g="0" b="0"/>
+      </a:fillRef>
+      <a:effectRef idx="0">
+        <a:scrgbClr r="0" g="0" b="0"/>
+      </a:effectRef>
+      <a:fontRef idx="minor">
+        <a:schemeClr val="lt1"/>
+      </a:fontRef>
+    </dgm:style>
+  </dgm:styleLbl>
+  <dgm:styleLbl name="asst4">
+    <dgm:scene3d>
+      <a:camera prst="orthographicFront"/>
+      <a:lightRig rig="threePt" dir="t"/>
+    </dgm:scene3d>
+    <dgm:sp3d/>
+    <dgm:txPr/>
+    <dgm:style>
+      <a:lnRef idx="2">
+        <a:scrgbClr r="0" g="0" b="0"/>
+      </a:lnRef>
+      <a:fillRef idx="1">
+        <a:scrgbClr r="0" g="0" b="0"/>
+      </a:fillRef>
+      <a:effectRef idx="0">
+        <a:scrgbClr r="0" g="0" b="0"/>
+      </a:effectRef>
+      <a:fontRef idx="minor">
+        <a:schemeClr val="lt1"/>
+      </a:fontRef>
+    </dgm:style>
+  </dgm:styleLbl>
+  <dgm:styleLbl name="parChTrans2D1">
+    <dgm:scene3d>
+      <a:camera prst="orthographicFront"/>
+      <a:lightRig rig="threePt" dir="t"/>
+    </dgm:scene3d>
+    <dgm:sp3d/>
+    <dgm:txPr/>
+    <dgm:style>
+      <a:lnRef idx="2">
+        <a:scrgbClr r="0" g="0" b="0"/>
+      </a:lnRef>
+      <a:fillRef idx="1">
+        <a:scrgbClr r="0" g="0" b="0"/>
+      </a:fillRef>
+      <a:effectRef idx="0">
+        <a:scrgbClr r="0" g="0" b="0"/>
+      </a:effectRef>
+      <a:fontRef idx="minor">
+        <a:schemeClr val="lt1"/>
+      </a:fontRef>
+    </dgm:style>
+  </dgm:styleLbl>
+  <dgm:styleLbl name="parChTrans2D2">
+    <dgm:scene3d>
+      <a:camera prst="orthographicFront"/>
+      <a:lightRig rig="threePt" dir="t"/>
+    </dgm:scene3d>
+    <dgm:sp3d/>
+    <dgm:txPr/>
+    <dgm:style>
+      <a:lnRef idx="2">
+        <a:scrgbClr r="0" g="0" b="0"/>
+      </a:lnRef>
+      <a:fillRef idx="1">
+        <a:scrgbClr r="0" g="0" b="0"/>
+      </a:fillRef>
+      <a:effectRef idx="0">
+        <a:scrgbClr r="0" g="0" b="0"/>
+      </a:effectRef>
+      <a:fontRef idx="minor">
+        <a:schemeClr val="lt1"/>
+      </a:fontRef>
+    </dgm:style>
+  </dgm:styleLbl>
+  <dgm:styleLbl name="parChTrans2D3">
+    <dgm:scene3d>
+      <a:camera prst="orthographicFront"/>
+      <a:lightRig rig="threePt" dir="t"/>
+    </dgm:scene3d>
+    <dgm:sp3d/>
+    <dgm:txPr/>
+    <dgm:style>
+      <a:lnRef idx="2">
+        <a:scrgbClr r="0" g="0" b="0"/>
+      </a:lnRef>
+      <a:fillRef idx="1">
+        <a:scrgbClr r="0" g="0" b="0"/>
+      </a:fillRef>
+      <a:effectRef idx="0">
+        <a:scrgbClr r="0" g="0" b="0"/>
+      </a:effectRef>
+      <a:fontRef idx="minor">
+        <a:schemeClr val="lt1"/>
+      </a:fontRef>
+    </dgm:style>
+  </dgm:styleLbl>
+  <dgm:styleLbl name="parChTrans2D4">
+    <dgm:scene3d>
+      <a:camera prst="orthographicFront"/>
+      <a:lightRig rig="threePt" dir="t"/>
+    </dgm:scene3d>
+    <dgm:sp3d/>
+    <dgm:txPr/>
+    <dgm:style>
+      <a:lnRef idx="2">
+        <a:scrgbClr r="0" g="0" b="0"/>
+      </a:lnRef>
+      <a:fillRef idx="1">
+        <a:scrgbClr r="0" g="0" b="0"/>
+      </a:fillRef>
+      <a:effectRef idx="0">
+        <a:scrgbClr r="0" g="0" b="0"/>
+      </a:effectRef>
+      <a:fontRef idx="minor">
+        <a:schemeClr val="lt1"/>
+      </a:fontRef>
+    </dgm:style>
+  </dgm:styleLbl>
+  <dgm:styleLbl name="parChTrans1D1">
+    <dgm:scene3d>
+      <a:camera prst="orthographicFront"/>
+      <a:lightRig rig="threePt" dir="t"/>
+    </dgm:scene3d>
+    <dgm:sp3d/>
+    <dgm:txPr/>
+    <dgm:style>
+      <a:lnRef idx="2">
+        <a:scrgbClr r="0" g="0" b="0"/>
+      </a:lnRef>
+      <a:fillRef idx="0">
+        <a:scrgbClr r="0" g="0" b="0"/>
+      </a:fillRef>
+      <a:effectRef idx="0">
+        <a:scrgbClr r="0" g="0" b="0"/>
+      </a:effectRef>
+      <a:fontRef idx="minor"/>
+    </dgm:style>
+  </dgm:styleLbl>
+  <dgm:styleLbl name="parChTrans1D2">
+    <dgm:scene3d>
+      <a:camera prst="orthographicFront"/>
+      <a:lightRig rig="threePt" dir="t"/>
+    </dgm:scene3d>
+    <dgm:sp3d/>
+    <dgm:txPr/>
+    <dgm:style>
+      <a:lnRef idx="2">
+        <a:scrgbClr r="0" g="0" b="0"/>
+      </a:lnRef>
+      <a:fillRef idx="0">
+        <a:scrgbClr r="0" g="0" b="0"/>
+      </a:fillRef>
+      <a:effectRef idx="0">
+        <a:scrgbClr r="0" g="0" b="0"/>
+      </a:effectRef>
+      <a:fontRef idx="minor"/>
+    </dgm:style>
+  </dgm:styleLbl>
+  <dgm:styleLbl name="parChTrans1D3">
+    <dgm:scene3d>
+      <a:camera prst="orthographicFront"/>
+      <a:lightRig rig="threePt" dir="t"/>
+    </dgm:scene3d>
+    <dgm:sp3d/>
+    <dgm:txPr/>
+    <dgm:style>
+      <a:lnRef idx="2">
+        <a:scrgbClr r="0" g="0" b="0"/>
+      </a:lnRef>
+      <a:fillRef idx="0">
+        <a:scrgbClr r="0" g="0" b="0"/>
+      </a:fillRef>
+      <a:effectRef idx="0">
+        <a:scrgbClr r="0" g="0" b="0"/>
+      </a:effectRef>
+      <a:fontRef idx="minor"/>
+    </dgm:style>
+  </dgm:styleLbl>
+  <dgm:styleLbl name="parChTrans1D4">
+    <dgm:scene3d>
+      <a:camera prst="orthographicFront"/>
+      <a:lightRig rig="threePt" dir="t"/>
+    </dgm:scene3d>
+    <dgm:sp3d/>
+    <dgm:txPr/>
+    <dgm:style>
+      <a:lnRef idx="2">
+        <a:scrgbClr r="0" g="0" b="0"/>
+      </a:lnRef>
+      <a:fillRef idx="0">
+        <a:scrgbClr r="0" g="0" b="0"/>
+      </a:fillRef>
+      <a:effectRef idx="0">
+        <a:scrgbClr r="0" g="0" b="0"/>
+      </a:effectRef>
+      <a:fontRef idx="minor"/>
+    </dgm:style>
+  </dgm:styleLbl>
+  <dgm:styleLbl name="fgAcc1">
+    <dgm:scene3d>
+      <a:camera prst="orthographicFront"/>
+      <a:lightRig rig="threePt" dir="t"/>
+    </dgm:scene3d>
+    <dgm:sp3d/>
+    <dgm:txPr/>
+    <dgm:style>
+      <a:lnRef idx="2">
+        <a:scrgbClr r="0" g="0" b="0"/>
+      </a:lnRef>
+      <a:fillRef idx="1">
+        <a:scrgbClr r="0" g="0" b="0"/>
+      </a:fillRef>
+      <a:effectRef idx="0">
+        <a:scrgbClr r="0" g="0" b="0"/>
+      </a:effectRef>
+      <a:fontRef idx="minor"/>
+    </dgm:style>
+  </dgm:styleLbl>
+  <dgm:styleLbl name="conFgAcc1">
+    <dgm:scene3d>
+      <a:camera prst="orthographicFront"/>
+      <a:lightRig rig="threePt" dir="t"/>
+    </dgm:scene3d>
+    <dgm:sp3d/>
+    <dgm:txPr/>
+    <dgm:style>
+      <a:lnRef idx="2">
+        <a:scrgbClr r="0" g="0" b="0"/>
+      </a:lnRef>
+      <a:fillRef idx="1">
+        <a:scrgbClr r="0" g="0" b="0"/>
+      </a:fillRef>
+      <a:effectRef idx="0">
+        <a:scrgbClr r="0" g="0" b="0"/>
+      </a:effectRef>
+      <a:fontRef idx="minor"/>
+    </dgm:style>
+  </dgm:styleLbl>
+  <dgm:styleLbl name="alignAcc1">
+    <dgm:scene3d>
+      <a:camera prst="orthographicFront"/>
+      <a:lightRig rig="threePt" dir="t"/>
+    </dgm:scene3d>
+    <dgm:sp3d/>
+    <dgm:txPr/>
+    <dgm:style>
+      <a:lnRef idx="2">
+        <a:scrgbClr r="0" g="0" b="0"/>
+      </a:lnRef>
+      <a:fillRef idx="1">
+        <a:scrgbClr r="0" g="0" b="0"/>
+      </a:fillRef>
+      <a:effectRef idx="0">
+        <a:scrgbClr r="0" g="0" b="0"/>
+      </a:effectRef>
+      <a:fontRef idx="minor"/>
+    </dgm:style>
+  </dgm:styleLbl>
+  <dgm:styleLbl name="trAlignAcc1">
+    <dgm:scene3d>
+      <a:camera prst="orthographicFront"/>
+      <a:lightRig rig="threePt" dir="t"/>
+    </dgm:scene3d>
+    <dgm:sp3d/>
+    <dgm:txPr/>
+    <dgm:style>
+      <a:lnRef idx="1">
+        <a:scrgbClr r="0" g="0" b="0"/>
+      </a:lnRef>
+      <a:fillRef idx="1">
+        <a:scrgbClr r="0" g="0" b="0"/>
+      </a:fillRef>
+      <a:effectRef idx="0">
+        <a:scrgbClr r="0" g="0" b="0"/>
+      </a:effectRef>
+      <a:fontRef idx="minor"/>
+    </dgm:style>
+  </dgm:styleLbl>
+  <dgm:styleLbl name="bgAcc1">
+    <dgm:scene3d>
+      <a:camera prst="orthographicFront"/>
+      <a:lightRig rig="threePt" dir="t"/>
+    </dgm:scene3d>
+    <dgm:sp3d/>
+    <dgm:txPr/>
+    <dgm:style>
+      <a:lnRef idx="2">
+        <a:scrgbClr r="0" g="0" b="0"/>
+      </a:lnRef>
+      <a:fillRef idx="1">
+        <a:scrgbClr r="0" g="0" b="0"/>
+      </a:fillRef>
+      <a:effectRef idx="0">
+        <a:scrgbClr r="0" g="0" b="0"/>
+      </a:effectRef>
+      <a:fontRef idx="minor"/>
+    </dgm:style>
+  </dgm:styleLbl>
+  <dgm:styleLbl name="solidFgAcc1">
+    <dgm:scene3d>
+      <a:camera prst="orthographicFront"/>
+      <a:lightRig rig="threePt" dir="t"/>
+    </dgm:scene3d>
+    <dgm:sp3d/>
+    <dgm:txPr/>
+    <dgm:style>
+      <a:lnRef idx="2">
+        <a:scrgbClr r="0" g="0" b="0"/>
+      </a:lnRef>
+      <a:fillRef idx="1">
+        <a:scrgbClr r="0" g="0" b="0"/>
+      </a:fillRef>
+      <a:effectRef idx="0">
+        <a:scrgbClr r="0" g="0" b="0"/>
+      </a:effectRef>
+      <a:fontRef idx="minor"/>
+    </dgm:style>
+  </dgm:styleLbl>
+  <dgm:styleLbl name="solidAlignAcc1">
+    <dgm:scene3d>
+      <a:camera prst="orthographicFront"/>
+      <a:lightRig rig="threePt" dir="t"/>
+    </dgm:scene3d>
+    <dgm:sp3d/>
+    <dgm:txPr/>
+    <dgm:style>
+      <a:lnRef idx="2">
+        <a:scrgbClr r="0" g="0" b="0"/>
+      </a:lnRef>
+      <a:fillRef idx="1">
+        <a:scrgbClr r="0" g="0" b="0"/>
+      </a:fillRef>
+      <a:effectRef idx="0">
+        <a:scrgbClr r="0" g="0" b="0"/>
+      </a:effectRef>
+      <a:fontRef idx="minor"/>
+    </dgm:style>
+  </dgm:styleLbl>
+  <dgm:styleLbl name="solidBgAcc1">
+    <dgm:scene3d>
+      <a:camera prst="orthographicFront"/>
+      <a:lightRig rig="threePt" dir="t"/>
+    </dgm:scene3d>
+    <dgm:sp3d/>
+    <dgm:txPr/>
+    <dgm:style>
+      <a:lnRef idx="2">
+        <a:scrgbClr r="0" g="0" b="0"/>
+      </a:lnRef>
+      <a:fillRef idx="1">
+        <a:scrgbClr r="0" g="0" b="0"/>
+      </a:fillRef>
+      <a:effectRef idx="0">
+        <a:scrgbClr r="0" g="0" b="0"/>
+      </a:effectRef>
+      <a:fontRef idx="minor"/>
+    </dgm:style>
+  </dgm:styleLbl>
+  <dgm:styleLbl name="fgAccFollowNode1">
+    <dgm:scene3d>
+      <a:camera prst="orthographicFront"/>
+      <a:lightRig rig="threePt" dir="t"/>
+    </dgm:scene3d>
+    <dgm:sp3d/>
+    <dgm:txPr/>
+    <dgm:style>
+      <a:lnRef idx="2">
+        <a:scrgbClr r="0" g="0" b="0"/>
+      </a:lnRef>
+      <a:fillRef idx="1">
+        <a:scrgbClr r="0" g="0" b="0"/>
+      </a:fillRef>
+      <a:effectRef idx="0">
+        <a:scrgbClr r="0" g="0" b="0"/>
+      </a:effectRef>
+      <a:fontRef idx="minor"/>
+    </dgm:style>
+  </dgm:styleLbl>
+  <dgm:styleLbl name="alignAccFollowNode1">
+    <dgm:scene3d>
+      <a:camera prst="orthographicFront"/>
+      <a:lightRig rig="threePt" dir="t"/>
+    </dgm:scene3d>
+    <dgm:sp3d/>
+    <dgm:txPr/>
+    <dgm:style>
+      <a:lnRef idx="2">
+        <a:scrgbClr r="0" g="0" b="0"/>
+      </a:lnRef>
+      <a:fillRef idx="1">
+        <a:scrgbClr r="0" g="0" b="0"/>
+      </a:fillRef>
+      <a:effectRef idx="0">
+        <a:scrgbClr r="0" g="0" b="0"/>
+      </a:effectRef>
+      <a:fontRef idx="minor"/>
+    </dgm:style>
+  </dgm:styleLbl>
+  <dgm:styleLbl name="bgAccFollowNode1">
+    <dgm:scene3d>
+      <a:camera prst="orthographicFront"/>
+      <a:lightRig rig="threePt" dir="t"/>
+    </dgm:scene3d>
+    <dgm:sp3d/>
+    <dgm:txPr/>
+    <dgm:style>
+      <a:lnRef idx="2">
+        <a:scrgbClr r="0" g="0" b="0"/>
+      </a:lnRef>
+      <a:fillRef idx="1">
+        <a:scrgbClr r="0" g="0" b="0"/>
+      </a:fillRef>
+      <a:effectRef idx="0">
+        <a:scrgbClr r="0" g="0" b="0"/>
+      </a:effectRef>
+      <a:fontRef idx="minor"/>
+    </dgm:style>
+  </dgm:styleLbl>
+  <dgm:styleLbl name="fgAcc0">
+    <dgm:scene3d>
+      <a:camera prst="orthographicFront"/>
+      <a:lightRig rig="threePt" dir="t"/>
+    </dgm:scene3d>
+    <dgm:sp3d/>
+    <dgm:txPr/>
+    <dgm:style>
+      <a:lnRef idx="2">
+        <a:scrgbClr r="0" g="0" b="0"/>
+      </a:lnRef>
+      <a:fillRef idx="1">
+        <a:scrgbClr r="0" g="0" b="0"/>
+      </a:fillRef>
+      <a:effectRef idx="0">
+        <a:scrgbClr r="0" g="0" b="0"/>
+      </a:effectRef>
+      <a:fontRef idx="minor"/>
+    </dgm:style>
+  </dgm:styleLbl>
+  <dgm:styleLbl name="fgAcc2">
+    <dgm:scene3d>
+      <a:camera prst="orthographicFront"/>
+      <a:lightRig rig="threePt" dir="t"/>
+    </dgm:scene3d>
+    <dgm:sp3d/>
+    <dgm:txPr/>
+    <dgm:style>
+      <a:lnRef idx="2">
+        <a:scrgbClr r="0" g="0" b="0"/>
+      </a:lnRef>
+      <a:fillRef idx="1">
+        <a:scrgbClr r="0" g="0" b="0"/>
+      </a:fillRef>
+      <a:effectRef idx="0">
+        <a:scrgbClr r="0" g="0" b="0"/>
+      </a:effectRef>
+      <a:fontRef idx="minor"/>
+    </dgm:style>
+  </dgm:styleLbl>
+  <dgm:styleLbl name="fgAcc3">
+    <dgm:scene3d>
+      <a:camera prst="orthographicFront"/>
+      <a:lightRig rig="threePt" dir="t"/>
+    </dgm:scene3d>
+    <dgm:sp3d/>
+    <dgm:txPr/>
+    <dgm:style>
+      <a:lnRef idx="2">
+        <a:scrgbClr r="0" g="0" b="0"/>
+      </a:lnRef>
+      <a:fillRef idx="1">
+        <a:scrgbClr r="0" g="0" b="0"/>
+      </a:fillRef>
+      <a:effectRef idx="0">
+        <a:scrgbClr r="0" g="0" b="0"/>
+      </a:effectRef>
+      <a:fontRef idx="minor"/>
+    </dgm:style>
+  </dgm:styleLbl>
+  <dgm:styleLbl name="fgAcc4">
+    <dgm:scene3d>
+      <a:camera prst="orthographicFront"/>
+      <a:lightRig rig="threePt" dir="t"/>
+    </dgm:scene3d>
+    <dgm:sp3d/>
+    <dgm:txPr/>
+    <dgm:style>
+      <a:lnRef idx="2">
+        <a:scrgbClr r="0" g="0" b="0"/>
+      </a:lnRef>
+      <a:fillRef idx="1">
+        <a:scrgbClr r="0" g="0" b="0"/>
+      </a:fillRef>
+      <a:effectRef idx="0">
+        <a:scrgbClr r="0" g="0" b="0"/>
+      </a:effectRef>
+      <a:fontRef idx="minor"/>
+    </dgm:style>
+  </dgm:styleLbl>
+  <dgm:styleLbl name="bgShp">
+    <dgm:scene3d>
+      <a:camera prst="orthographicFront"/>
+      <a:lightRig rig="threePt" dir="t"/>
+    </dgm:scene3d>
+    <dgm:sp3d/>
+    <dgm:txPr/>
+    <dgm:style>
+      <a:lnRef idx="0">
+        <a:scrgbClr r="0" g="0" b="0"/>
+      </a:lnRef>
+      <a:fillRef idx="1">
+        <a:scrgbClr r="0" g="0" b="0"/>
+      </a:fillRef>
+      <a:effectRef idx="0">
+        <a:scrgbClr r="0" g="0" b="0"/>
+      </a:effectRef>
+      <a:fontRef idx="minor"/>
+    </dgm:style>
+  </dgm:styleLbl>
+  <dgm:styleLbl name="dkBgShp">
+    <dgm:scene3d>
+      <a:camera prst="orthographicFront"/>
+      <a:lightRig rig="threePt" dir="t"/>
+    </dgm:scene3d>
+    <dgm:sp3d/>
+    <dgm:txPr/>
+    <dgm:style>
+      <a:lnRef idx="0">
+        <a:scrgbClr r="0" g="0" b="0"/>
+      </a:lnRef>
+      <a:fillRef idx="1">
+        <a:scrgbClr r="0" g="0" b="0"/>
+      </a:fillRef>
+      <a:effectRef idx="0">
+        <a:scrgbClr r="0" g="0" b="0"/>
+      </a:effectRef>
+      <a:fontRef idx="minor"/>
+    </dgm:style>
+  </dgm:styleLbl>
+  <dgm:styleLbl name="trBgShp">
+    <dgm:scene3d>
+      <a:camera prst="orthographicFront"/>
+      <a:lightRig rig="threePt" dir="t"/>
+    </dgm:scene3d>
+    <dgm:sp3d/>
+    <dgm:txPr/>
+    <dgm:style>
+      <a:lnRef idx="0">
+        <a:scrgbClr r="0" g="0" b="0"/>
+      </a:lnRef>
+      <a:fillRef idx="1">
+        <a:scrgbClr r="0" g="0" b="0"/>
+      </a:fillRef>
+      <a:effectRef idx="0">
+        <a:scrgbClr r="0" g="0" b="0"/>
+      </a:effectRef>
+      <a:fontRef idx="minor"/>
+    </dgm:style>
+  </dgm:styleLbl>
+  <dgm:styleLbl name="fgShp">
+    <dgm:scene3d>
+      <a:camera prst="orthographicFront"/>
+      <a:lightRig rig="threePt" dir="t"/>
+    </dgm:scene3d>
+    <dgm:sp3d/>
+    <dgm:txPr/>
+    <dgm:style>
+      <a:lnRef idx="2">
+        <a:scrgbClr r="0" g="0" b="0"/>
+      </a:lnRef>
+      <a:fillRef idx="1">
+        <a:scrgbClr r="0" g="0" b="0"/>
+      </a:fillRef>
+      <a:effectRef idx="0">
+        <a:scrgbClr r="0" g="0" b="0"/>
+      </a:effectRef>
+      <a:fontRef idx="minor"/>
+    </dgm:style>
+  </dgm:styleLbl>
+  <dgm:styleLbl name="revTx">
+    <dgm:scene3d>
+      <a:camera prst="orthographicFront"/>
+      <a:lightRig rig="threePt" dir="t"/>
+    </dgm:scene3d>
+    <dgm:sp3d/>
+    <dgm:txPr/>
+    <dgm:style>
+      <a:lnRef idx="0">
+        <a:scrgbClr r="0" g="0" b="0"/>
+      </a:lnRef>
+      <a:fillRef idx="0">
+        <a:scrgbClr r="0" g="0" b="0"/>
+      </a:fillRef>
+      <a:effectRef idx="0">
+        <a:scrgbClr r="0" g="0" b="0"/>
+      </a:effectRef>
+      <a:fontRef idx="minor"/>
+    </dgm:style>
+  </dgm:styleLbl>
+</dgm:styleDef>
 </file>
 
 <file path=ppt/handoutMasters/handoutMaster1.xml><?xml version="1.0" encoding="utf-8"?>
@@ -441,7 +6003,7 @@
               <a:pPr>
                 <a:defRPr/>
               </a:pPr>
-              <a:t>‹Nr.›</a:t>
+              <a:t>‹#›</a:t>
             </a:fld>
             <a:endParaRPr lang="en-GB"/>
           </a:p>
@@ -788,7 +6350,7 @@
               <a:pPr>
                 <a:defRPr/>
               </a:pPr>
-              <a:t>‹Nr.›</a:t>
+              <a:t>‹#›</a:t>
             </a:fld>
             <a:endParaRPr lang="en-GB"/>
           </a:p>
@@ -1008,6 +6570,266 @@
         </p:txBody>
       </p:sp>
     </p:spTree>
+    <p:extLst>
+      <p:ext uri="{BB962C8B-B14F-4D97-AF65-F5344CB8AC3E}">
+        <p14:creationId xmlns:p14="http://schemas.microsoft.com/office/powerpoint/2010/main" val="4195122208"/>
+      </p:ext>
+    </p:extLst>
+  </p:cSld>
+  <p:clrMapOvr>
+    <a:masterClrMapping/>
+  </p:clrMapOvr>
+</p:notes>
+</file>
+
+<file path=ppt/notesSlides/notesSlide2.xml><?xml version="1.0" encoding="utf-8"?>
+<p:notes xmlns:a="http://schemas.openxmlformats.org/drawingml/2006/main" xmlns:r="http://schemas.openxmlformats.org/officeDocument/2006/relationships" xmlns:p="http://schemas.openxmlformats.org/presentationml/2006/main">
+  <p:cSld>
+    <p:spTree>
+      <p:nvGrpSpPr>
+        <p:cNvPr id="1" name=""/>
+        <p:cNvGrpSpPr/>
+        <p:nvPr/>
+      </p:nvGrpSpPr>
+      <p:grpSpPr>
+        <a:xfrm>
+          <a:off x="0" y="0"/>
+          <a:ext cx="0" cy="0"/>
+          <a:chOff x="0" y="0"/>
+          <a:chExt cx="0" cy="0"/>
+        </a:xfrm>
+      </p:grpSpPr>
+      <p:sp>
+        <p:nvSpPr>
+          <p:cNvPr id="2" name="Slide Image Placeholder 1"/>
+          <p:cNvSpPr>
+            <a:spLocks noGrp="1" noRot="1" noChangeAspect="1"/>
+          </p:cNvSpPr>
+          <p:nvPr>
+            <p:ph type="sldImg"/>
+          </p:nvPr>
+        </p:nvSpPr>
+        <p:spPr/>
+      </p:sp>
+      <p:sp>
+        <p:nvSpPr>
+          <p:cNvPr id="3" name="Notes Placeholder 2"/>
+          <p:cNvSpPr>
+            <a:spLocks noGrp="1"/>
+          </p:cNvSpPr>
+          <p:nvPr>
+            <p:ph type="body" idx="1"/>
+          </p:nvPr>
+        </p:nvSpPr>
+        <p:spPr/>
+        <p:txBody>
+          <a:bodyPr/>
+          <a:lstStyle/>
+          <a:p>
+            <a:endParaRPr lang="de-DE" dirty="0"/>
+          </a:p>
+        </p:txBody>
+      </p:sp>
+      <p:sp>
+        <p:nvSpPr>
+          <p:cNvPr id="4" name="Slide Number Placeholder 3"/>
+          <p:cNvSpPr>
+            <a:spLocks noGrp="1"/>
+          </p:cNvSpPr>
+          <p:nvPr>
+            <p:ph type="sldNum" sz="quarter" idx="10"/>
+          </p:nvPr>
+        </p:nvSpPr>
+        <p:spPr/>
+        <p:txBody>
+          <a:bodyPr/>
+          <a:lstStyle/>
+          <a:p>
+            <a:pPr>
+              <a:defRPr/>
+            </a:pPr>
+            <a:fld id="{33AE5097-5579-4C66-901F-E374F9C0FDEC}" type="slidenum">
+              <a:rPr lang="en-GB" smtClean="0"/>
+              <a:pPr>
+                <a:defRPr/>
+              </a:pPr>
+              <a:t>3</a:t>
+            </a:fld>
+            <a:endParaRPr lang="en-GB"/>
+          </a:p>
+        </p:txBody>
+      </p:sp>
+    </p:spTree>
+    <p:extLst>
+      <p:ext uri="{BB962C8B-B14F-4D97-AF65-F5344CB8AC3E}">
+        <p14:creationId xmlns:p14="http://schemas.microsoft.com/office/powerpoint/2010/main" val="519502872"/>
+      </p:ext>
+    </p:extLst>
+  </p:cSld>
+  <p:clrMapOvr>
+    <a:masterClrMapping/>
+  </p:clrMapOvr>
+</p:notes>
+</file>
+
+<file path=ppt/notesSlides/notesSlide3.xml><?xml version="1.0" encoding="utf-8"?>
+<p:notes xmlns:a="http://schemas.openxmlformats.org/drawingml/2006/main" xmlns:r="http://schemas.openxmlformats.org/officeDocument/2006/relationships" xmlns:p="http://schemas.openxmlformats.org/presentationml/2006/main">
+  <p:cSld>
+    <p:spTree>
+      <p:nvGrpSpPr>
+        <p:cNvPr id="1" name=""/>
+        <p:cNvGrpSpPr/>
+        <p:nvPr/>
+      </p:nvGrpSpPr>
+      <p:grpSpPr>
+        <a:xfrm>
+          <a:off x="0" y="0"/>
+          <a:ext cx="0" cy="0"/>
+          <a:chOff x="0" y="0"/>
+          <a:chExt cx="0" cy="0"/>
+        </a:xfrm>
+      </p:grpSpPr>
+      <p:sp>
+        <p:nvSpPr>
+          <p:cNvPr id="2" name="Slide Image Placeholder 1"/>
+          <p:cNvSpPr>
+            <a:spLocks noGrp="1" noRot="1" noChangeAspect="1"/>
+          </p:cNvSpPr>
+          <p:nvPr>
+            <p:ph type="sldImg"/>
+          </p:nvPr>
+        </p:nvSpPr>
+        <p:spPr/>
+      </p:sp>
+      <p:sp>
+        <p:nvSpPr>
+          <p:cNvPr id="3" name="Notes Placeholder 2"/>
+          <p:cNvSpPr>
+            <a:spLocks noGrp="1"/>
+          </p:cNvSpPr>
+          <p:nvPr>
+            <p:ph type="body" idx="1"/>
+          </p:nvPr>
+        </p:nvSpPr>
+        <p:spPr/>
+        <p:txBody>
+          <a:bodyPr/>
+          <a:lstStyle/>
+          <a:p>
+            <a:r>
+              <a:rPr lang="de-DE" dirty="0" smtClean="0"/>
+              <a:t>Unterschied</a:t>
+            </a:r>
+            <a:r>
+              <a:rPr lang="de-DE" baseline="0" dirty="0" smtClean="0"/>
+              <a:t> </a:t>
+            </a:r>
+            <a:r>
+              <a:rPr lang="de-DE" baseline="0" dirty="0" err="1" smtClean="0"/>
+              <a:t>RestAnnotator</a:t>
+            </a:r>
+            <a:r>
+              <a:rPr lang="de-DE" baseline="0" dirty="0" smtClean="0"/>
+              <a:t> </a:t>
+            </a:r>
+            <a:r>
+              <a:rPr lang="de-DE" baseline="0" dirty="0" err="1" smtClean="0"/>
+              <a:t>init</a:t>
+            </a:r>
+            <a:r>
+              <a:rPr lang="de-DE" baseline="0" dirty="0" smtClean="0"/>
+              <a:t> &amp; </a:t>
+            </a:r>
+            <a:r>
+              <a:rPr lang="de-DE" baseline="0" dirty="0" err="1" smtClean="0"/>
+              <a:t>JepAnnotator</a:t>
+            </a:r>
+            <a:r>
+              <a:rPr lang="de-DE" baseline="0" dirty="0" smtClean="0"/>
+              <a:t> </a:t>
+            </a:r>
+            <a:r>
+              <a:rPr lang="de-DE" baseline="0" dirty="0" err="1" smtClean="0"/>
+              <a:t>init</a:t>
+            </a:r>
+            <a:r>
+              <a:rPr lang="de-DE" baseline="0" dirty="0" smtClean="0"/>
+              <a:t>:</a:t>
+            </a:r>
+          </a:p>
+          <a:p>
+            <a:pPr marL="171450" indent="-171450">
+              <a:buFont typeface="Arial" panose="020B0604020202020204" pitchFamily="34" charset="0"/>
+              <a:buChar char="•"/>
+            </a:pPr>
+            <a:r>
+              <a:rPr lang="de-DE" dirty="0" smtClean="0"/>
+              <a:t>Kein Interpreter </a:t>
+            </a:r>
+            <a:r>
+              <a:rPr lang="de-DE" dirty="0" err="1" smtClean="0"/>
+              <a:t>spawn</a:t>
+            </a:r>
+            <a:endParaRPr lang="de-DE" dirty="0" smtClean="0"/>
+          </a:p>
+          <a:p>
+            <a:pPr marL="171450" indent="-171450">
+              <a:buFont typeface="Arial" panose="020B0604020202020204" pitchFamily="34" charset="0"/>
+              <a:buChar char="•"/>
+            </a:pPr>
+            <a:r>
+              <a:rPr lang="de-DE" dirty="0" smtClean="0"/>
+              <a:t>REST-API</a:t>
+            </a:r>
+            <a:r>
+              <a:rPr lang="de-DE" baseline="0" dirty="0" smtClean="0"/>
+              <a:t> wird initialisiert</a:t>
+            </a:r>
+          </a:p>
+          <a:p>
+            <a:pPr marL="171450" indent="-171450">
+              <a:buFontTx/>
+              <a:buChar char="-"/>
+            </a:pPr>
+            <a:endParaRPr lang="de-DE" dirty="0"/>
+          </a:p>
+        </p:txBody>
+      </p:sp>
+      <p:sp>
+        <p:nvSpPr>
+          <p:cNvPr id="4" name="Slide Number Placeholder 3"/>
+          <p:cNvSpPr>
+            <a:spLocks noGrp="1"/>
+          </p:cNvSpPr>
+          <p:nvPr>
+            <p:ph type="sldNum" sz="quarter" idx="10"/>
+          </p:nvPr>
+        </p:nvSpPr>
+        <p:spPr/>
+        <p:txBody>
+          <a:bodyPr/>
+          <a:lstStyle/>
+          <a:p>
+            <a:pPr>
+              <a:defRPr/>
+            </a:pPr>
+            <a:fld id="{33AE5097-5579-4C66-901F-E374F9C0FDEC}" type="slidenum">
+              <a:rPr lang="en-GB" smtClean="0"/>
+              <a:pPr>
+                <a:defRPr/>
+              </a:pPr>
+              <a:t>10</a:t>
+            </a:fld>
+            <a:endParaRPr lang="en-GB"/>
+          </a:p>
+        </p:txBody>
+      </p:sp>
+    </p:spTree>
+    <p:extLst>
+      <p:ext uri="{BB962C8B-B14F-4D97-AF65-F5344CB8AC3E}">
+        <p14:creationId xmlns:p14="http://schemas.microsoft.com/office/powerpoint/2010/main" val="2814154170"/>
+      </p:ext>
+    </p:extLst>
   </p:cSld>
   <p:clrMapOvr>
     <a:masterClrMapping/>
@@ -1344,6 +7166,13 @@
     <a:masterClrMapping/>
   </p:clrMapOvr>
   <p:transition/>
+  <p:timing>
+    <p:tnLst>
+      <p:par>
+        <p:cTn id="1" dur="indefinite" restart="never" nodeType="tmRoot"/>
+      </p:par>
+    </p:tnLst>
+  </p:timing>
 </p:sldLayout>
 </file>
 
@@ -1605,7 +7434,7 @@
         <p:spPr>
           <a:xfrm>
             <a:off x="670355" y="928316"/>
-            <a:ext cx="7803290" cy="2369880"/>
+            <a:ext cx="7803290" cy="3016210"/>
           </a:xfrm>
           <a:prstGeom prst="rect">
             <a:avLst/>
@@ -1653,8 +7482,26 @@
             </a:pPr>
             <a:r>
               <a:rPr lang="de-DE" sz="2800" dirty="0"/>
-              <a:t>Analyse und Vorgehensweise</a:t>
-            </a:r>
+              <a:t>Analyse und </a:t>
+            </a:r>
+            <a:r>
+              <a:rPr lang="de-DE" sz="2800" dirty="0" smtClean="0"/>
+              <a:t>Vorgehensweise</a:t>
+            </a:r>
+          </a:p>
+          <a:p>
+            <a:pPr marL="857250" lvl="1" indent="-457200" algn="l">
+              <a:buAutoNum type="arabicPeriod"/>
+            </a:pPr>
+            <a:r>
+              <a:rPr lang="de-DE" sz="2800" dirty="0" smtClean="0"/>
+              <a:t>Aktueller</a:t>
+            </a:r>
+            <a:r>
+              <a:rPr lang="de-DE" sz="2800" baseline="0" dirty="0" smtClean="0"/>
+              <a:t> Stand</a:t>
+            </a:r>
+            <a:endParaRPr lang="de-DE" sz="2800" dirty="0"/>
           </a:p>
         </p:txBody>
       </p:sp>
@@ -1664,6 +7511,13 @@
     <a:masterClrMapping/>
   </p:clrMapOvr>
   <p:transition/>
+  <p:timing>
+    <p:tnLst>
+      <p:par>
+        <p:cTn id="1" dur="indefinite" restart="never" nodeType="tmRoot"/>
+      </p:par>
+    </p:tnLst>
+  </p:timing>
 </p:sldLayout>
 </file>
 
@@ -2525,8 +8379,8 @@
         </p:nvSpPr>
         <p:spPr>
           <a:xfrm>
-            <a:off x="604490" y="2652024"/>
-            <a:ext cx="7935057" cy="1107996"/>
+            <a:off x="374459" y="2652024"/>
+            <a:ext cx="8395119" cy="1107996"/>
           </a:xfrm>
           <a:prstGeom prst="rect">
             <a:avLst/>
@@ -2542,13 +8396,19 @@
               <a:rPr lang="de-DE" sz="7200" dirty="0">
                 <a:latin typeface="Calibri" pitchFamily="34" charset="0"/>
               </a:rPr>
-              <a:t>Python in </a:t>
-            </a:r>
-            <a:r>
-              <a:rPr lang="de-DE" sz="7200" dirty="0" err="1">
+              <a:t>Python </a:t>
+            </a:r>
+            <a:r>
+              <a:rPr lang="de-DE" sz="7200" dirty="0" smtClean="0">
                 <a:latin typeface="Calibri" pitchFamily="34" charset="0"/>
               </a:rPr>
-              <a:t>TextImager</a:t>
+              <a:t>im Text </a:t>
+            </a:r>
+            <a:r>
+              <a:rPr lang="de-DE" sz="7200" dirty="0" err="1" smtClean="0">
+                <a:latin typeface="Calibri" pitchFamily="34" charset="0"/>
+              </a:rPr>
+              <a:t>Imager</a:t>
             </a:r>
             <a:endParaRPr lang="de-DE" sz="4800" i="1" dirty="0">
               <a:latin typeface="Calibri" pitchFamily="34" charset="0"/>
@@ -2567,6 +8427,13 @@
     <a:masterClrMapping/>
   </p:clrMapOvr>
   <p:transition/>
+  <p:timing>
+    <p:tnLst>
+      <p:par>
+        <p:cTn id="1" dur="indefinite" restart="never" nodeType="tmRoot"/>
+      </p:par>
+    </p:tnLst>
+  </p:timing>
 </p:sld>
 </file>
 
@@ -2589,49 +8456,111 @@
       </p:grpSpPr>
       <p:sp>
         <p:nvSpPr>
-          <p:cNvPr id="3" name="Inhaltsplatzhalter 2"/>
+          <p:cNvPr id="2" name="Titel 1">
+            <a:extLst>
+              <a:ext uri="{FF2B5EF4-FFF2-40B4-BE49-F238E27FC236}">
+                <a16:creationId xmlns:a16="http://schemas.microsoft.com/office/drawing/2014/main" xmlns="" id="{8A534FE6-323B-43DA-94DA-DCD5D3263691}"/>
+              </a:ext>
+            </a:extLst>
+          </p:cNvPr>
           <p:cNvSpPr>
             <a:spLocks noGrp="1"/>
           </p:cNvSpPr>
           <p:nvPr>
-            <p:ph idx="1"/>
+            <p:ph type="title"/>
           </p:nvPr>
         </p:nvSpPr>
         <p:spPr/>
         <p:txBody>
-          <a:bodyPr>
-            <a:normAutofit/>
+          <a:bodyPr/>
+          <a:lstStyle/>
+          <a:p>
+            <a:r>
+              <a:rPr lang="de-DE" dirty="0"/>
+              <a:t>Analyse und Vorgehensweise</a:t>
+            </a:r>
+          </a:p>
+        </p:txBody>
+      </p:sp>
+      <p:graphicFrame>
+        <p:nvGraphicFramePr>
+          <p:cNvPr id="4" name="Content Placeholder 3"/>
+          <p:cNvGraphicFramePr>
+            <a:graphicFrameLocks noGrp="1"/>
+          </p:cNvGraphicFramePr>
+          <p:nvPr>
+            <p:ph idx="1"/>
+            <p:extLst>
+              <p:ext uri="{D42A27DB-BD31-4B8C-83A1-F6EECF244321}">
+                <p14:modId xmlns:p14="http://schemas.microsoft.com/office/powerpoint/2010/main" val="1936391292"/>
+              </p:ext>
+            </p:extLst>
+          </p:nvPr>
+        </p:nvGraphicFramePr>
+        <p:xfrm>
+          <a:off x="0" y="1538883"/>
+          <a:ext cx="9144000" cy="3645329"/>
+        </p:xfrm>
+        <a:graphic>
+          <a:graphicData uri="http://schemas.openxmlformats.org/drawingml/2006/diagram">
+            <dgm:relIds xmlns:dgm="http://schemas.openxmlformats.org/drawingml/2006/diagram" xmlns:r="http://schemas.openxmlformats.org/officeDocument/2006/relationships" r:dm="rId3" r:lo="rId4" r:qs="rId5" r:cs="rId6"/>
+          </a:graphicData>
+        </a:graphic>
+      </p:graphicFrame>
+      <p:sp>
+        <p:nvSpPr>
+          <p:cNvPr id="6" name="TextBox 5"/>
+          <p:cNvSpPr txBox="1"/>
+          <p:nvPr/>
+        </p:nvSpPr>
+        <p:spPr>
+          <a:xfrm>
+            <a:off x="0" y="553998"/>
+            <a:ext cx="9144000" cy="430887"/>
+          </a:xfrm>
+          <a:prstGeom prst="rect">
+            <a:avLst/>
+          </a:prstGeom>
+          <a:noFill/>
+        </p:spPr>
+        <p:txBody>
+          <a:bodyPr wrap="square" rtlCol="0">
+            <a:spAutoFit/>
           </a:bodyPr>
           <a:lstStyle/>
           <a:p>
-            <a:pPr marL="0" indent="0" algn="ctr">
-              <a:buNone/>
-            </a:pPr>
-            <a:r>
-              <a:rPr lang="de-DE" sz="6000" dirty="0"/>
-              <a:t>Vielen Dank </a:t>
-            </a:r>
-            <a:r>
-              <a:rPr lang="de-DE" sz="6000"/>
-              <a:t>für Ihre Aufmerksamkeit</a:t>
-            </a:r>
-            <a:r>
-              <a:rPr lang="de-DE" sz="6000" dirty="0"/>
-              <a:t>!</a:t>
+            <a:r>
+              <a:rPr lang="de-DE" dirty="0" smtClean="0">
+                <a:latin typeface="Calibri" panose="020F0502020204030204" pitchFamily="34" charset="0"/>
+                <a:cs typeface="Calibri" panose="020F0502020204030204" pitchFamily="34" charset="0"/>
+              </a:rPr>
+              <a:t>Neuer Ansatz:</a:t>
             </a:r>
           </a:p>
         </p:txBody>
       </p:sp>
     </p:spTree>
+    <p:extLst>
+      <p:ext uri="{BB962C8B-B14F-4D97-AF65-F5344CB8AC3E}">
+        <p14:creationId xmlns:p14="http://schemas.microsoft.com/office/powerpoint/2010/main" val="2369537395"/>
+      </p:ext>
+    </p:extLst>
   </p:cSld>
   <p:clrMapOvr>
     <a:masterClrMapping/>
   </p:clrMapOvr>
   <p:transition/>
+  <p:timing>
+    <p:tnLst>
+      <p:par>
+        <p:cTn id="1" dur="indefinite" restart="never" nodeType="tmRoot"/>
+      </p:par>
+    </p:tnLst>
+  </p:timing>
 </p:sld>
 </file>
 
-<file path=ppt/slides/slide2.xml><?xml version="1.0" encoding="utf-8"?>
+<file path=ppt/slides/slide11.xml><?xml version="1.0" encoding="utf-8"?>
 <p:sld xmlns:a="http://schemas.openxmlformats.org/drawingml/2006/main" xmlns:r="http://schemas.openxmlformats.org/officeDocument/2006/relationships" xmlns:p="http://schemas.openxmlformats.org/presentationml/2006/main">
   <p:cSld>
     <p:spTree>
@@ -2650,7 +8579,7 @@
       </p:grpSpPr>
       <p:sp>
         <p:nvSpPr>
-          <p:cNvPr id="4" name="Titel 3"/>
+          <p:cNvPr id="2" name="Title 1"/>
           <p:cNvSpPr>
             <a:spLocks noGrp="1"/>
           </p:cNvSpPr>
@@ -2664,9 +8593,408 @@
           <a:lstStyle/>
           <a:p>
             <a:r>
+              <a:rPr lang="de-DE" dirty="0" smtClean="0"/>
+              <a:t>Analyse und Vorgehensweise</a:t>
+            </a:r>
+            <a:endParaRPr lang="de-DE" dirty="0"/>
+          </a:p>
+        </p:txBody>
+      </p:sp>
+      <p:sp>
+        <p:nvSpPr>
+          <p:cNvPr id="3" name="Content Placeholder 2"/>
+          <p:cNvSpPr>
+            <a:spLocks noGrp="1"/>
+          </p:cNvSpPr>
+          <p:nvPr>
+            <p:ph idx="1"/>
+          </p:nvPr>
+        </p:nvSpPr>
+        <p:spPr>
+          <a:xfrm>
+            <a:off x="0" y="719998"/>
+            <a:ext cx="9144000" cy="5033101"/>
+          </a:xfrm>
+        </p:spPr>
+        <p:txBody>
+          <a:bodyPr/>
+          <a:lstStyle/>
+          <a:p>
+            <a:pPr marL="0" indent="0">
+              <a:buNone/>
+            </a:pPr>
+            <a:endParaRPr lang="de-DE" sz="2800" dirty="0" smtClean="0"/>
+          </a:p>
+          <a:p>
+            <a:pPr marL="0" indent="0">
+              <a:buNone/>
+            </a:pPr>
+            <a:r>
+              <a:rPr lang="de-DE" sz="2800" dirty="0" smtClean="0"/>
+              <a:t>Näheres zur Vorgehensweise:</a:t>
+            </a:r>
+            <a:endParaRPr lang="de-DE" sz="2800" dirty="0"/>
+          </a:p>
+          <a:p>
+            <a:r>
+              <a:rPr lang="de-DE" dirty="0" err="1" smtClean="0">
+                <a:cs typeface="Calibri" panose="020F0502020204030204" pitchFamily="34" charset="0"/>
+              </a:rPr>
+              <a:t>Standalone</a:t>
+            </a:r>
+            <a:r>
+              <a:rPr lang="de-DE" dirty="0" smtClean="0"/>
+              <a:t> Python-Skript zur Kapselung des </a:t>
+            </a:r>
+            <a:r>
+              <a:rPr lang="de-DE" dirty="0" err="1" smtClean="0"/>
+              <a:t>spaCy</a:t>
+            </a:r>
+            <a:r>
+              <a:rPr lang="de-DE" dirty="0" smtClean="0"/>
+              <a:t>-Prozesses</a:t>
+            </a:r>
+          </a:p>
+          <a:p>
+            <a:endParaRPr lang="de-DE" dirty="0"/>
+          </a:p>
+          <a:p>
+            <a:r>
+              <a:rPr lang="de-DE" dirty="0" smtClean="0"/>
+              <a:t>Kommunikationsinstanz besteht aus REST/</a:t>
+            </a:r>
+            <a:r>
+              <a:rPr lang="de-DE" dirty="0" err="1" smtClean="0"/>
+              <a:t>FastAPI</a:t>
+            </a:r>
+            <a:endParaRPr lang="de-DE" dirty="0" smtClean="0"/>
+          </a:p>
+          <a:p>
+            <a:pPr lvl="1"/>
+            <a:r>
+              <a:rPr lang="de-DE" dirty="0" err="1" smtClean="0"/>
+              <a:t>Representational</a:t>
+            </a:r>
+            <a:r>
+              <a:rPr lang="de-DE" dirty="0" smtClean="0"/>
+              <a:t> State Transfer (REST)</a:t>
+            </a:r>
+          </a:p>
+          <a:p>
+            <a:endParaRPr lang="de-DE" dirty="0" smtClean="0"/>
+          </a:p>
+          <a:p>
+            <a:r>
+              <a:rPr lang="de-DE" dirty="0" smtClean="0"/>
+              <a:t>Erste Tests mit </a:t>
+            </a:r>
+            <a:r>
+              <a:rPr lang="de-DE" dirty="0" err="1" smtClean="0"/>
+              <a:t>Nuitka</a:t>
+            </a:r>
+            <a:endParaRPr lang="de-DE" dirty="0" smtClean="0"/>
+          </a:p>
+          <a:p>
+            <a:pPr lvl="1"/>
+            <a:r>
+              <a:rPr lang="de-DE" dirty="0" smtClean="0"/>
+              <a:t>Eventuelle Beschleunigung</a:t>
+            </a:r>
+          </a:p>
+          <a:p>
+            <a:pPr lvl="1"/>
+            <a:r>
+              <a:rPr lang="de-DE" dirty="0" err="1" smtClean="0"/>
+              <a:t>Obsoletwerden</a:t>
+            </a:r>
+            <a:r>
+              <a:rPr lang="de-DE" dirty="0" smtClean="0"/>
+              <a:t> des Python Interpreters</a:t>
+            </a:r>
+            <a:endParaRPr lang="de-DE" dirty="0"/>
+          </a:p>
+          <a:p>
+            <a:pPr lvl="1"/>
+            <a:endParaRPr lang="de-DE" dirty="0"/>
+          </a:p>
+          <a:p>
+            <a:r>
+              <a:rPr lang="de-DE" dirty="0" smtClean="0"/>
+              <a:t>Mapping auf </a:t>
+            </a:r>
+            <a:r>
+              <a:rPr lang="de-DE" dirty="0" err="1" smtClean="0"/>
+              <a:t>SpaCyMultiTagger</a:t>
+            </a:r>
+            <a:r>
+              <a:rPr lang="de-DE" dirty="0" smtClean="0"/>
+              <a:t>- Methoden</a:t>
+            </a:r>
+            <a:endParaRPr lang="de-DE" dirty="0"/>
+          </a:p>
+        </p:txBody>
+      </p:sp>
+    </p:spTree>
+    <p:extLst>
+      <p:ext uri="{BB962C8B-B14F-4D97-AF65-F5344CB8AC3E}">
+        <p14:creationId xmlns:p14="http://schemas.microsoft.com/office/powerpoint/2010/main" val="3011863689"/>
+      </p:ext>
+    </p:extLst>
+  </p:cSld>
+  <p:clrMapOvr>
+    <a:masterClrMapping/>
+  </p:clrMapOvr>
+  <p:transition/>
+  <p:timing>
+    <p:tnLst>
+      <p:par>
+        <p:cTn id="1" dur="indefinite" restart="never" nodeType="tmRoot"/>
+      </p:par>
+    </p:tnLst>
+  </p:timing>
+</p:sld>
+</file>
+
+<file path=ppt/slides/slide12.xml><?xml version="1.0" encoding="utf-8"?>
+<p:sld xmlns:a="http://schemas.openxmlformats.org/drawingml/2006/main" xmlns:r="http://schemas.openxmlformats.org/officeDocument/2006/relationships" xmlns:p="http://schemas.openxmlformats.org/presentationml/2006/main">
+  <p:cSld>
+    <p:spTree>
+      <p:nvGrpSpPr>
+        <p:cNvPr id="1" name=""/>
+        <p:cNvGrpSpPr/>
+        <p:nvPr/>
+      </p:nvGrpSpPr>
+      <p:grpSpPr>
+        <a:xfrm>
+          <a:off x="0" y="0"/>
+          <a:ext cx="0" cy="0"/>
+          <a:chOff x="0" y="0"/>
+          <a:chExt cx="0" cy="0"/>
+        </a:xfrm>
+      </p:grpSpPr>
+      <p:sp>
+        <p:nvSpPr>
+          <p:cNvPr id="2" name="Title 1"/>
+          <p:cNvSpPr>
+            <a:spLocks noGrp="1"/>
+          </p:cNvSpPr>
+          <p:nvPr>
+            <p:ph type="title"/>
+          </p:nvPr>
+        </p:nvSpPr>
+        <p:spPr/>
+        <p:txBody>
+          <a:bodyPr/>
+          <a:lstStyle/>
+          <a:p>
+            <a:r>
               <a:rPr lang="de-DE" dirty="0"/>
-              <a:t>Agenda</a:t>
-            </a:r>
+              <a:t>Analyse und Vorgehensweise</a:t>
+            </a:r>
+          </a:p>
+        </p:txBody>
+      </p:sp>
+      <p:sp>
+        <p:nvSpPr>
+          <p:cNvPr id="3" name="Content Placeholder 2"/>
+          <p:cNvSpPr>
+            <a:spLocks noGrp="1"/>
+          </p:cNvSpPr>
+          <p:nvPr>
+            <p:ph idx="1"/>
+          </p:nvPr>
+        </p:nvSpPr>
+        <p:spPr>
+          <a:xfrm>
+            <a:off x="0" y="720000"/>
+            <a:ext cx="9144000" cy="5306068"/>
+          </a:xfrm>
+        </p:spPr>
+        <p:txBody>
+          <a:bodyPr/>
+          <a:lstStyle/>
+          <a:p>
+            <a:pPr marL="0" indent="0">
+              <a:buNone/>
+            </a:pPr>
+            <a:r>
+              <a:rPr lang="de-DE" sz="2800" dirty="0" smtClean="0"/>
+              <a:t>Umsetzung</a:t>
+            </a:r>
+            <a:r>
+              <a:rPr lang="de-DE" dirty="0" smtClean="0"/>
+              <a:t>:</a:t>
+            </a:r>
+          </a:p>
+          <a:p>
+            <a:r>
+              <a:rPr lang="de-DE" dirty="0" smtClean="0"/>
+              <a:t>Textübergabe in Java mit JSON- Formatierung als String</a:t>
+            </a:r>
+          </a:p>
+          <a:p>
+            <a:pPr lvl="1"/>
+            <a:r>
+              <a:rPr lang="de-DE" dirty="0" smtClean="0"/>
+              <a:t>Text, Sprache</a:t>
+            </a:r>
+          </a:p>
+          <a:p>
+            <a:pPr lvl="1"/>
+            <a:r>
+              <a:rPr lang="de-DE" dirty="0" smtClean="0"/>
+              <a:t>Docker Container des Python-Skripts starten</a:t>
+            </a:r>
+          </a:p>
+          <a:p>
+            <a:pPr lvl="1"/>
+            <a:r>
+              <a:rPr lang="de-DE" dirty="0" smtClean="0"/>
+              <a:t>REST-Kommunikation mit Webserver</a:t>
+            </a:r>
+          </a:p>
+          <a:p>
+            <a:pPr marL="457200" lvl="1" indent="0">
+              <a:buNone/>
+            </a:pPr>
+            <a:endParaRPr lang="de-DE" dirty="0" smtClean="0"/>
+          </a:p>
+          <a:p>
+            <a:r>
+              <a:rPr lang="de-DE" dirty="0" smtClean="0"/>
+              <a:t>Prozessablauf des Python-Skripts</a:t>
+            </a:r>
+          </a:p>
+          <a:p>
+            <a:pPr lvl="1"/>
+            <a:r>
+              <a:rPr lang="de-DE" dirty="0"/>
+              <a:t>Webserver initialisieren (</a:t>
+            </a:r>
+            <a:r>
+              <a:rPr lang="de-DE" dirty="0" err="1"/>
+              <a:t>FastAPI</a:t>
+            </a:r>
+            <a:r>
+              <a:rPr lang="de-DE" dirty="0"/>
+              <a:t>)</a:t>
+            </a:r>
+            <a:endParaRPr lang="de-DE" dirty="0" smtClean="0"/>
+          </a:p>
+          <a:p>
+            <a:pPr lvl="1"/>
+            <a:r>
+              <a:rPr lang="de-DE" dirty="0" smtClean="0"/>
+              <a:t>Sprachmodule laden</a:t>
+            </a:r>
+          </a:p>
+          <a:p>
+            <a:pPr lvl="1"/>
+            <a:r>
+              <a:rPr lang="de-DE" dirty="0" smtClean="0"/>
+              <a:t>NLP ausführen und parsen</a:t>
+            </a:r>
+          </a:p>
+          <a:p>
+            <a:pPr lvl="1"/>
+            <a:r>
+              <a:rPr lang="de-DE" dirty="0" smtClean="0"/>
+              <a:t>Rückgabe eines </a:t>
+            </a:r>
+            <a:r>
+              <a:rPr lang="de-DE" dirty="0" err="1" smtClean="0"/>
+              <a:t>JSONObject</a:t>
+            </a:r>
+            <a:endParaRPr lang="de-DE" dirty="0" smtClean="0"/>
+          </a:p>
+          <a:p>
+            <a:pPr marL="0" indent="0">
+              <a:buNone/>
+            </a:pPr>
+            <a:endParaRPr lang="de-DE" dirty="0" smtClean="0">
+              <a:sym typeface="Wingdings" panose="05000000000000000000" pitchFamily="2" charset="2"/>
+            </a:endParaRPr>
+          </a:p>
+          <a:p>
+            <a:pPr marL="0" indent="0">
+              <a:buNone/>
+            </a:pPr>
+            <a:r>
+              <a:rPr lang="de-DE" dirty="0" smtClean="0">
+                <a:sym typeface="Wingdings" panose="05000000000000000000" pitchFamily="2" charset="2"/>
+              </a:rPr>
+              <a:t> </a:t>
+            </a:r>
+            <a:r>
+              <a:rPr lang="de-DE" dirty="0" err="1" smtClean="0">
+                <a:sym typeface="Wingdings" panose="05000000000000000000" pitchFamily="2" charset="2"/>
+              </a:rPr>
+              <a:t>SpaCyMultiTaggerImproved</a:t>
+            </a:r>
+            <a:r>
+              <a:rPr lang="de-DE" dirty="0" smtClean="0">
+                <a:sym typeface="Wingdings" panose="05000000000000000000" pitchFamily="2" charset="2"/>
+              </a:rPr>
+              <a:t>- Methoden verwenden</a:t>
+            </a:r>
+            <a:endParaRPr lang="de-DE" dirty="0"/>
+          </a:p>
+        </p:txBody>
+      </p:sp>
+    </p:spTree>
+    <p:extLst>
+      <p:ext uri="{BB962C8B-B14F-4D97-AF65-F5344CB8AC3E}">
+        <p14:creationId xmlns:p14="http://schemas.microsoft.com/office/powerpoint/2010/main" val="2098668319"/>
+      </p:ext>
+    </p:extLst>
+  </p:cSld>
+  <p:clrMapOvr>
+    <a:masterClrMapping/>
+  </p:clrMapOvr>
+  <p:transition/>
+  <p:timing>
+    <p:tnLst>
+      <p:par>
+        <p:cTn id="1" dur="indefinite" restart="never" nodeType="tmRoot"/>
+      </p:par>
+    </p:tnLst>
+  </p:timing>
+</p:sld>
+</file>
+
+<file path=ppt/slides/slide13.xml><?xml version="1.0" encoding="utf-8"?>
+<p:sld xmlns:a="http://schemas.openxmlformats.org/drawingml/2006/main" xmlns:r="http://schemas.openxmlformats.org/officeDocument/2006/relationships" xmlns:p="http://schemas.openxmlformats.org/presentationml/2006/main">
+  <p:cSld>
+    <p:spTree>
+      <p:nvGrpSpPr>
+        <p:cNvPr id="1" name=""/>
+        <p:cNvGrpSpPr/>
+        <p:nvPr/>
+      </p:nvGrpSpPr>
+      <p:grpSpPr>
+        <a:xfrm>
+          <a:off x="0" y="0"/>
+          <a:ext cx="0" cy="0"/>
+          <a:chOff x="0" y="0"/>
+          <a:chExt cx="0" cy="0"/>
+        </a:xfrm>
+      </p:grpSpPr>
+      <p:sp>
+        <p:nvSpPr>
+          <p:cNvPr id="4" name="Title 3"/>
+          <p:cNvSpPr>
+            <a:spLocks noGrp="1"/>
+          </p:cNvSpPr>
+          <p:nvPr>
+            <p:ph type="title"/>
+          </p:nvPr>
+        </p:nvSpPr>
+        <p:spPr/>
+        <p:txBody>
+          <a:bodyPr/>
+          <a:lstStyle/>
+          <a:p>
+            <a:endParaRPr lang="de-DE"/>
           </a:p>
         </p:txBody>
       </p:sp>
@@ -2682,7 +9010,7 @@
         </p:nvSpPr>
         <p:spPr bwMode="auto">
           <a:xfrm>
-            <a:off x="0" y="775775"/>
+            <a:off x="0" y="3391390"/>
             <a:ext cx="9144000" cy="612775"/>
           </a:xfrm>
           <a:prstGeom prst="roundRect">
@@ -2842,7 +9170,7 @@
     </p:spTree>
     <p:extLst>
       <p:ext uri="{BB962C8B-B14F-4D97-AF65-F5344CB8AC3E}">
-        <p14:creationId xmlns:p14="http://schemas.microsoft.com/office/powerpoint/2010/main" val="2100872149"/>
+        <p14:creationId xmlns:p14="http://schemas.microsoft.com/office/powerpoint/2010/main" val="2385613191"/>
       </p:ext>
     </p:extLst>
   </p:cSld>
@@ -2850,10 +9178,17 @@
     <a:masterClrMapping/>
   </p:clrMapOvr>
   <p:transition/>
+  <p:timing>
+    <p:tnLst>
+      <p:par>
+        <p:cTn id="1" dur="indefinite" restart="never" nodeType="tmRoot"/>
+      </p:par>
+    </p:tnLst>
+  </p:timing>
 </p:sld>
 </file>
 
-<file path=ppt/slides/slide3.xml><?xml version="1.0" encoding="utf-8"?>
+<file path=ppt/slides/slide14.xml><?xml version="1.0" encoding="utf-8"?>
 <p:sld xmlns:a="http://schemas.openxmlformats.org/drawingml/2006/main" xmlns:r="http://schemas.openxmlformats.org/officeDocument/2006/relationships" xmlns:p="http://schemas.openxmlformats.org/presentationml/2006/main">
   <p:cSld>
     <p:spTree>
@@ -2872,13 +9207,196 @@
       </p:grpSpPr>
       <p:sp>
         <p:nvSpPr>
-          <p:cNvPr id="2" name="Titel 1">
-            <a:extLst>
-              <a:ext uri="{FF2B5EF4-FFF2-40B4-BE49-F238E27FC236}">
-                <a16:creationId xmlns:a16="http://schemas.microsoft.com/office/drawing/2014/main" id="{7D0B0225-332C-4D2F-87A4-79F4011B9F9E}"/>
-              </a:ext>
-            </a:extLst>
-          </p:cNvPr>
+          <p:cNvPr id="3" name="Title 2"/>
+          <p:cNvSpPr>
+            <a:spLocks noGrp="1"/>
+          </p:cNvSpPr>
+          <p:nvPr>
+            <p:ph type="title"/>
+          </p:nvPr>
+        </p:nvSpPr>
+        <p:spPr>
+          <a:xfrm>
+            <a:off x="0" y="0"/>
+            <a:ext cx="9144000" cy="553998"/>
+          </a:xfrm>
+        </p:spPr>
+        <p:txBody>
+          <a:bodyPr/>
+          <a:lstStyle/>
+          <a:p>
+            <a:r>
+              <a:rPr lang="de-DE" dirty="0" smtClean="0"/>
+              <a:t>Aktueller Stand</a:t>
+            </a:r>
+            <a:endParaRPr lang="de-DE" dirty="0"/>
+          </a:p>
+        </p:txBody>
+      </p:sp>
+      <p:sp>
+        <p:nvSpPr>
+          <p:cNvPr id="4" name="Content Placeholder 3"/>
+          <p:cNvSpPr>
+            <a:spLocks noGrp="1"/>
+          </p:cNvSpPr>
+          <p:nvPr>
+            <p:ph idx="1"/>
+          </p:nvPr>
+        </p:nvSpPr>
+        <p:spPr>
+          <a:xfrm>
+            <a:off x="0" y="720000"/>
+            <a:ext cx="9144000" cy="6272486"/>
+          </a:xfrm>
+        </p:spPr>
+        <p:txBody>
+          <a:bodyPr/>
+          <a:lstStyle/>
+          <a:p>
+            <a:endParaRPr lang="de-DE" dirty="0" smtClean="0"/>
+          </a:p>
+          <a:p>
+            <a:pPr>
+              <a:buFont typeface="Symbol" panose="05050102010706020507" pitchFamily="18" charset="2"/>
+              <a:buChar char="-"/>
+            </a:pPr>
+            <a:r>
+              <a:rPr lang="de-DE" sz="2800" dirty="0" smtClean="0"/>
+              <a:t>Wie </a:t>
+            </a:r>
+            <a:r>
+              <a:rPr lang="de-DE" sz="2800" dirty="0"/>
+              <a:t>lässt sich JEP anpassen/ersetzen</a:t>
+            </a:r>
+            <a:r>
+              <a:rPr lang="de-DE" sz="2800" dirty="0" smtClean="0"/>
+              <a:t>?</a:t>
+            </a:r>
+          </a:p>
+          <a:p>
+            <a:pPr>
+              <a:buFont typeface="Symbol" panose="05050102010706020507" pitchFamily="18" charset="2"/>
+              <a:buChar char="-"/>
+            </a:pPr>
+            <a:r>
+              <a:rPr lang="de-DE" sz="2800" dirty="0" smtClean="0"/>
+              <a:t>Wie </a:t>
+            </a:r>
+            <a:r>
+              <a:rPr lang="de-DE" sz="2800" dirty="0"/>
+              <a:t>kann man eine bessere Schnittstelle zu </a:t>
+            </a:r>
+            <a:r>
+              <a:rPr lang="de-DE" sz="2800" dirty="0" err="1"/>
+              <a:t>spaCy</a:t>
+            </a:r>
+            <a:r>
+              <a:rPr lang="de-DE" sz="2800" dirty="0"/>
+              <a:t> bewerkstelligen</a:t>
+            </a:r>
+            <a:r>
+              <a:rPr lang="de-DE" sz="2800" dirty="0" smtClean="0"/>
+              <a:t>?</a:t>
+            </a:r>
+          </a:p>
+          <a:p>
+            <a:endParaRPr lang="de-DE" dirty="0" smtClean="0"/>
+          </a:p>
+          <a:p>
+            <a:r>
+              <a:rPr lang="de-DE" dirty="0" smtClean="0"/>
+              <a:t>Docker Container mit Python-Skript als Ersatz</a:t>
+            </a:r>
+          </a:p>
+          <a:p>
+            <a:endParaRPr lang="de-DE" dirty="0" smtClean="0"/>
+          </a:p>
+          <a:p>
+            <a:r>
+              <a:rPr lang="de-DE" dirty="0" smtClean="0"/>
+              <a:t>Webserver dient als neue Schnittstelle zwischen Java &amp; Python</a:t>
+            </a:r>
+          </a:p>
+          <a:p>
+            <a:endParaRPr lang="de-DE" dirty="0"/>
+          </a:p>
+          <a:p>
+            <a:r>
+              <a:rPr lang="de-DE" dirty="0" smtClean="0"/>
+              <a:t>Vollständige JEP-Unabhängigkeit</a:t>
+            </a:r>
+          </a:p>
+          <a:p>
+            <a:pPr marL="457200" lvl="1" indent="0">
+              <a:buNone/>
+            </a:pPr>
+            <a:r>
+              <a:rPr lang="de-DE" dirty="0" smtClean="0">
+                <a:sym typeface="Wingdings" panose="05000000000000000000" pitchFamily="2" charset="2"/>
+              </a:rPr>
+              <a:t> </a:t>
+            </a:r>
+            <a:r>
+              <a:rPr lang="de-DE" u="sng" dirty="0" smtClean="0"/>
+              <a:t>Vollständige OS-Unabhängigkeit</a:t>
+            </a:r>
+          </a:p>
+          <a:p>
+            <a:pPr lvl="1"/>
+            <a:endParaRPr lang="de-DE" dirty="0"/>
+          </a:p>
+          <a:p>
+            <a:endParaRPr lang="de-DE" dirty="0"/>
+          </a:p>
+          <a:p>
+            <a:endParaRPr lang="de-DE" dirty="0" smtClean="0"/>
+          </a:p>
+          <a:p>
+            <a:endParaRPr lang="de-DE" dirty="0"/>
+          </a:p>
+        </p:txBody>
+      </p:sp>
+    </p:spTree>
+    <p:extLst>
+      <p:ext uri="{BB962C8B-B14F-4D97-AF65-F5344CB8AC3E}">
+        <p14:creationId xmlns:p14="http://schemas.microsoft.com/office/powerpoint/2010/main" val="1186272233"/>
+      </p:ext>
+    </p:extLst>
+  </p:cSld>
+  <p:clrMapOvr>
+    <a:masterClrMapping/>
+  </p:clrMapOvr>
+  <p:transition/>
+  <p:timing>
+    <p:tnLst>
+      <p:par>
+        <p:cTn id="1" dur="indefinite" restart="never" nodeType="tmRoot"/>
+      </p:par>
+    </p:tnLst>
+  </p:timing>
+</p:sld>
+</file>
+
+<file path=ppt/slides/slide15.xml><?xml version="1.0" encoding="utf-8"?>
+<p:sld xmlns:a="http://schemas.openxmlformats.org/drawingml/2006/main" xmlns:r="http://schemas.openxmlformats.org/officeDocument/2006/relationships" xmlns:p="http://schemas.openxmlformats.org/presentationml/2006/main">
+  <p:cSld>
+    <p:spTree>
+      <p:nvGrpSpPr>
+        <p:cNvPr id="1" name=""/>
+        <p:cNvGrpSpPr/>
+        <p:nvPr/>
+      </p:nvGrpSpPr>
+      <p:grpSpPr>
+        <a:xfrm>
+          <a:off x="0" y="0"/>
+          <a:ext cx="0" cy="0"/>
+          <a:chOff x="0" y="0"/>
+          <a:chExt cx="0" cy="0"/>
+        </a:xfrm>
+      </p:grpSpPr>
+      <p:sp>
+        <p:nvSpPr>
+          <p:cNvPr id="2" name="Title 1"/>
           <p:cNvSpPr>
             <a:spLocks noGrp="1"/>
           </p:cNvSpPr>
@@ -2893,20 +9411,14 @@
           <a:p>
             <a:r>
               <a:rPr lang="de-DE" dirty="0"/>
-              <a:t>Motivation</a:t>
+              <a:t>Aktueller Stand</a:t>
             </a:r>
           </a:p>
         </p:txBody>
       </p:sp>
       <p:sp>
         <p:nvSpPr>
-          <p:cNvPr id="3" name="Inhaltsplatzhalter 2">
-            <a:extLst>
-              <a:ext uri="{FF2B5EF4-FFF2-40B4-BE49-F238E27FC236}">
-                <a16:creationId xmlns:a16="http://schemas.microsoft.com/office/drawing/2014/main" id="{8698A878-AD6D-4022-8581-D9F6B47A757D}"/>
-              </a:ext>
-            </a:extLst>
-          </p:cNvPr>
+          <p:cNvPr id="3" name="Content Placeholder 2"/>
           <p:cNvSpPr>
             <a:spLocks noGrp="1"/>
           </p:cNvSpPr>
@@ -2917,51 +9429,106 @@
         <p:spPr>
           <a:xfrm>
             <a:off x="0" y="720000"/>
-            <a:ext cx="9144000" cy="2369880"/>
+            <a:ext cx="9144000" cy="5663089"/>
           </a:xfrm>
         </p:spPr>
         <p:txBody>
           <a:bodyPr/>
           <a:lstStyle/>
           <a:p>
-            <a:r>
-              <a:rPr lang="de-DE" dirty="0"/>
-              <a:t>Optimierung des NLP- Prozess</a:t>
-            </a:r>
-          </a:p>
-          <a:p>
-            <a:pPr lvl="1"/>
-            <a:r>
-              <a:rPr lang="de-DE" dirty="0" err="1"/>
-              <a:t>JepAnnotator</a:t>
-            </a:r>
-            <a:r>
-              <a:rPr lang="de-DE" dirty="0"/>
-              <a:t> als API zu Python (</a:t>
-            </a:r>
-            <a:r>
-              <a:rPr lang="de-DE" dirty="0" err="1"/>
-              <a:t>spaCy</a:t>
-            </a:r>
-            <a:r>
-              <a:rPr lang="de-DE" dirty="0"/>
-              <a:t>)</a:t>
+            <a:pPr>
+              <a:buFont typeface="Symbol" panose="05050102010706020507" pitchFamily="18" charset="2"/>
+              <a:buChar char="-"/>
+            </a:pPr>
+            <a:r>
+              <a:rPr lang="de-DE" sz="2800" dirty="0"/>
+              <a:t>Kann man die Entwicklung und Anpassung der Pipeline erleichtern</a:t>
+            </a:r>
+            <a:r>
+              <a:rPr lang="de-DE" sz="2800" dirty="0" smtClean="0"/>
+              <a:t>?</a:t>
+            </a:r>
+          </a:p>
+          <a:p>
+            <a:pPr>
+              <a:buFont typeface="Symbol" panose="05050102010706020507" pitchFamily="18" charset="2"/>
+              <a:buChar char="-"/>
+            </a:pPr>
+            <a:r>
+              <a:rPr lang="de-DE" sz="2800" dirty="0"/>
+              <a:t>Ist es möglich ein </a:t>
+            </a:r>
+            <a:r>
+              <a:rPr lang="de-DE" sz="2800" dirty="0" err="1"/>
+              <a:t>Standalone</a:t>
+            </a:r>
+            <a:r>
+              <a:rPr lang="de-DE" sz="2800" dirty="0"/>
+              <a:t> Python Skript zu erstellen?</a:t>
             </a:r>
           </a:p>
           <a:p>
             <a:pPr marL="457200" lvl="1" indent="0">
               <a:buNone/>
             </a:pPr>
+            <a:r>
+              <a:rPr lang="de-DE" sz="2800" dirty="0" smtClean="0">
+                <a:sym typeface="Wingdings" panose="05000000000000000000" pitchFamily="2" charset="2"/>
+              </a:rPr>
+              <a:t> </a:t>
+            </a:r>
+            <a:r>
+              <a:rPr lang="de-DE" sz="2800" dirty="0" err="1" smtClean="0"/>
+              <a:t>Dockerization</a:t>
+            </a:r>
+            <a:r>
+              <a:rPr lang="de-DE" sz="2800" dirty="0" smtClean="0"/>
+              <a:t> </a:t>
+            </a:r>
+            <a:r>
+              <a:rPr lang="de-DE" sz="2800" dirty="0"/>
+              <a:t>ermöglichen?</a:t>
+            </a:r>
+          </a:p>
+          <a:p>
+            <a:pPr marL="0" indent="0">
+              <a:buNone/>
+            </a:pPr>
+            <a:endParaRPr lang="de-DE" sz="2800" dirty="0" smtClean="0"/>
+          </a:p>
+          <a:p>
             <a:endParaRPr lang="de-DE" dirty="0"/>
           </a:p>
           <a:p>
             <a:r>
-              <a:rPr lang="de-DE" dirty="0"/>
-              <a:t>Fehleranfälligkeit reduzieren</a:t>
-            </a:r>
-          </a:p>
-          <a:p>
-            <a:pPr lvl="1"/>
+              <a:rPr lang="de-DE" dirty="0" smtClean="0"/>
+              <a:t>Starke Kapselung ermöglicht unabhängige Weiterentwicklung</a:t>
+            </a:r>
+          </a:p>
+          <a:p>
+            <a:endParaRPr lang="de-DE" dirty="0" smtClean="0"/>
+          </a:p>
+          <a:p>
+            <a:r>
+              <a:rPr lang="de-DE" dirty="0" smtClean="0"/>
+              <a:t>Hot Swap möglich durch </a:t>
+            </a:r>
+            <a:r>
+              <a:rPr lang="de-DE" dirty="0" err="1" smtClean="0"/>
+              <a:t>Dockerization</a:t>
+            </a:r>
+            <a:endParaRPr lang="de-DE" dirty="0" smtClean="0"/>
+          </a:p>
+          <a:p>
+            <a:endParaRPr lang="de-DE" dirty="0" smtClean="0"/>
+          </a:p>
+          <a:p>
+            <a:r>
+              <a:rPr lang="de-DE" dirty="0" smtClean="0"/>
+              <a:t>Änderungen im NLP-Prozess deutlich einfacher</a:t>
+            </a:r>
+          </a:p>
+          <a:p>
             <a:endParaRPr lang="de-DE" dirty="0"/>
           </a:p>
           <a:p>
@@ -2972,7 +9539,7 @@
     </p:spTree>
     <p:extLst>
       <p:ext uri="{BB962C8B-B14F-4D97-AF65-F5344CB8AC3E}">
-        <p14:creationId xmlns:p14="http://schemas.microsoft.com/office/powerpoint/2010/main" val="706588691"/>
+        <p14:creationId xmlns:p14="http://schemas.microsoft.com/office/powerpoint/2010/main" val="4271556864"/>
       </p:ext>
     </p:extLst>
   </p:cSld>
@@ -2980,10 +9547,85 @@
     <a:masterClrMapping/>
   </p:clrMapOvr>
   <p:transition/>
+  <p:timing>
+    <p:tnLst>
+      <p:par>
+        <p:cTn id="1" dur="indefinite" restart="never" nodeType="tmRoot"/>
+      </p:par>
+    </p:tnLst>
+  </p:timing>
 </p:sld>
 </file>
 
-<file path=ppt/slides/slide4.xml><?xml version="1.0" encoding="utf-8"?>
+<file path=ppt/slides/slide16.xml><?xml version="1.0" encoding="utf-8"?>
+<p:sld xmlns:a="http://schemas.openxmlformats.org/drawingml/2006/main" xmlns:r="http://schemas.openxmlformats.org/officeDocument/2006/relationships" xmlns:p="http://schemas.openxmlformats.org/presentationml/2006/main">
+  <p:cSld>
+    <p:spTree>
+      <p:nvGrpSpPr>
+        <p:cNvPr id="1" name=""/>
+        <p:cNvGrpSpPr/>
+        <p:nvPr/>
+      </p:nvGrpSpPr>
+      <p:grpSpPr>
+        <a:xfrm>
+          <a:off x="0" y="0"/>
+          <a:ext cx="0" cy="0"/>
+          <a:chOff x="0" y="0"/>
+          <a:chExt cx="0" cy="0"/>
+        </a:xfrm>
+      </p:grpSpPr>
+      <p:sp>
+        <p:nvSpPr>
+          <p:cNvPr id="3" name="Inhaltsplatzhalter 2"/>
+          <p:cNvSpPr>
+            <a:spLocks noGrp="1"/>
+          </p:cNvSpPr>
+          <p:nvPr>
+            <p:ph idx="1"/>
+          </p:nvPr>
+        </p:nvSpPr>
+        <p:spPr/>
+        <p:txBody>
+          <a:bodyPr>
+            <a:normAutofit/>
+          </a:bodyPr>
+          <a:lstStyle/>
+          <a:p>
+            <a:pPr marL="0" indent="0" algn="ctr">
+              <a:buNone/>
+            </a:pPr>
+            <a:r>
+              <a:rPr lang="de-DE" sz="6000" dirty="0"/>
+              <a:t>Vielen Dank </a:t>
+            </a:r>
+            <a:r>
+              <a:rPr lang="de-DE" sz="6000"/>
+              <a:t>für Ihre Aufmerksamkeit</a:t>
+            </a:r>
+            <a:r>
+              <a:rPr lang="de-DE" sz="6000" dirty="0"/>
+              <a:t>!</a:t>
+            </a:r>
+          </a:p>
+        </p:txBody>
+      </p:sp>
+    </p:spTree>
+  </p:cSld>
+  <p:clrMapOvr>
+    <a:masterClrMapping/>
+  </p:clrMapOvr>
+  <p:transition/>
+  <p:timing>
+    <p:tnLst>
+      <p:par>
+        <p:cTn id="1" dur="indefinite" restart="never" nodeType="tmRoot"/>
+      </p:par>
+    </p:tnLst>
+  </p:timing>
+</p:sld>
+</file>
+
+<file path=ppt/slides/slide2.xml><?xml version="1.0" encoding="utf-8"?>
 <p:sld xmlns:a="http://schemas.openxmlformats.org/drawingml/2006/main" xmlns:r="http://schemas.openxmlformats.org/officeDocument/2006/relationships" xmlns:p="http://schemas.openxmlformats.org/presentationml/2006/main">
   <p:cSld>
     <p:spTree>
@@ -3034,7 +9676,7 @@
         </p:nvSpPr>
         <p:spPr bwMode="auto">
           <a:xfrm>
-            <a:off x="0" y="1435970"/>
+            <a:off x="0" y="842450"/>
             <a:ext cx="9144000" cy="612775"/>
           </a:xfrm>
           <a:prstGeom prst="roundRect">
@@ -3194,6 +9836,468 @@
     </p:spTree>
     <p:extLst>
       <p:ext uri="{BB962C8B-B14F-4D97-AF65-F5344CB8AC3E}">
+        <p14:creationId xmlns:p14="http://schemas.microsoft.com/office/powerpoint/2010/main" val="2100872149"/>
+      </p:ext>
+    </p:extLst>
+  </p:cSld>
+  <p:clrMapOvr>
+    <a:masterClrMapping/>
+  </p:clrMapOvr>
+  <p:transition/>
+  <p:timing>
+    <p:tnLst>
+      <p:par>
+        <p:cTn id="1" dur="indefinite" restart="never" nodeType="tmRoot"/>
+      </p:par>
+    </p:tnLst>
+  </p:timing>
+</p:sld>
+</file>
+
+<file path=ppt/slides/slide3.xml><?xml version="1.0" encoding="utf-8"?>
+<p:sld xmlns:a="http://schemas.openxmlformats.org/drawingml/2006/main" xmlns:r="http://schemas.openxmlformats.org/officeDocument/2006/relationships" xmlns:p="http://schemas.openxmlformats.org/presentationml/2006/main">
+  <p:cSld>
+    <p:spTree>
+      <p:nvGrpSpPr>
+        <p:cNvPr id="1" name=""/>
+        <p:cNvGrpSpPr/>
+        <p:nvPr/>
+      </p:nvGrpSpPr>
+      <p:grpSpPr>
+        <a:xfrm>
+          <a:off x="0" y="0"/>
+          <a:ext cx="0" cy="0"/>
+          <a:chOff x="0" y="0"/>
+          <a:chExt cx="0" cy="0"/>
+        </a:xfrm>
+      </p:grpSpPr>
+      <p:sp>
+        <p:nvSpPr>
+          <p:cNvPr id="2" name="Titel 1">
+            <a:extLst>
+              <a:ext uri="{FF2B5EF4-FFF2-40B4-BE49-F238E27FC236}">
+                <a16:creationId xmlns:a16="http://schemas.microsoft.com/office/drawing/2014/main" xmlns="" id="{7D0B0225-332C-4D2F-87A4-79F4011B9F9E}"/>
+              </a:ext>
+            </a:extLst>
+          </p:cNvPr>
+          <p:cNvSpPr>
+            <a:spLocks noGrp="1"/>
+          </p:cNvSpPr>
+          <p:nvPr>
+            <p:ph type="title"/>
+          </p:nvPr>
+        </p:nvSpPr>
+        <p:spPr/>
+        <p:txBody>
+          <a:bodyPr/>
+          <a:lstStyle/>
+          <a:p>
+            <a:r>
+              <a:rPr lang="de-DE" dirty="0"/>
+              <a:t>Motivation</a:t>
+            </a:r>
+          </a:p>
+        </p:txBody>
+      </p:sp>
+      <p:sp>
+        <p:nvSpPr>
+          <p:cNvPr id="3" name="Inhaltsplatzhalter 2">
+            <a:extLst>
+              <a:ext uri="{FF2B5EF4-FFF2-40B4-BE49-F238E27FC236}">
+                <a16:creationId xmlns:a16="http://schemas.microsoft.com/office/drawing/2014/main" xmlns="" id="{8698A878-AD6D-4022-8581-D9F6B47A757D}"/>
+              </a:ext>
+            </a:extLst>
+          </p:cNvPr>
+          <p:cNvSpPr>
+            <a:spLocks noGrp="1"/>
+          </p:cNvSpPr>
+          <p:nvPr>
+            <p:ph idx="1"/>
+          </p:nvPr>
+        </p:nvSpPr>
+        <p:spPr>
+          <a:xfrm>
+            <a:off x="0" y="720000"/>
+            <a:ext cx="9144000" cy="7245060"/>
+          </a:xfrm>
+        </p:spPr>
+        <p:txBody>
+          <a:bodyPr/>
+          <a:lstStyle/>
+          <a:p>
+            <a:r>
+              <a:rPr lang="de-DE" dirty="0" smtClean="0"/>
+              <a:t>Fehleranfälligkeit</a:t>
+            </a:r>
+          </a:p>
+          <a:p>
+            <a:pPr lvl="1"/>
+            <a:r>
+              <a:rPr lang="de-DE" dirty="0" smtClean="0"/>
+              <a:t>JEP (Java Embedded Python)</a:t>
+            </a:r>
+            <a:endParaRPr lang="de-DE" dirty="0" smtClean="0"/>
+          </a:p>
+          <a:p>
+            <a:pPr lvl="1"/>
+            <a:r>
+              <a:rPr lang="de-DE" dirty="0" smtClean="0"/>
+              <a:t>JEP- Bibliothek erschwert Lauffähigkeit </a:t>
+            </a:r>
+          </a:p>
+          <a:p>
+            <a:pPr lvl="1"/>
+            <a:r>
+              <a:rPr lang="de-DE" dirty="0" smtClean="0"/>
+              <a:t>OS spezifische Probleme</a:t>
+            </a:r>
+          </a:p>
+          <a:p>
+            <a:pPr lvl="2"/>
+            <a:r>
+              <a:rPr lang="de-DE" dirty="0" smtClean="0"/>
+              <a:t>VS </a:t>
+            </a:r>
+            <a:r>
+              <a:rPr lang="de-DE" dirty="0" err="1" smtClean="0"/>
+              <a:t>Build</a:t>
+            </a:r>
+            <a:r>
+              <a:rPr lang="de-DE" dirty="0" smtClean="0"/>
+              <a:t> Tools &amp; Windows SDK </a:t>
+            </a:r>
+            <a:r>
+              <a:rPr lang="de-DE" dirty="0" err="1" smtClean="0"/>
+              <a:t>Dependency</a:t>
+            </a:r>
+            <a:endParaRPr lang="de-DE" dirty="0" smtClean="0"/>
+          </a:p>
+          <a:p>
+            <a:endParaRPr lang="de-DE" dirty="0"/>
+          </a:p>
+          <a:p>
+            <a:r>
+              <a:rPr lang="de-DE" dirty="0" smtClean="0"/>
+              <a:t>Schwache Kapselung</a:t>
+            </a:r>
+          </a:p>
+          <a:p>
+            <a:pPr lvl="1"/>
+            <a:r>
+              <a:rPr lang="de-DE" dirty="0" smtClean="0"/>
+              <a:t>Keine klare Trennung von Java und Python</a:t>
+            </a:r>
+          </a:p>
+          <a:p>
+            <a:pPr lvl="1"/>
+            <a:r>
+              <a:rPr lang="de-DE" dirty="0" smtClean="0"/>
+              <a:t>Weiterentwicklung erschwert</a:t>
+            </a:r>
+          </a:p>
+          <a:p>
+            <a:pPr lvl="1"/>
+            <a:r>
+              <a:rPr lang="de-DE" dirty="0" err="1" smtClean="0"/>
+              <a:t>Dockerization</a:t>
+            </a:r>
+            <a:r>
+              <a:rPr lang="de-DE" dirty="0" smtClean="0"/>
+              <a:t> nicht trivial</a:t>
+            </a:r>
+          </a:p>
+          <a:p>
+            <a:endParaRPr lang="de-DE" dirty="0"/>
+          </a:p>
+          <a:p>
+            <a:r>
+              <a:rPr lang="de-DE" dirty="0"/>
+              <a:t>Optimierung </a:t>
+            </a:r>
+            <a:r>
+              <a:rPr lang="de-DE" dirty="0" smtClean="0"/>
+              <a:t>und Restrukturierung des </a:t>
+            </a:r>
+            <a:r>
+              <a:rPr lang="de-DE" dirty="0"/>
+              <a:t>NLP- Prozesses</a:t>
+            </a:r>
+          </a:p>
+          <a:p>
+            <a:pPr lvl="1"/>
+            <a:r>
+              <a:rPr lang="de-DE" dirty="0" err="1" smtClean="0"/>
+              <a:t>JepAnnotator</a:t>
+            </a:r>
+            <a:r>
+              <a:rPr lang="de-DE" dirty="0" smtClean="0"/>
+              <a:t>-Klasse </a:t>
+            </a:r>
+            <a:r>
+              <a:rPr lang="de-DE" dirty="0"/>
+              <a:t>als API zu Python (</a:t>
+            </a:r>
+            <a:r>
+              <a:rPr lang="de-DE" dirty="0" err="1"/>
+              <a:t>spaCy</a:t>
+            </a:r>
+            <a:r>
+              <a:rPr lang="de-DE" dirty="0" smtClean="0"/>
+              <a:t>)</a:t>
+            </a:r>
+            <a:endParaRPr lang="de-DE" dirty="0"/>
+          </a:p>
+          <a:p>
+            <a:endParaRPr lang="de-DE" dirty="0" smtClean="0"/>
+          </a:p>
+          <a:p>
+            <a:pPr lvl="1"/>
+            <a:endParaRPr lang="de-DE" dirty="0"/>
+          </a:p>
+          <a:p>
+            <a:endParaRPr lang="de-DE" dirty="0"/>
+          </a:p>
+          <a:p>
+            <a:pPr lvl="1"/>
+            <a:endParaRPr lang="de-DE" dirty="0"/>
+          </a:p>
+          <a:p>
+            <a:endParaRPr lang="de-DE" dirty="0"/>
+          </a:p>
+        </p:txBody>
+      </p:sp>
+    </p:spTree>
+    <p:extLst>
+      <p:ext uri="{BB962C8B-B14F-4D97-AF65-F5344CB8AC3E}">
+        <p14:creationId xmlns:p14="http://schemas.microsoft.com/office/powerpoint/2010/main" val="706588691"/>
+      </p:ext>
+    </p:extLst>
+  </p:cSld>
+  <p:clrMapOvr>
+    <a:masterClrMapping/>
+  </p:clrMapOvr>
+  <p:transition/>
+  <p:timing>
+    <p:tnLst>
+      <p:par>
+        <p:cTn id="1" dur="indefinite" restart="never" nodeType="tmRoot"/>
+      </p:par>
+    </p:tnLst>
+  </p:timing>
+</p:sld>
+</file>
+
+<file path=ppt/slides/slide4.xml><?xml version="1.0" encoding="utf-8"?>
+<p:sld xmlns:a="http://schemas.openxmlformats.org/drawingml/2006/main" xmlns:r="http://schemas.openxmlformats.org/officeDocument/2006/relationships" xmlns:p="http://schemas.openxmlformats.org/presentationml/2006/main">
+  <p:cSld>
+    <p:spTree>
+      <p:nvGrpSpPr>
+        <p:cNvPr id="1" name=""/>
+        <p:cNvGrpSpPr/>
+        <p:nvPr/>
+      </p:nvGrpSpPr>
+      <p:grpSpPr>
+        <a:xfrm>
+          <a:off x="0" y="0"/>
+          <a:ext cx="0" cy="0"/>
+          <a:chOff x="0" y="0"/>
+          <a:chExt cx="0" cy="0"/>
+        </a:xfrm>
+      </p:grpSpPr>
+      <p:sp>
+        <p:nvSpPr>
+          <p:cNvPr id="4" name="Titel 3"/>
+          <p:cNvSpPr>
+            <a:spLocks noGrp="1"/>
+          </p:cNvSpPr>
+          <p:nvPr>
+            <p:ph type="title"/>
+          </p:nvPr>
+        </p:nvSpPr>
+        <p:spPr/>
+        <p:txBody>
+          <a:bodyPr/>
+          <a:lstStyle/>
+          <a:p>
+            <a:r>
+              <a:rPr lang="de-DE" dirty="0"/>
+              <a:t>Agenda</a:t>
+            </a:r>
+          </a:p>
+        </p:txBody>
+      </p:sp>
+      <p:sp>
+        <p:nvSpPr>
+          <p:cNvPr id="5" name="AutoShape 18">
+            <a:hlinkClick r:id="" action="ppaction://noaction"/>
+          </p:cNvPr>
+          <p:cNvSpPr>
+            <a:spLocks noChangeArrowheads="1"/>
+          </p:cNvSpPr>
+          <p:nvPr/>
+        </p:nvSpPr>
+        <p:spPr bwMode="auto">
+          <a:xfrm>
+            <a:off x="0" y="1483595"/>
+            <a:ext cx="9144000" cy="612775"/>
+          </a:xfrm>
+          <a:prstGeom prst="roundRect">
+            <a:avLst>
+              <a:gd name="adj" fmla="val 0"/>
+            </a:avLst>
+          </a:prstGeom>
+          <a:solidFill>
+            <a:srgbClr val="009AE0">
+              <a:alpha val="15000"/>
+            </a:srgbClr>
+          </a:solidFill>
+          <a:ln w="0" algn="ctr">
+            <a:noFill/>
+            <a:round/>
+            <a:headEnd/>
+            <a:tailEnd type="none" w="lg" len="lg"/>
+          </a:ln>
+        </p:spPr>
+        <p:txBody>
+          <a:bodyPr wrap="none" lIns="90000" tIns="46800" rIns="90000" bIns="46800" anchor="ctr"/>
+          <a:lstStyle>
+            <a:defPPr>
+              <a:defRPr lang="de-DE"/>
+            </a:defPPr>
+            <a:lvl1pPr algn="ctr" rtl="0" eaLnBrk="0" fontAlgn="base" hangingPunct="0">
+              <a:spcBef>
+                <a:spcPct val="50000"/>
+              </a:spcBef>
+              <a:spcAft>
+                <a:spcPct val="0"/>
+              </a:spcAft>
+              <a:defRPr sz="2200" kern="1200">
+                <a:solidFill>
+                  <a:schemeClr val="tx1"/>
+                </a:solidFill>
+                <a:latin typeface="Tahoma" pitchFamily="34" charset="0"/>
+                <a:ea typeface="+mn-ea"/>
+                <a:cs typeface="+mn-cs"/>
+              </a:defRPr>
+            </a:lvl1pPr>
+            <a:lvl2pPr marL="457200" algn="ctr" rtl="0" eaLnBrk="0" fontAlgn="base" hangingPunct="0">
+              <a:spcBef>
+                <a:spcPct val="50000"/>
+              </a:spcBef>
+              <a:spcAft>
+                <a:spcPct val="0"/>
+              </a:spcAft>
+              <a:defRPr sz="2200" kern="1200">
+                <a:solidFill>
+                  <a:schemeClr val="tx1"/>
+                </a:solidFill>
+                <a:latin typeface="Tahoma" pitchFamily="34" charset="0"/>
+                <a:ea typeface="+mn-ea"/>
+                <a:cs typeface="+mn-cs"/>
+              </a:defRPr>
+            </a:lvl2pPr>
+            <a:lvl3pPr marL="914400" algn="ctr" rtl="0" eaLnBrk="0" fontAlgn="base" hangingPunct="0">
+              <a:spcBef>
+                <a:spcPct val="50000"/>
+              </a:spcBef>
+              <a:spcAft>
+                <a:spcPct val="0"/>
+              </a:spcAft>
+              <a:defRPr sz="2200" kern="1200">
+                <a:solidFill>
+                  <a:schemeClr val="tx1"/>
+                </a:solidFill>
+                <a:latin typeface="Tahoma" pitchFamily="34" charset="0"/>
+                <a:ea typeface="+mn-ea"/>
+                <a:cs typeface="+mn-cs"/>
+              </a:defRPr>
+            </a:lvl3pPr>
+            <a:lvl4pPr marL="1371600" algn="ctr" rtl="0" eaLnBrk="0" fontAlgn="base" hangingPunct="0">
+              <a:spcBef>
+                <a:spcPct val="50000"/>
+              </a:spcBef>
+              <a:spcAft>
+                <a:spcPct val="0"/>
+              </a:spcAft>
+              <a:defRPr sz="2200" kern="1200">
+                <a:solidFill>
+                  <a:schemeClr val="tx1"/>
+                </a:solidFill>
+                <a:latin typeface="Tahoma" pitchFamily="34" charset="0"/>
+                <a:ea typeface="+mn-ea"/>
+                <a:cs typeface="+mn-cs"/>
+              </a:defRPr>
+            </a:lvl4pPr>
+            <a:lvl5pPr marL="1828800" algn="ctr" rtl="0" eaLnBrk="0" fontAlgn="base" hangingPunct="0">
+              <a:spcBef>
+                <a:spcPct val="50000"/>
+              </a:spcBef>
+              <a:spcAft>
+                <a:spcPct val="0"/>
+              </a:spcAft>
+              <a:defRPr sz="2200" kern="1200">
+                <a:solidFill>
+                  <a:schemeClr val="tx1"/>
+                </a:solidFill>
+                <a:latin typeface="Tahoma" pitchFamily="34" charset="0"/>
+                <a:ea typeface="+mn-ea"/>
+                <a:cs typeface="+mn-cs"/>
+              </a:defRPr>
+            </a:lvl5pPr>
+            <a:lvl6pPr marL="2286000" algn="l" defTabSz="914400" rtl="0" eaLnBrk="1" latinLnBrk="0" hangingPunct="1">
+              <a:defRPr sz="2200" kern="1200">
+                <a:solidFill>
+                  <a:schemeClr val="tx1"/>
+                </a:solidFill>
+                <a:latin typeface="Tahoma" pitchFamily="34" charset="0"/>
+                <a:ea typeface="+mn-ea"/>
+                <a:cs typeface="+mn-cs"/>
+              </a:defRPr>
+            </a:lvl6pPr>
+            <a:lvl7pPr marL="2743200" algn="l" defTabSz="914400" rtl="0" eaLnBrk="1" latinLnBrk="0" hangingPunct="1">
+              <a:defRPr sz="2200" kern="1200">
+                <a:solidFill>
+                  <a:schemeClr val="tx1"/>
+                </a:solidFill>
+                <a:latin typeface="Tahoma" pitchFamily="34" charset="0"/>
+                <a:ea typeface="+mn-ea"/>
+                <a:cs typeface="+mn-cs"/>
+              </a:defRPr>
+            </a:lvl7pPr>
+            <a:lvl8pPr marL="3200400" algn="l" defTabSz="914400" rtl="0" eaLnBrk="1" latinLnBrk="0" hangingPunct="1">
+              <a:defRPr sz="2200" kern="1200">
+                <a:solidFill>
+                  <a:schemeClr val="tx1"/>
+                </a:solidFill>
+                <a:latin typeface="Tahoma" pitchFamily="34" charset="0"/>
+                <a:ea typeface="+mn-ea"/>
+                <a:cs typeface="+mn-cs"/>
+              </a:defRPr>
+            </a:lvl8pPr>
+            <a:lvl9pPr marL="3657600" algn="l" defTabSz="914400" rtl="0" eaLnBrk="1" latinLnBrk="0" hangingPunct="1">
+              <a:defRPr sz="2200" kern="1200">
+                <a:solidFill>
+                  <a:schemeClr val="tx1"/>
+                </a:solidFill>
+                <a:latin typeface="Tahoma" pitchFamily="34" charset="0"/>
+                <a:ea typeface="+mn-ea"/>
+                <a:cs typeface="+mn-cs"/>
+              </a:defRPr>
+            </a:lvl9pPr>
+          </a:lstStyle>
+          <a:p>
+            <a:pPr algn="ctr" eaLnBrk="0" hangingPunct="0">
+              <a:spcBef>
+                <a:spcPct val="50000"/>
+              </a:spcBef>
+            </a:pPr>
+            <a:endParaRPr lang="de-DE"/>
+          </a:p>
+        </p:txBody>
+      </p:sp>
+    </p:spTree>
+    <p:extLst>
+      <p:ext uri="{BB962C8B-B14F-4D97-AF65-F5344CB8AC3E}">
         <p14:creationId xmlns:p14="http://schemas.microsoft.com/office/powerpoint/2010/main" val="2320379960"/>
       </p:ext>
     </p:extLst>
@@ -3202,6 +10306,13 @@
     <a:masterClrMapping/>
   </p:clrMapOvr>
   <p:transition/>
+  <p:timing>
+    <p:tnLst>
+      <p:par>
+        <p:cTn id="1" dur="indefinite" restart="never" nodeType="tmRoot"/>
+      </p:par>
+    </p:tnLst>
+  </p:timing>
 </p:sld>
 </file>
 
@@ -3232,57 +10343,419 @@
             <p:ph type="title"/>
           </p:nvPr>
         </p:nvSpPr>
+        <p:spPr/>
+        <p:txBody>
+          <a:bodyPr/>
+          <a:lstStyle/>
+          <a:p>
+            <a:r>
+              <a:rPr lang="de-DE" dirty="0"/>
+              <a:t>Problemstellung</a:t>
+            </a:r>
+          </a:p>
+        </p:txBody>
+      </p:sp>
+      <p:sp>
+        <p:nvSpPr>
+          <p:cNvPr id="3" name="Content Placeholder 2"/>
+          <p:cNvSpPr>
+            <a:spLocks noGrp="1"/>
+          </p:cNvSpPr>
+          <p:nvPr>
+            <p:ph idx="1"/>
+          </p:nvPr>
+        </p:nvSpPr>
         <p:spPr>
           <a:xfrm>
-            <a:off x="0" y="0"/>
-            <a:ext cx="9144000" cy="553998"/>
+            <a:off x="0" y="720000"/>
+            <a:ext cx="9144000" cy="6838795"/>
           </a:xfrm>
         </p:spPr>
         <p:txBody>
           <a:bodyPr/>
           <a:lstStyle/>
           <a:p>
+            <a:endParaRPr lang="de-DE" dirty="0" smtClean="0"/>
+          </a:p>
+          <a:p>
+            <a:r>
+              <a:rPr lang="de-DE" dirty="0" smtClean="0"/>
+              <a:t>Wie lässt sich JEP anpassen/ersetzen?</a:t>
+            </a:r>
+          </a:p>
+          <a:p>
+            <a:endParaRPr lang="de-DE" dirty="0" smtClean="0"/>
+          </a:p>
+          <a:p>
+            <a:r>
+              <a:rPr lang="de-DE" dirty="0" smtClean="0"/>
+              <a:t>Wie kann man eine bessere Schnittstelle zu </a:t>
+            </a:r>
+            <a:r>
+              <a:rPr lang="de-DE" dirty="0" err="1" smtClean="0"/>
+              <a:t>spaCy</a:t>
+            </a:r>
+            <a:r>
+              <a:rPr lang="de-DE" dirty="0" smtClean="0"/>
+              <a:t> bewerkstelligen?</a:t>
+            </a:r>
+          </a:p>
+          <a:p>
+            <a:endParaRPr lang="de-DE" dirty="0"/>
+          </a:p>
+          <a:p>
+            <a:r>
+              <a:rPr lang="de-DE" dirty="0" smtClean="0"/>
+              <a:t>Kann man die Entwicklung und Anpassung der Pipeline erleichtern?</a:t>
+            </a:r>
+          </a:p>
+          <a:p>
+            <a:endParaRPr lang="de-DE" dirty="0"/>
+          </a:p>
+          <a:p>
             <a:r>
               <a:rPr lang="de-DE" dirty="0"/>
-              <a:t>Problemstellung</a:t>
-            </a:r>
+              <a:t>Ist es möglich ein </a:t>
+            </a:r>
+            <a:r>
+              <a:rPr lang="de-DE" dirty="0" err="1"/>
+              <a:t>Standalone</a:t>
+            </a:r>
+            <a:r>
+              <a:rPr lang="de-DE" dirty="0"/>
+              <a:t> Python Skript erstellen?</a:t>
+            </a:r>
+          </a:p>
+          <a:p>
+            <a:pPr lvl="1"/>
+            <a:r>
+              <a:rPr lang="de-DE" dirty="0" err="1"/>
+              <a:t>Dockerization</a:t>
+            </a:r>
+            <a:r>
+              <a:rPr lang="de-DE" dirty="0"/>
+              <a:t> ermöglichen?</a:t>
+            </a:r>
+          </a:p>
+          <a:p>
+            <a:pPr marL="0" indent="0">
+              <a:buNone/>
+            </a:pPr>
+            <a:endParaRPr lang="de-DE" dirty="0" smtClean="0"/>
+          </a:p>
+          <a:p>
+            <a:pPr lvl="1"/>
+            <a:endParaRPr lang="de-DE" dirty="0" smtClean="0"/>
+          </a:p>
+          <a:p>
+            <a:endParaRPr lang="de-DE" dirty="0" smtClean="0"/>
+          </a:p>
+          <a:p>
+            <a:endParaRPr lang="de-DE" dirty="0" smtClean="0"/>
+          </a:p>
+          <a:p>
+            <a:endParaRPr lang="de-DE" dirty="0" smtClean="0"/>
+          </a:p>
+          <a:p>
+            <a:endParaRPr lang="de-DE" dirty="0"/>
+          </a:p>
+          <a:p>
+            <a:endParaRPr lang="de-DE" dirty="0" smtClean="0"/>
+          </a:p>
+          <a:p>
+            <a:endParaRPr lang="de-DE" dirty="0"/>
           </a:p>
         </p:txBody>
       </p:sp>
-      <p:pic>
-        <p:nvPicPr>
-          <p:cNvPr id="5" name="Grafik 4"/>
-          <p:cNvPicPr>
-            <a:picLocks/>
-          </p:cNvPicPr>
+    </p:spTree>
+    <p:extLst>
+      <p:ext uri="{BB962C8B-B14F-4D97-AF65-F5344CB8AC3E}">
+        <p14:creationId xmlns:p14="http://schemas.microsoft.com/office/powerpoint/2010/main" val="384288063"/>
+      </p:ext>
+    </p:extLst>
+  </p:cSld>
+  <p:clrMapOvr>
+    <a:masterClrMapping/>
+  </p:clrMapOvr>
+  <p:transition/>
+  <p:timing>
+    <p:tnLst>
+      <p:par>
+        <p:cTn id="1" dur="indefinite" restart="never" nodeType="tmRoot"/>
+      </p:par>
+    </p:tnLst>
+  </p:timing>
+</p:sld>
+</file>
+
+<file path=ppt/slides/slide6.xml><?xml version="1.0" encoding="utf-8"?>
+<p:sld xmlns:a="http://schemas.openxmlformats.org/drawingml/2006/main" xmlns:r="http://schemas.openxmlformats.org/officeDocument/2006/relationships" xmlns:p="http://schemas.openxmlformats.org/presentationml/2006/main">
+  <p:cSld>
+    <p:spTree>
+      <p:nvGrpSpPr>
+        <p:cNvPr id="1" name=""/>
+        <p:cNvGrpSpPr/>
+        <p:nvPr/>
+      </p:nvGrpSpPr>
+      <p:grpSpPr>
+        <a:xfrm>
+          <a:off x="0" y="0"/>
+          <a:ext cx="0" cy="0"/>
+          <a:chOff x="0" y="0"/>
+          <a:chExt cx="0" cy="0"/>
+        </a:xfrm>
+      </p:grpSpPr>
+      <p:sp>
+        <p:nvSpPr>
+          <p:cNvPr id="4" name="Titel 3"/>
+          <p:cNvSpPr>
+            <a:spLocks noGrp="1"/>
+          </p:cNvSpPr>
           <p:nvPr>
-            <p:custDataLst>
-              <p:tags r:id="rId1"/>
-            </p:custDataLst>
+            <p:ph type="title"/>
           </p:nvPr>
-        </p:nvPicPr>
-        <p:blipFill>
-          <a:blip r:embed="rId3" cstate="print">
-            <a:extLst>
-              <a:ext uri="{28A0092B-C50C-407E-A947-70E740481C1C}">
-                <a14:useLocalDpi xmlns:a14="http://schemas.microsoft.com/office/drawing/2010/main" val="0"/>
-              </a:ext>
-            </a:extLst>
-          </a:blip>
-          <a:stretch>
-            <a:fillRect/>
-          </a:stretch>
-        </p:blipFill>
-        <p:spPr>
+        </p:nvSpPr>
+        <p:spPr/>
+        <p:txBody>
+          <a:bodyPr/>
+          <a:lstStyle/>
+          <a:p>
+            <a:r>
+              <a:rPr lang="de-DE" dirty="0"/>
+              <a:t>Agenda</a:t>
+            </a:r>
+          </a:p>
+        </p:txBody>
+      </p:sp>
+      <p:sp>
+        <p:nvSpPr>
+          <p:cNvPr id="5" name="AutoShape 18">
+            <a:hlinkClick r:id="" action="ppaction://noaction"/>
+          </p:cNvPr>
+          <p:cNvSpPr>
+            <a:spLocks noChangeArrowheads="1"/>
+          </p:cNvSpPr>
+          <p:nvPr/>
+        </p:nvSpPr>
+        <p:spPr bwMode="auto">
           <a:xfrm>
-            <a:off x="360000" y="1440000"/>
-            <a:ext cx="1442752" cy="1074992"/>
+            <a:off x="0" y="2118342"/>
+            <a:ext cx="9144000" cy="612775"/>
           </a:xfrm>
-          <a:prstGeom prst="rect">
-            <a:avLst/>
+          <a:prstGeom prst="roundRect">
+            <a:avLst>
+              <a:gd name="adj" fmla="val 0"/>
+            </a:avLst>
           </a:prstGeom>
+          <a:solidFill>
+            <a:srgbClr val="009AE0">
+              <a:alpha val="15000"/>
+            </a:srgbClr>
+          </a:solidFill>
+          <a:ln w="0" algn="ctr">
+            <a:noFill/>
+            <a:round/>
+            <a:headEnd/>
+            <a:tailEnd type="none" w="lg" len="lg"/>
+          </a:ln>
         </p:spPr>
-      </p:pic>
+        <p:txBody>
+          <a:bodyPr wrap="none" lIns="90000" tIns="46800" rIns="90000" bIns="46800" anchor="ctr"/>
+          <a:lstStyle>
+            <a:defPPr>
+              <a:defRPr lang="de-DE"/>
+            </a:defPPr>
+            <a:lvl1pPr algn="ctr" rtl="0" eaLnBrk="0" fontAlgn="base" hangingPunct="0">
+              <a:spcBef>
+                <a:spcPct val="50000"/>
+              </a:spcBef>
+              <a:spcAft>
+                <a:spcPct val="0"/>
+              </a:spcAft>
+              <a:defRPr sz="2200" kern="1200">
+                <a:solidFill>
+                  <a:schemeClr val="tx1"/>
+                </a:solidFill>
+                <a:latin typeface="Tahoma" pitchFamily="34" charset="0"/>
+                <a:ea typeface="+mn-ea"/>
+                <a:cs typeface="+mn-cs"/>
+              </a:defRPr>
+            </a:lvl1pPr>
+            <a:lvl2pPr marL="457200" algn="ctr" rtl="0" eaLnBrk="0" fontAlgn="base" hangingPunct="0">
+              <a:spcBef>
+                <a:spcPct val="50000"/>
+              </a:spcBef>
+              <a:spcAft>
+                <a:spcPct val="0"/>
+              </a:spcAft>
+              <a:defRPr sz="2200" kern="1200">
+                <a:solidFill>
+                  <a:schemeClr val="tx1"/>
+                </a:solidFill>
+                <a:latin typeface="Tahoma" pitchFamily="34" charset="0"/>
+                <a:ea typeface="+mn-ea"/>
+                <a:cs typeface="+mn-cs"/>
+              </a:defRPr>
+            </a:lvl2pPr>
+            <a:lvl3pPr marL="914400" algn="ctr" rtl="0" eaLnBrk="0" fontAlgn="base" hangingPunct="0">
+              <a:spcBef>
+                <a:spcPct val="50000"/>
+              </a:spcBef>
+              <a:spcAft>
+                <a:spcPct val="0"/>
+              </a:spcAft>
+              <a:defRPr sz="2200" kern="1200">
+                <a:solidFill>
+                  <a:schemeClr val="tx1"/>
+                </a:solidFill>
+                <a:latin typeface="Tahoma" pitchFamily="34" charset="0"/>
+                <a:ea typeface="+mn-ea"/>
+                <a:cs typeface="+mn-cs"/>
+              </a:defRPr>
+            </a:lvl3pPr>
+            <a:lvl4pPr marL="1371600" algn="ctr" rtl="0" eaLnBrk="0" fontAlgn="base" hangingPunct="0">
+              <a:spcBef>
+                <a:spcPct val="50000"/>
+              </a:spcBef>
+              <a:spcAft>
+                <a:spcPct val="0"/>
+              </a:spcAft>
+              <a:defRPr sz="2200" kern="1200">
+                <a:solidFill>
+                  <a:schemeClr val="tx1"/>
+                </a:solidFill>
+                <a:latin typeface="Tahoma" pitchFamily="34" charset="0"/>
+                <a:ea typeface="+mn-ea"/>
+                <a:cs typeface="+mn-cs"/>
+              </a:defRPr>
+            </a:lvl4pPr>
+            <a:lvl5pPr marL="1828800" algn="ctr" rtl="0" eaLnBrk="0" fontAlgn="base" hangingPunct="0">
+              <a:spcBef>
+                <a:spcPct val="50000"/>
+              </a:spcBef>
+              <a:spcAft>
+                <a:spcPct val="0"/>
+              </a:spcAft>
+              <a:defRPr sz="2200" kern="1200">
+                <a:solidFill>
+                  <a:schemeClr val="tx1"/>
+                </a:solidFill>
+                <a:latin typeface="Tahoma" pitchFamily="34" charset="0"/>
+                <a:ea typeface="+mn-ea"/>
+                <a:cs typeface="+mn-cs"/>
+              </a:defRPr>
+            </a:lvl5pPr>
+            <a:lvl6pPr marL="2286000" algn="l" defTabSz="914400" rtl="0" eaLnBrk="1" latinLnBrk="0" hangingPunct="1">
+              <a:defRPr sz="2200" kern="1200">
+                <a:solidFill>
+                  <a:schemeClr val="tx1"/>
+                </a:solidFill>
+                <a:latin typeface="Tahoma" pitchFamily="34" charset="0"/>
+                <a:ea typeface="+mn-ea"/>
+                <a:cs typeface="+mn-cs"/>
+              </a:defRPr>
+            </a:lvl6pPr>
+            <a:lvl7pPr marL="2743200" algn="l" defTabSz="914400" rtl="0" eaLnBrk="1" latinLnBrk="0" hangingPunct="1">
+              <a:defRPr sz="2200" kern="1200">
+                <a:solidFill>
+                  <a:schemeClr val="tx1"/>
+                </a:solidFill>
+                <a:latin typeface="Tahoma" pitchFamily="34" charset="0"/>
+                <a:ea typeface="+mn-ea"/>
+                <a:cs typeface="+mn-cs"/>
+              </a:defRPr>
+            </a:lvl7pPr>
+            <a:lvl8pPr marL="3200400" algn="l" defTabSz="914400" rtl="0" eaLnBrk="1" latinLnBrk="0" hangingPunct="1">
+              <a:defRPr sz="2200" kern="1200">
+                <a:solidFill>
+                  <a:schemeClr val="tx1"/>
+                </a:solidFill>
+                <a:latin typeface="Tahoma" pitchFamily="34" charset="0"/>
+                <a:ea typeface="+mn-ea"/>
+                <a:cs typeface="+mn-cs"/>
+              </a:defRPr>
+            </a:lvl8pPr>
+            <a:lvl9pPr marL="3657600" algn="l" defTabSz="914400" rtl="0" eaLnBrk="1" latinLnBrk="0" hangingPunct="1">
+              <a:defRPr sz="2200" kern="1200">
+                <a:solidFill>
+                  <a:schemeClr val="tx1"/>
+                </a:solidFill>
+                <a:latin typeface="Tahoma" pitchFamily="34" charset="0"/>
+                <a:ea typeface="+mn-ea"/>
+                <a:cs typeface="+mn-cs"/>
+              </a:defRPr>
+            </a:lvl9pPr>
+          </a:lstStyle>
+          <a:p>
+            <a:pPr algn="ctr" eaLnBrk="0" hangingPunct="0">
+              <a:spcBef>
+                <a:spcPct val="50000"/>
+              </a:spcBef>
+            </a:pPr>
+            <a:endParaRPr lang="de-DE"/>
+          </a:p>
+        </p:txBody>
+      </p:sp>
+    </p:spTree>
+    <p:extLst>
+      <p:ext uri="{BB962C8B-B14F-4D97-AF65-F5344CB8AC3E}">
+        <p14:creationId xmlns:p14="http://schemas.microsoft.com/office/powerpoint/2010/main" val="3285320071"/>
+      </p:ext>
+    </p:extLst>
+  </p:cSld>
+  <p:clrMapOvr>
+    <a:masterClrMapping/>
+  </p:clrMapOvr>
+  <p:transition/>
+  <p:timing>
+    <p:tnLst>
+      <p:par>
+        <p:cTn id="1" dur="indefinite" restart="never" nodeType="tmRoot"/>
+      </p:par>
+    </p:tnLst>
+  </p:timing>
+</p:sld>
+</file>
+
+<file path=ppt/slides/slide7.xml><?xml version="1.0" encoding="utf-8"?>
+<p:sld xmlns:a="http://schemas.openxmlformats.org/drawingml/2006/main" xmlns:r="http://schemas.openxmlformats.org/officeDocument/2006/relationships" xmlns:p="http://schemas.openxmlformats.org/presentationml/2006/main">
+  <p:cSld>
+    <p:spTree>
+      <p:nvGrpSpPr>
+        <p:cNvPr id="1" name=""/>
+        <p:cNvGrpSpPr/>
+        <p:nvPr/>
+      </p:nvGrpSpPr>
+      <p:grpSpPr>
+        <a:xfrm>
+          <a:off x="0" y="0"/>
+          <a:ext cx="0" cy="0"/>
+          <a:chOff x="0" y="0"/>
+          <a:chExt cx="0" cy="0"/>
+        </a:xfrm>
+      </p:grpSpPr>
+      <p:sp>
+        <p:nvSpPr>
+          <p:cNvPr id="2" name="Titel 1"/>
+          <p:cNvSpPr>
+            <a:spLocks noGrp="1"/>
+          </p:cNvSpPr>
+          <p:nvPr>
+            <p:ph type="title"/>
+          </p:nvPr>
+        </p:nvSpPr>
+        <p:spPr/>
+        <p:txBody>
+          <a:bodyPr/>
+          <a:lstStyle/>
+          <a:p>
+            <a:r>
+              <a:rPr lang="de-DE" dirty="0"/>
+              <a:t>Zusammenhang mit dem Gesamtprojekt</a:t>
+            </a:r>
+          </a:p>
+        </p:txBody>
+      </p:sp>
       <p:sp>
         <p:nvSpPr>
           <p:cNvPr id="6" name="Inhaltsplatzhalter 2"/>
@@ -3294,7 +10767,7 @@
         <p:spPr bwMode="auto">
           <a:xfrm>
             <a:off x="0" y="720000"/>
-            <a:ext cx="9144000" cy="430887"/>
+            <a:ext cx="9144000" cy="3182410"/>
           </a:xfrm>
           <a:prstGeom prst="rect">
             <a:avLst/>
@@ -3454,54 +10927,47 @@
             </a:lvl9pPr>
           </a:lstStyle>
           <a:p>
-            <a:pPr>
-              <a:buFontTx/>
-              <a:buNone/>
-            </a:pPr>
-            <a:r>
-              <a:rPr lang="de-DE" sz="2800" kern="0">
-                <a:solidFill>
-                  <a:srgbClr val="008000"/>
-                </a:solidFill>
-              </a:rPr>
-              <a:t>Übersicht </a:t>
-            </a:r>
-            <a:r>
-              <a:rPr lang="de-DE" sz="2000" kern="0">
-                <a:solidFill>
-                  <a:srgbClr val="009AE0"/>
-                </a:solidFill>
-              </a:rPr>
-              <a:t>(Referenz</a:t>
-            </a:r>
-            <a:r>
-              <a:rPr lang="en-US" sz="2000" kern="0">
-                <a:solidFill>
-                  <a:srgbClr val="009AE0"/>
-                </a:solidFill>
-              </a:rPr>
-              <a:t> Jahr:Seite</a:t>
-            </a:r>
-            <a:r>
-              <a:rPr lang="de-DE" sz="2000" kern="0">
-                <a:solidFill>
-                  <a:srgbClr val="009AE0"/>
-                </a:solidFill>
-              </a:rPr>
-              <a:t>)</a:t>
-            </a:r>
-            <a:endParaRPr lang="de-DE" sz="2000" kern="0" dirty="0">
-              <a:solidFill>
-                <a:srgbClr val="009AE0"/>
-              </a:solidFill>
-            </a:endParaRPr>
+            <a:endParaRPr lang="de-DE" kern="0" dirty="0" smtClean="0"/>
+          </a:p>
+          <a:p>
+            <a:r>
+              <a:rPr lang="de-DE" kern="0" dirty="0" smtClean="0"/>
+              <a:t>JEP Unabhängigkeit</a:t>
+            </a:r>
+          </a:p>
+          <a:p>
+            <a:endParaRPr lang="de-DE" kern="0" dirty="0" smtClean="0"/>
+          </a:p>
+          <a:p>
+            <a:r>
+              <a:rPr lang="de-DE" kern="0" dirty="0" smtClean="0"/>
+              <a:t>OS- unabhängige Nutzbarkeit</a:t>
+            </a:r>
+          </a:p>
+          <a:p>
+            <a:endParaRPr lang="de-DE" kern="0" dirty="0" smtClean="0"/>
+          </a:p>
+          <a:p>
+            <a:r>
+              <a:rPr lang="de-DE" kern="0" dirty="0" smtClean="0"/>
+              <a:t>Python-basierte Werkzeuge besser kapseln mithilfe von Docker</a:t>
+            </a:r>
+          </a:p>
+          <a:p>
+            <a:endParaRPr lang="de-DE" kern="0" dirty="0"/>
+          </a:p>
+          <a:p>
+            <a:r>
+              <a:rPr lang="de-DE" kern="0" dirty="0" smtClean="0"/>
+              <a:t>Konstante Stabilisierung der Pipeline sicherstellen</a:t>
+            </a:r>
           </a:p>
         </p:txBody>
       </p:sp>
     </p:spTree>
     <p:extLst>
       <p:ext uri="{BB962C8B-B14F-4D97-AF65-F5344CB8AC3E}">
-        <p14:creationId xmlns:p14="http://schemas.microsoft.com/office/powerpoint/2010/main" val="384288063"/>
+        <p14:creationId xmlns:p14="http://schemas.microsoft.com/office/powerpoint/2010/main" val="2580927341"/>
       </p:ext>
     </p:extLst>
   </p:cSld>
@@ -3509,10 +10975,17 @@
     <a:masterClrMapping/>
   </p:clrMapOvr>
   <p:transition/>
+  <p:timing>
+    <p:tnLst>
+      <p:par>
+        <p:cTn id="1" dur="indefinite" restart="never" nodeType="tmRoot"/>
+      </p:par>
+    </p:tnLst>
+  </p:timing>
 </p:sld>
 </file>
 
-<file path=ppt/slides/slide6.xml><?xml version="1.0" encoding="utf-8"?>
+<file path=ppt/slides/slide8.xml><?xml version="1.0" encoding="utf-8"?>
 <p:sld xmlns:a="http://schemas.openxmlformats.org/drawingml/2006/main" xmlns:r="http://schemas.openxmlformats.org/officeDocument/2006/relationships" xmlns:p="http://schemas.openxmlformats.org/presentationml/2006/main">
   <p:cSld>
     <p:spTree>
@@ -3563,7 +11036,7 @@
         </p:nvSpPr>
         <p:spPr bwMode="auto">
           <a:xfrm>
-            <a:off x="0" y="2070717"/>
+            <a:off x="0" y="2772265"/>
             <a:ext cx="9144000" cy="612775"/>
           </a:xfrm>
           <a:prstGeom prst="roundRect">
@@ -3723,530 +11196,6 @@
     </p:spTree>
     <p:extLst>
       <p:ext uri="{BB962C8B-B14F-4D97-AF65-F5344CB8AC3E}">
-        <p14:creationId xmlns:p14="http://schemas.microsoft.com/office/powerpoint/2010/main" val="3285320071"/>
-      </p:ext>
-    </p:extLst>
-  </p:cSld>
-  <p:clrMapOvr>
-    <a:masterClrMapping/>
-  </p:clrMapOvr>
-  <p:transition/>
-</p:sld>
-</file>
-
-<file path=ppt/slides/slide7.xml><?xml version="1.0" encoding="utf-8"?>
-<p:sld xmlns:a="http://schemas.openxmlformats.org/drawingml/2006/main" xmlns:r="http://schemas.openxmlformats.org/officeDocument/2006/relationships" xmlns:p="http://schemas.openxmlformats.org/presentationml/2006/main">
-  <p:cSld>
-    <p:spTree>
-      <p:nvGrpSpPr>
-        <p:cNvPr id="1" name=""/>
-        <p:cNvGrpSpPr/>
-        <p:nvPr/>
-      </p:nvGrpSpPr>
-      <p:grpSpPr>
-        <a:xfrm>
-          <a:off x="0" y="0"/>
-          <a:ext cx="0" cy="0"/>
-          <a:chOff x="0" y="0"/>
-          <a:chExt cx="0" cy="0"/>
-        </a:xfrm>
-      </p:grpSpPr>
-      <p:sp>
-        <p:nvSpPr>
-          <p:cNvPr id="2" name="Titel 1"/>
-          <p:cNvSpPr>
-            <a:spLocks noGrp="1"/>
-          </p:cNvSpPr>
-          <p:nvPr>
-            <p:ph type="title"/>
-          </p:nvPr>
-        </p:nvSpPr>
-        <p:spPr/>
-        <p:txBody>
-          <a:bodyPr/>
-          <a:lstStyle/>
-          <a:p>
-            <a:r>
-              <a:rPr lang="de-DE" dirty="0"/>
-              <a:t>Zusammenhang mit dem Gesamtprojekt</a:t>
-            </a:r>
-          </a:p>
-        </p:txBody>
-      </p:sp>
-      <p:pic>
-        <p:nvPicPr>
-          <p:cNvPr id="4" name="Grafik 3"/>
-          <p:cNvPicPr>
-            <a:picLocks/>
-          </p:cNvPicPr>
-          <p:nvPr>
-            <p:custDataLst>
-              <p:tags r:id="rId1"/>
-            </p:custDataLst>
-          </p:nvPr>
-        </p:nvPicPr>
-        <p:blipFill>
-          <a:blip r:embed="rId3" cstate="print">
-            <a:extLst>
-              <a:ext uri="{28A0092B-C50C-407E-A947-70E740481C1C}">
-                <a14:useLocalDpi xmlns:a14="http://schemas.microsoft.com/office/drawing/2010/main" val="0"/>
-              </a:ext>
-            </a:extLst>
-          </a:blip>
-          <a:stretch>
-            <a:fillRect/>
-          </a:stretch>
-        </p:blipFill>
-        <p:spPr>
-          <a:xfrm>
-            <a:off x="360000" y="1440000"/>
-            <a:ext cx="873824" cy="1436465"/>
-          </a:xfrm>
-          <a:prstGeom prst="rect">
-            <a:avLst/>
-          </a:prstGeom>
-        </p:spPr>
-      </p:pic>
-      <p:sp>
-        <p:nvSpPr>
-          <p:cNvPr id="6" name="Inhaltsplatzhalter 2"/>
-          <p:cNvSpPr txBox="1">
-            <a:spLocks/>
-          </p:cNvSpPr>
-          <p:nvPr/>
-        </p:nvSpPr>
-        <p:spPr bwMode="auto">
-          <a:xfrm>
-            <a:off x="0" y="720000"/>
-            <a:ext cx="9144000" cy="430887"/>
-          </a:xfrm>
-          <a:prstGeom prst="rect">
-            <a:avLst/>
-          </a:prstGeom>
-          <a:noFill/>
-          <a:ln w="9525">
-            <a:noFill/>
-            <a:miter lim="800000"/>
-            <a:headEnd/>
-            <a:tailEnd/>
-          </a:ln>
-        </p:spPr>
-        <p:txBody>
-          <a:bodyPr vert="horz" wrap="square" lIns="360000" tIns="0" rIns="108000" bIns="0" numCol="1" anchor="t" anchorCtr="0" compatLnSpc="1">
-            <a:prstTxWarp prst="textNoShape">
-              <a:avLst/>
-            </a:prstTxWarp>
-            <a:spAutoFit/>
-          </a:bodyPr>
-          <a:lstStyle>
-            <a:lvl1pPr marL="342900" indent="-342900" algn="l" rtl="0" eaLnBrk="1" fontAlgn="base" hangingPunct="1">
-              <a:spcBef>
-                <a:spcPct val="20000"/>
-              </a:spcBef>
-              <a:spcAft>
-                <a:spcPct val="0"/>
-              </a:spcAft>
-              <a:buChar char="•"/>
-              <a:defRPr sz="2200">
-                <a:solidFill>
-                  <a:schemeClr val="tx1"/>
-                </a:solidFill>
-                <a:latin typeface="Calibri" pitchFamily="34" charset="0"/>
-                <a:ea typeface="+mn-ea"/>
-                <a:cs typeface="+mn-cs"/>
-              </a:defRPr>
-            </a:lvl1pPr>
-            <a:lvl2pPr marL="742950" indent="-285750" algn="l" rtl="0" eaLnBrk="1" fontAlgn="base" hangingPunct="1">
-              <a:spcBef>
-                <a:spcPct val="20000"/>
-              </a:spcBef>
-              <a:spcAft>
-                <a:spcPct val="0"/>
-              </a:spcAft>
-              <a:buChar char="–"/>
-              <a:defRPr sz="2200">
-                <a:solidFill>
-                  <a:schemeClr val="tx1"/>
-                </a:solidFill>
-                <a:latin typeface="Calibri" pitchFamily="34" charset="0"/>
-              </a:defRPr>
-            </a:lvl2pPr>
-            <a:lvl3pPr marL="1143000" indent="-228600" algn="l" rtl="0" eaLnBrk="1" fontAlgn="base" hangingPunct="1">
-              <a:spcBef>
-                <a:spcPct val="20000"/>
-              </a:spcBef>
-              <a:spcAft>
-                <a:spcPct val="0"/>
-              </a:spcAft>
-              <a:buChar char="•"/>
-              <a:defRPr sz="2200">
-                <a:solidFill>
-                  <a:schemeClr val="tx1"/>
-                </a:solidFill>
-                <a:latin typeface="Calibri" pitchFamily="34" charset="0"/>
-              </a:defRPr>
-            </a:lvl3pPr>
-            <a:lvl4pPr marL="1600200" indent="-228600" algn="l" rtl="0" eaLnBrk="1" fontAlgn="base" hangingPunct="1">
-              <a:spcBef>
-                <a:spcPct val="20000"/>
-              </a:spcBef>
-              <a:spcAft>
-                <a:spcPct val="0"/>
-              </a:spcAft>
-              <a:buChar char="–"/>
-              <a:defRPr sz="2200">
-                <a:solidFill>
-                  <a:schemeClr val="tx1"/>
-                </a:solidFill>
-                <a:latin typeface="Calibri" pitchFamily="34" charset="0"/>
-              </a:defRPr>
-            </a:lvl4pPr>
-            <a:lvl5pPr marL="2057400" indent="-228600" algn="l" rtl="0" eaLnBrk="1" fontAlgn="base" hangingPunct="1">
-              <a:spcBef>
-                <a:spcPct val="20000"/>
-              </a:spcBef>
-              <a:spcAft>
-                <a:spcPct val="0"/>
-              </a:spcAft>
-              <a:buChar char="»"/>
-              <a:defRPr sz="2200">
-                <a:solidFill>
-                  <a:schemeClr val="tx1"/>
-                </a:solidFill>
-                <a:latin typeface="Calibri" pitchFamily="34" charset="0"/>
-              </a:defRPr>
-            </a:lvl5pPr>
-            <a:lvl6pPr marL="2514600" indent="-228600" algn="l" rtl="0" eaLnBrk="1" fontAlgn="base" hangingPunct="1">
-              <a:spcBef>
-                <a:spcPct val="20000"/>
-              </a:spcBef>
-              <a:spcAft>
-                <a:spcPct val="0"/>
-              </a:spcAft>
-              <a:buChar char="»"/>
-              <a:defRPr sz="2200">
-                <a:solidFill>
-                  <a:schemeClr val="tx1"/>
-                </a:solidFill>
-                <a:latin typeface="+mn-lt"/>
-              </a:defRPr>
-            </a:lvl6pPr>
-            <a:lvl7pPr marL="2971800" indent="-228600" algn="l" rtl="0" eaLnBrk="1" fontAlgn="base" hangingPunct="1">
-              <a:spcBef>
-                <a:spcPct val="20000"/>
-              </a:spcBef>
-              <a:spcAft>
-                <a:spcPct val="0"/>
-              </a:spcAft>
-              <a:buChar char="»"/>
-              <a:defRPr sz="2200">
-                <a:solidFill>
-                  <a:schemeClr val="tx1"/>
-                </a:solidFill>
-                <a:latin typeface="+mn-lt"/>
-              </a:defRPr>
-            </a:lvl7pPr>
-            <a:lvl8pPr marL="3429000" indent="-228600" algn="l" rtl="0" eaLnBrk="1" fontAlgn="base" hangingPunct="1">
-              <a:spcBef>
-                <a:spcPct val="20000"/>
-              </a:spcBef>
-              <a:spcAft>
-                <a:spcPct val="0"/>
-              </a:spcAft>
-              <a:buChar char="»"/>
-              <a:defRPr sz="2200">
-                <a:solidFill>
-                  <a:schemeClr val="tx1"/>
-                </a:solidFill>
-                <a:latin typeface="+mn-lt"/>
-              </a:defRPr>
-            </a:lvl8pPr>
-            <a:lvl9pPr marL="3886200" indent="-228600" algn="l" rtl="0" eaLnBrk="1" fontAlgn="base" hangingPunct="1">
-              <a:spcBef>
-                <a:spcPct val="20000"/>
-              </a:spcBef>
-              <a:spcAft>
-                <a:spcPct val="0"/>
-              </a:spcAft>
-              <a:buChar char="»"/>
-              <a:defRPr sz="2200">
-                <a:solidFill>
-                  <a:schemeClr val="tx1"/>
-                </a:solidFill>
-                <a:latin typeface="+mn-lt"/>
-              </a:defRPr>
-            </a:lvl9pPr>
-          </a:lstStyle>
-          <a:p>
-            <a:pPr>
-              <a:buFontTx/>
-              <a:buNone/>
-            </a:pPr>
-            <a:r>
-              <a:rPr lang="de-DE" sz="2800" kern="0">
-                <a:solidFill>
-                  <a:srgbClr val="008000"/>
-                </a:solidFill>
-              </a:rPr>
-              <a:t>Übersicht </a:t>
-            </a:r>
-            <a:r>
-              <a:rPr lang="de-DE" sz="2000" kern="0">
-                <a:solidFill>
-                  <a:srgbClr val="009AE0"/>
-                </a:solidFill>
-              </a:rPr>
-              <a:t>(Referenz</a:t>
-            </a:r>
-            <a:r>
-              <a:rPr lang="en-US" sz="2000" kern="0">
-                <a:solidFill>
-                  <a:srgbClr val="009AE0"/>
-                </a:solidFill>
-              </a:rPr>
-              <a:t> Jahr:Seite</a:t>
-            </a:r>
-            <a:r>
-              <a:rPr lang="de-DE" sz="2000" kern="0">
-                <a:solidFill>
-                  <a:srgbClr val="009AE0"/>
-                </a:solidFill>
-              </a:rPr>
-              <a:t>)</a:t>
-            </a:r>
-            <a:endParaRPr lang="de-DE" sz="2000" kern="0" dirty="0">
-              <a:solidFill>
-                <a:srgbClr val="009AE0"/>
-              </a:solidFill>
-            </a:endParaRPr>
-          </a:p>
-        </p:txBody>
-      </p:sp>
-    </p:spTree>
-    <p:extLst>
-      <p:ext uri="{BB962C8B-B14F-4D97-AF65-F5344CB8AC3E}">
-        <p14:creationId xmlns:p14="http://schemas.microsoft.com/office/powerpoint/2010/main" val="2580927341"/>
-      </p:ext>
-    </p:extLst>
-  </p:cSld>
-  <p:clrMapOvr>
-    <a:masterClrMapping/>
-  </p:clrMapOvr>
-  <p:transition/>
-</p:sld>
-</file>
-
-<file path=ppt/slides/slide8.xml><?xml version="1.0" encoding="utf-8"?>
-<p:sld xmlns:a="http://schemas.openxmlformats.org/drawingml/2006/main" xmlns:r="http://schemas.openxmlformats.org/officeDocument/2006/relationships" xmlns:p="http://schemas.openxmlformats.org/presentationml/2006/main">
-  <p:cSld>
-    <p:spTree>
-      <p:nvGrpSpPr>
-        <p:cNvPr id="1" name=""/>
-        <p:cNvGrpSpPr/>
-        <p:nvPr/>
-      </p:nvGrpSpPr>
-      <p:grpSpPr>
-        <a:xfrm>
-          <a:off x="0" y="0"/>
-          <a:ext cx="0" cy="0"/>
-          <a:chOff x="0" y="0"/>
-          <a:chExt cx="0" cy="0"/>
-        </a:xfrm>
-      </p:grpSpPr>
-      <p:sp>
-        <p:nvSpPr>
-          <p:cNvPr id="4" name="Titel 3"/>
-          <p:cNvSpPr>
-            <a:spLocks noGrp="1"/>
-          </p:cNvSpPr>
-          <p:nvPr>
-            <p:ph type="title"/>
-          </p:nvPr>
-        </p:nvSpPr>
-        <p:spPr/>
-        <p:txBody>
-          <a:bodyPr/>
-          <a:lstStyle/>
-          <a:p>
-            <a:r>
-              <a:rPr lang="de-DE" dirty="0"/>
-              <a:t>Agenda</a:t>
-            </a:r>
-          </a:p>
-        </p:txBody>
-      </p:sp>
-      <p:sp>
-        <p:nvSpPr>
-          <p:cNvPr id="5" name="AutoShape 18">
-            <a:hlinkClick r:id="" action="ppaction://noaction"/>
-          </p:cNvPr>
-          <p:cNvSpPr>
-            <a:spLocks noChangeArrowheads="1"/>
-          </p:cNvSpPr>
-          <p:nvPr/>
-        </p:nvSpPr>
-        <p:spPr bwMode="auto">
-          <a:xfrm>
-            <a:off x="0" y="2857990"/>
-            <a:ext cx="9144000" cy="612775"/>
-          </a:xfrm>
-          <a:prstGeom prst="roundRect">
-            <a:avLst>
-              <a:gd name="adj" fmla="val 0"/>
-            </a:avLst>
-          </a:prstGeom>
-          <a:solidFill>
-            <a:srgbClr val="009AE0">
-              <a:alpha val="15000"/>
-            </a:srgbClr>
-          </a:solidFill>
-          <a:ln w="0" algn="ctr">
-            <a:noFill/>
-            <a:round/>
-            <a:headEnd/>
-            <a:tailEnd type="none" w="lg" len="lg"/>
-          </a:ln>
-        </p:spPr>
-        <p:txBody>
-          <a:bodyPr wrap="none" lIns="90000" tIns="46800" rIns="90000" bIns="46800" anchor="ctr"/>
-          <a:lstStyle>
-            <a:defPPr>
-              <a:defRPr lang="de-DE"/>
-            </a:defPPr>
-            <a:lvl1pPr algn="ctr" rtl="0" eaLnBrk="0" fontAlgn="base" hangingPunct="0">
-              <a:spcBef>
-                <a:spcPct val="50000"/>
-              </a:spcBef>
-              <a:spcAft>
-                <a:spcPct val="0"/>
-              </a:spcAft>
-              <a:defRPr sz="2200" kern="1200">
-                <a:solidFill>
-                  <a:schemeClr val="tx1"/>
-                </a:solidFill>
-                <a:latin typeface="Tahoma" pitchFamily="34" charset="0"/>
-                <a:ea typeface="+mn-ea"/>
-                <a:cs typeface="+mn-cs"/>
-              </a:defRPr>
-            </a:lvl1pPr>
-            <a:lvl2pPr marL="457200" algn="ctr" rtl="0" eaLnBrk="0" fontAlgn="base" hangingPunct="0">
-              <a:spcBef>
-                <a:spcPct val="50000"/>
-              </a:spcBef>
-              <a:spcAft>
-                <a:spcPct val="0"/>
-              </a:spcAft>
-              <a:defRPr sz="2200" kern="1200">
-                <a:solidFill>
-                  <a:schemeClr val="tx1"/>
-                </a:solidFill>
-                <a:latin typeface="Tahoma" pitchFamily="34" charset="0"/>
-                <a:ea typeface="+mn-ea"/>
-                <a:cs typeface="+mn-cs"/>
-              </a:defRPr>
-            </a:lvl2pPr>
-            <a:lvl3pPr marL="914400" algn="ctr" rtl="0" eaLnBrk="0" fontAlgn="base" hangingPunct="0">
-              <a:spcBef>
-                <a:spcPct val="50000"/>
-              </a:spcBef>
-              <a:spcAft>
-                <a:spcPct val="0"/>
-              </a:spcAft>
-              <a:defRPr sz="2200" kern="1200">
-                <a:solidFill>
-                  <a:schemeClr val="tx1"/>
-                </a:solidFill>
-                <a:latin typeface="Tahoma" pitchFamily="34" charset="0"/>
-                <a:ea typeface="+mn-ea"/>
-                <a:cs typeface="+mn-cs"/>
-              </a:defRPr>
-            </a:lvl3pPr>
-            <a:lvl4pPr marL="1371600" algn="ctr" rtl="0" eaLnBrk="0" fontAlgn="base" hangingPunct="0">
-              <a:spcBef>
-                <a:spcPct val="50000"/>
-              </a:spcBef>
-              <a:spcAft>
-                <a:spcPct val="0"/>
-              </a:spcAft>
-              <a:defRPr sz="2200" kern="1200">
-                <a:solidFill>
-                  <a:schemeClr val="tx1"/>
-                </a:solidFill>
-                <a:latin typeface="Tahoma" pitchFamily="34" charset="0"/>
-                <a:ea typeface="+mn-ea"/>
-                <a:cs typeface="+mn-cs"/>
-              </a:defRPr>
-            </a:lvl4pPr>
-            <a:lvl5pPr marL="1828800" algn="ctr" rtl="0" eaLnBrk="0" fontAlgn="base" hangingPunct="0">
-              <a:spcBef>
-                <a:spcPct val="50000"/>
-              </a:spcBef>
-              <a:spcAft>
-                <a:spcPct val="0"/>
-              </a:spcAft>
-              <a:defRPr sz="2200" kern="1200">
-                <a:solidFill>
-                  <a:schemeClr val="tx1"/>
-                </a:solidFill>
-                <a:latin typeface="Tahoma" pitchFamily="34" charset="0"/>
-                <a:ea typeface="+mn-ea"/>
-                <a:cs typeface="+mn-cs"/>
-              </a:defRPr>
-            </a:lvl5pPr>
-            <a:lvl6pPr marL="2286000" algn="l" defTabSz="914400" rtl="0" eaLnBrk="1" latinLnBrk="0" hangingPunct="1">
-              <a:defRPr sz="2200" kern="1200">
-                <a:solidFill>
-                  <a:schemeClr val="tx1"/>
-                </a:solidFill>
-                <a:latin typeface="Tahoma" pitchFamily="34" charset="0"/>
-                <a:ea typeface="+mn-ea"/>
-                <a:cs typeface="+mn-cs"/>
-              </a:defRPr>
-            </a:lvl6pPr>
-            <a:lvl7pPr marL="2743200" algn="l" defTabSz="914400" rtl="0" eaLnBrk="1" latinLnBrk="0" hangingPunct="1">
-              <a:defRPr sz="2200" kern="1200">
-                <a:solidFill>
-                  <a:schemeClr val="tx1"/>
-                </a:solidFill>
-                <a:latin typeface="Tahoma" pitchFamily="34" charset="0"/>
-                <a:ea typeface="+mn-ea"/>
-                <a:cs typeface="+mn-cs"/>
-              </a:defRPr>
-            </a:lvl7pPr>
-            <a:lvl8pPr marL="3200400" algn="l" defTabSz="914400" rtl="0" eaLnBrk="1" latinLnBrk="0" hangingPunct="1">
-              <a:defRPr sz="2200" kern="1200">
-                <a:solidFill>
-                  <a:schemeClr val="tx1"/>
-                </a:solidFill>
-                <a:latin typeface="Tahoma" pitchFamily="34" charset="0"/>
-                <a:ea typeface="+mn-ea"/>
-                <a:cs typeface="+mn-cs"/>
-              </a:defRPr>
-            </a:lvl8pPr>
-            <a:lvl9pPr marL="3657600" algn="l" defTabSz="914400" rtl="0" eaLnBrk="1" latinLnBrk="0" hangingPunct="1">
-              <a:defRPr sz="2200" kern="1200">
-                <a:solidFill>
-                  <a:schemeClr val="tx1"/>
-                </a:solidFill>
-                <a:latin typeface="Tahoma" pitchFamily="34" charset="0"/>
-                <a:ea typeface="+mn-ea"/>
-                <a:cs typeface="+mn-cs"/>
-              </a:defRPr>
-            </a:lvl9pPr>
-          </a:lstStyle>
-          <a:p>
-            <a:pPr algn="ctr" eaLnBrk="0" hangingPunct="0">
-              <a:spcBef>
-                <a:spcPct val="50000"/>
-              </a:spcBef>
-            </a:pPr>
-            <a:endParaRPr lang="de-DE"/>
-          </a:p>
-        </p:txBody>
-      </p:sp>
-    </p:spTree>
-    <p:extLst>
-      <p:ext uri="{BB962C8B-B14F-4D97-AF65-F5344CB8AC3E}">
         <p14:creationId xmlns:p14="http://schemas.microsoft.com/office/powerpoint/2010/main" val="3148023554"/>
       </p:ext>
     </p:extLst>
@@ -4255,6 +11204,13 @@
     <a:masterClrMapping/>
   </p:clrMapOvr>
   <p:transition/>
+  <p:timing>
+    <p:tnLst>
+      <p:par>
+        <p:cTn id="1" dur="indefinite" restart="never" nodeType="tmRoot"/>
+      </p:par>
+    </p:tnLst>
+  </p:timing>
 </p:sld>
 </file>
 
@@ -4280,7 +11236,7 @@
           <p:cNvPr id="2" name="Titel 1">
             <a:extLst>
               <a:ext uri="{FF2B5EF4-FFF2-40B4-BE49-F238E27FC236}">
-                <a16:creationId xmlns:a16="http://schemas.microsoft.com/office/drawing/2014/main" id="{8A534FE6-323B-43DA-94DA-DCD5D3263691}"/>
+                <a16:creationId xmlns:a16="http://schemas.microsoft.com/office/drawing/2014/main" xmlns="" id="{8A534FE6-323B-43DA-94DA-DCD5D3263691}"/>
               </a:ext>
             </a:extLst>
           </p:cNvPr>
@@ -4303,28 +11259,74 @@
           </a:p>
         </p:txBody>
       </p:sp>
+      <p:graphicFrame>
+        <p:nvGraphicFramePr>
+          <p:cNvPr id="4" name="Content Placeholder 3"/>
+          <p:cNvGraphicFramePr>
+            <a:graphicFrameLocks noGrp="1"/>
+          </p:cNvGraphicFramePr>
+          <p:nvPr>
+            <p:ph idx="1"/>
+            <p:extLst>
+              <p:ext uri="{D42A27DB-BD31-4B8C-83A1-F6EECF244321}">
+                <p14:modId xmlns:p14="http://schemas.microsoft.com/office/powerpoint/2010/main" val="2087864985"/>
+              </p:ext>
+            </p:extLst>
+          </p:nvPr>
+        </p:nvGraphicFramePr>
+        <p:xfrm>
+          <a:off x="0" y="1538883"/>
+          <a:ext cx="9144000" cy="3645329"/>
+        </p:xfrm>
+        <a:graphic>
+          <a:graphicData uri="http://schemas.openxmlformats.org/drawingml/2006/diagram">
+            <dgm:relIds xmlns:dgm="http://schemas.openxmlformats.org/drawingml/2006/diagram" xmlns:r="http://schemas.openxmlformats.org/officeDocument/2006/relationships" r:dm="rId2" r:lo="rId3" r:qs="rId4" r:cs="rId5"/>
+          </a:graphicData>
+        </a:graphic>
+      </p:graphicFrame>
       <p:sp>
         <p:nvSpPr>
-          <p:cNvPr id="3" name="Inhaltsplatzhalter 2">
-            <a:extLst>
-              <a:ext uri="{FF2B5EF4-FFF2-40B4-BE49-F238E27FC236}">
-                <a16:creationId xmlns:a16="http://schemas.microsoft.com/office/drawing/2014/main" id="{C31C2171-8102-4520-8910-F3BE62918B60}"/>
-              </a:ext>
-            </a:extLst>
-          </p:cNvPr>
-          <p:cNvSpPr>
-            <a:spLocks noGrp="1"/>
-          </p:cNvSpPr>
-          <p:nvPr>
-            <p:ph idx="1"/>
-          </p:nvPr>
+          <p:cNvPr id="6" name="TextBox 5"/>
+          <p:cNvSpPr txBox="1"/>
+          <p:nvPr/>
         </p:nvSpPr>
-        <p:spPr/>
+        <p:spPr>
+          <a:xfrm>
+            <a:off x="0" y="553998"/>
+            <a:ext cx="9144000" cy="430887"/>
+          </a:xfrm>
+          <a:prstGeom prst="rect">
+            <a:avLst/>
+          </a:prstGeom>
+          <a:noFill/>
+        </p:spPr>
         <p:txBody>
-          <a:bodyPr/>
+          <a:bodyPr wrap="square" rtlCol="0">
+            <a:spAutoFit/>
+          </a:bodyPr>
           <a:lstStyle/>
           <a:p>
-            <a:endParaRPr lang="de-DE"/>
+            <a:r>
+              <a:rPr lang="de-DE" dirty="0" smtClean="0">
+                <a:latin typeface="Calibri" panose="020F0502020204030204" pitchFamily="34" charset="0"/>
+                <a:cs typeface="Calibri" panose="020F0502020204030204" pitchFamily="34" charset="0"/>
+              </a:rPr>
+              <a:t>Status quo des </a:t>
+            </a:r>
+            <a:r>
+              <a:rPr lang="de-DE" dirty="0" err="1" smtClean="0">
+                <a:latin typeface="Calibri" panose="020F0502020204030204" pitchFamily="34" charset="0"/>
+                <a:cs typeface="Calibri" panose="020F0502020204030204" pitchFamily="34" charset="0"/>
+              </a:rPr>
+              <a:t>JepAnnotators</a:t>
+            </a:r>
+            <a:r>
+              <a:rPr lang="de-DE" dirty="0" smtClean="0">
+                <a:latin typeface="Calibri" panose="020F0502020204030204" pitchFamily="34" charset="0"/>
+                <a:cs typeface="Calibri" panose="020F0502020204030204" pitchFamily="34" charset="0"/>
+              </a:rPr>
+              <a:t>:</a:t>
+            </a:r>
           </a:p>
         </p:txBody>
       </p:sp>
@@ -4339,30 +11341,19 @@
     <a:masterClrMapping/>
   </p:clrMapOvr>
   <p:transition/>
+  <p:timing>
+    <p:tnLst>
+      <p:par>
+        <p:cTn id="1" dur="indefinite" restart="never" nodeType="tmRoot"/>
+      </p:par>
+    </p:tnLst>
+  </p:timing>
 </p:sld>
 </file>
 
 <file path=ppt/tags/tag1.xml><?xml version="1.0" encoding="utf-8"?>
 <p:tagLst xmlns:a="http://schemas.openxmlformats.org/drawingml/2006/main" xmlns:r="http://schemas.openxmlformats.org/officeDocument/2006/relationships" xmlns:p="http://schemas.openxmlformats.org/presentationml/2006/main">
   <p:tag name="FIRSTAM@TJEEWJMFUVWYY577" val="3296"/>
-</p:tagLst>
-</file>
-
-<file path=ppt/tags/tag2.xml><?xml version="1.0" encoding="utf-8"?>
-<p:tagLst xmlns:a="http://schemas.openxmlformats.org/drawingml/2006/main" xmlns:r="http://schemas.openxmlformats.org/officeDocument/2006/relationships" xmlns:p="http://schemas.openxmlformats.org/presentationml/2006/main">
-  <p:tag name="SOURCE" val="% arara: xelatex: { shell: yes }&#10;\XeTeXinputencoding cp1252&#10;\documentclass{article}&#10;\input{C:/_Template/template-XE.tex}&#10;\begin{document}&#10;&#10;\begin{itemize}&#10;\item Stichpunkt&#10;\item Stichpunkt&#10;\item Stichpunkt&#10;\end{itemize}&#10;&#10;\end{document}&#10;&#10;&#10;&#10;&#10;&#10;&#10;&#10;&#10;&#10;&#10;&#10;"/>
-  <p:tag name="RES" val="600"/>
-  <p:tag name="TRANSPARENT" val="Wahr"/>
-  <p:tag name="COMPILER" val="xelatex"/>
-</p:tagLst>
-</file>
-
-<file path=ppt/tags/tag3.xml><?xml version="1.0" encoding="utf-8"?>
-<p:tagLst xmlns:a="http://schemas.openxmlformats.org/drawingml/2006/main" xmlns:r="http://schemas.openxmlformats.org/officeDocument/2006/relationships" xmlns:p="http://schemas.openxmlformats.org/presentationml/2006/main">
-  <p:tag name="SOURCE" val="% arara: xelatex: { shell: yes }&#10;\XeTeXinputencoding cp1252&#10;\documentclass{article}&#10;\input{C:/_Template/template-XE.tex}&#10;\begin{document}&#10;&#10;\begin{itemize}&#10;\item Teil 1&#10;\item Teil 2&#10;\item Teil 3&#10;\item ...&#10;\end{itemize}&#10;&#10;\end{document}&#10;&#10;&#10;&#10;&#10;&#10;&#10;&#10;&#10;&#10;&#10;&#10;"/>
-  <p:tag name="RES" val="600"/>
-  <p:tag name="TRANSPARENT" val="Wahr"/>
-  <p:tag name="COMPILER" val="xelatex"/>
 </p:tagLst>
 </file>
 
